--- a/09 Exploratory Data Analysis/09 Exploratory Data Analysis.pptx
+++ b/09 Exploratory Data Analysis/09 Exploratory Data Analysis.pptx
@@ -5,24 +5,25 @@
     <p:sldMasterId id="2147483706" r:id="rId1"/>
   </p:sldMasterIdLst>
   <p:notesMasterIdLst>
-    <p:notesMasterId r:id="rId14"/>
+    <p:notesMasterId r:id="rId15"/>
   </p:notesMasterIdLst>
   <p:handoutMasterIdLst>
-    <p:handoutMasterId r:id="rId15"/>
+    <p:handoutMasterId r:id="rId16"/>
   </p:handoutMasterIdLst>
   <p:sldIdLst>
     <p:sldId id="256" r:id="rId2"/>
     <p:sldId id="379" r:id="rId3"/>
     <p:sldId id="361" r:id="rId4"/>
-    <p:sldId id="530" r:id="rId5"/>
-    <p:sldId id="354" r:id="rId6"/>
-    <p:sldId id="360" r:id="rId7"/>
-    <p:sldId id="362" r:id="rId8"/>
-    <p:sldId id="355" r:id="rId9"/>
-    <p:sldId id="375" r:id="rId10"/>
-    <p:sldId id="529" r:id="rId11"/>
-    <p:sldId id="476" r:id="rId12"/>
-    <p:sldId id="532" r:id="rId13"/>
+    <p:sldId id="518" r:id="rId5"/>
+    <p:sldId id="530" r:id="rId6"/>
+    <p:sldId id="354" r:id="rId7"/>
+    <p:sldId id="360" r:id="rId8"/>
+    <p:sldId id="362" r:id="rId9"/>
+    <p:sldId id="355" r:id="rId10"/>
+    <p:sldId id="375" r:id="rId11"/>
+    <p:sldId id="529" r:id="rId12"/>
+    <p:sldId id="476" r:id="rId13"/>
+    <p:sldId id="532" r:id="rId14"/>
   </p:sldIdLst>
   <p:sldSz cx="9144000" cy="6858000" type="screen4x3"/>
   <p:notesSz cx="6858000" cy="9144000"/>
@@ -296,7 +297,7 @@
               <a:pPr>
                 <a:defRPr/>
               </a:pPr>
-              <a:t>11/2/18</a:t>
+              <a:t>12/11/18</a:t>
             </a:fld>
             <a:endParaRPr lang="en-US"/>
           </a:p>
@@ -541,7 +542,7 @@
               <a:pPr>
                 <a:defRPr/>
               </a:pPr>
-              <a:t>11/2/18</a:t>
+              <a:t>12/11/18</a:t>
             </a:fld>
             <a:endParaRPr lang="en-US"/>
           </a:p>
@@ -7512,6 +7513,341 @@
                 <a:ea typeface="Arial Unicode MS" panose="020B0604020202020204" pitchFamily="34" charset="-128"/>
                 <a:cs typeface="Arial Unicode MS" panose="020B0604020202020204" pitchFamily="34" charset="-128"/>
               </a:rPr>
+              <a:t>Skewness</a:t>
+            </a:r>
+          </a:p>
+        </p:txBody>
+      </p:sp>
+      <p:sp>
+        <p:nvSpPr>
+          <p:cNvPr id="3" name="Text Placeholder 2"/>
+          <p:cNvSpPr>
+            <a:spLocks noGrp="1"/>
+          </p:cNvSpPr>
+          <p:nvPr>
+            <p:ph type="body" sz="half" idx="1"/>
+          </p:nvPr>
+        </p:nvSpPr>
+        <p:spPr>
+          <a:xfrm>
+            <a:off x="152400" y="1143000"/>
+            <a:ext cx="8991600" cy="5715000"/>
+          </a:xfrm>
+        </p:spPr>
+        <p:txBody>
+          <a:bodyPr>
+            <a:normAutofit fontScale="92500" lnSpcReduction="20000"/>
+          </a:bodyPr>
+          <a:lstStyle/>
+          <a:p>
+            <a:pPr>
+              <a:lnSpc>
+                <a:spcPct val="90000"/>
+              </a:lnSpc>
+            </a:pPr>
+            <a:r>
+              <a:rPr lang="en-US" sz="2600"/>
+              <a:t>Masures the asymmetry of the distribution of a variable</a:t>
+            </a:r>
+          </a:p>
+          <a:p>
+            <a:pPr>
+              <a:lnSpc>
+                <a:spcPct val="90000"/>
+              </a:lnSpc>
+            </a:pPr>
+            <a:endParaRPr lang="en-US" sz="2400"/>
+          </a:p>
+          <a:p>
+            <a:pPr>
+              <a:lnSpc>
+                <a:spcPct val="90000"/>
+              </a:lnSpc>
+            </a:pPr>
+            <a:endParaRPr lang="en-US" sz="2400"/>
+          </a:p>
+          <a:p>
+            <a:pPr>
+              <a:lnSpc>
+                <a:spcPct val="90000"/>
+              </a:lnSpc>
+            </a:pPr>
+            <a:endParaRPr lang="en-US" sz="2400"/>
+          </a:p>
+          <a:p>
+            <a:pPr marL="82296" indent="0">
+              <a:lnSpc>
+                <a:spcPct val="90000"/>
+              </a:lnSpc>
+              <a:buNone/>
+            </a:pPr>
+            <a:endParaRPr lang="en-US" sz="2300" dirty="0">
+              <a:solidFill>
+                <a:srgbClr val="0070C0"/>
+              </a:solidFill>
+              <a:latin typeface="Consolas" panose="020B0609020204030204" pitchFamily="49" charset="0"/>
+              <a:cs typeface="Consolas" panose="020B0609020204030204" pitchFamily="49" charset="0"/>
+            </a:endParaRPr>
+          </a:p>
+          <a:p>
+            <a:pPr>
+              <a:lnSpc>
+                <a:spcPct val="90000"/>
+              </a:lnSpc>
+            </a:pPr>
+            <a:endParaRPr lang="en-US" sz="2300" dirty="0">
+              <a:solidFill>
+                <a:srgbClr val="0070C0"/>
+              </a:solidFill>
+              <a:latin typeface="Consolas" panose="020B0609020204030204" pitchFamily="49" charset="0"/>
+              <a:cs typeface="Consolas" panose="020B0609020204030204" pitchFamily="49" charset="0"/>
+            </a:endParaRPr>
+          </a:p>
+          <a:p>
+            <a:pPr>
+              <a:lnSpc>
+                <a:spcPct val="90000"/>
+              </a:lnSpc>
+            </a:pPr>
+            <a:endParaRPr lang="en-US" sz="2300" dirty="0">
+              <a:solidFill>
+                <a:srgbClr val="0070C0"/>
+              </a:solidFill>
+              <a:latin typeface="Consolas" panose="020B0609020204030204" pitchFamily="49" charset="0"/>
+              <a:cs typeface="Consolas" panose="020B0609020204030204" pitchFamily="49" charset="0"/>
+            </a:endParaRPr>
+          </a:p>
+          <a:p>
+            <a:pPr>
+              <a:lnSpc>
+                <a:spcPct val="90000"/>
+              </a:lnSpc>
+            </a:pPr>
+            <a:endParaRPr lang="en-US" sz="2300" dirty="0">
+              <a:solidFill>
+                <a:srgbClr val="0070C0"/>
+              </a:solidFill>
+              <a:latin typeface="Consolas" panose="020B0609020204030204" pitchFamily="49" charset="0"/>
+              <a:cs typeface="Consolas" panose="020B0609020204030204" pitchFamily="49" charset="0"/>
+            </a:endParaRPr>
+          </a:p>
+          <a:p>
+            <a:pPr>
+              <a:lnSpc>
+                <a:spcPct val="90000"/>
+              </a:lnSpc>
+            </a:pPr>
+            <a:endParaRPr lang="en-US" sz="2300" dirty="0">
+              <a:solidFill>
+                <a:srgbClr val="0070C0"/>
+              </a:solidFill>
+              <a:latin typeface="Consolas" panose="020B0609020204030204" pitchFamily="49" charset="0"/>
+              <a:cs typeface="Consolas" panose="020B0609020204030204" pitchFamily="49" charset="0"/>
+            </a:endParaRPr>
+          </a:p>
+          <a:p>
+            <a:pPr>
+              <a:lnSpc>
+                <a:spcPct val="90000"/>
+              </a:lnSpc>
+            </a:pPr>
+            <a:endParaRPr lang="en-US" sz="2300" dirty="0">
+              <a:solidFill>
+                <a:srgbClr val="0070C0"/>
+              </a:solidFill>
+              <a:latin typeface="Consolas" panose="020B0609020204030204" pitchFamily="49" charset="0"/>
+              <a:cs typeface="Consolas" panose="020B0609020204030204" pitchFamily="49" charset="0"/>
+            </a:endParaRPr>
+          </a:p>
+          <a:p>
+            <a:pPr>
+              <a:lnSpc>
+                <a:spcPct val="90000"/>
+              </a:lnSpc>
+            </a:pPr>
+            <a:endParaRPr lang="en-US" sz="2400" dirty="0"/>
+          </a:p>
+          <a:p>
+            <a:pPr>
+              <a:lnSpc>
+                <a:spcPct val="90000"/>
+              </a:lnSpc>
+            </a:pPr>
+            <a:endParaRPr lang="en-US" sz="2400" dirty="0"/>
+          </a:p>
+          <a:p>
+            <a:pPr>
+              <a:lnSpc>
+                <a:spcPct val="90000"/>
+              </a:lnSpc>
+            </a:pPr>
+            <a:endParaRPr lang="en-US" sz="2400" dirty="0"/>
+          </a:p>
+          <a:p>
+            <a:pPr>
+              <a:lnSpc>
+                <a:spcPct val="90000"/>
+              </a:lnSpc>
+            </a:pPr>
+            <a:r>
+              <a:rPr lang="en-US" sz="2400" dirty="0"/>
+              <a:t>Function </a:t>
+            </a:r>
+            <a:r>
+              <a:rPr lang="en-US" sz="2400" b="1" dirty="0"/>
+              <a:t>skew</a:t>
+            </a:r>
+            <a:r>
+              <a:rPr lang="en-US" sz="2400" dirty="0"/>
+              <a:t> in package </a:t>
+            </a:r>
+            <a:r>
+              <a:rPr lang="en-US" sz="2400" b="1" dirty="0"/>
+              <a:t>psych</a:t>
+            </a:r>
+          </a:p>
+          <a:p>
+            <a:pPr marL="82296" indent="0">
+              <a:lnSpc>
+                <a:spcPct val="90000"/>
+              </a:lnSpc>
+              <a:buNone/>
+            </a:pPr>
+            <a:r>
+              <a:rPr lang="en-US" sz="2300" dirty="0">
+                <a:solidFill>
+                  <a:srgbClr val="0070C0"/>
+                </a:solidFill>
+                <a:latin typeface="Consolas" panose="020B0609020204030204" pitchFamily="49" charset="0"/>
+                <a:cs typeface="Consolas" panose="020B0609020204030204" pitchFamily="49" charset="0"/>
+              </a:rPr>
+              <a:t>&gt; library(psych)</a:t>
+            </a:r>
+          </a:p>
+          <a:p>
+            <a:pPr marL="82296" indent="0">
+              <a:lnSpc>
+                <a:spcPct val="90000"/>
+              </a:lnSpc>
+              <a:buNone/>
+            </a:pPr>
+            <a:r>
+              <a:rPr lang="en-US" sz="2300" dirty="0">
+                <a:solidFill>
+                  <a:srgbClr val="0070C0"/>
+                </a:solidFill>
+                <a:latin typeface="Consolas" panose="020B0609020204030204" pitchFamily="49" charset="0"/>
+                <a:cs typeface="Consolas" panose="020B0609020204030204" pitchFamily="49" charset="0"/>
+              </a:rPr>
+              <a:t>&gt; skew(faithful)</a:t>
+            </a:r>
+          </a:p>
+          <a:p>
+            <a:pPr marL="82296" indent="0">
+              <a:lnSpc>
+                <a:spcPct val="90000"/>
+              </a:lnSpc>
+              <a:buNone/>
+            </a:pPr>
+            <a:r>
+              <a:rPr lang="en-US" sz="2300" dirty="0">
+                <a:solidFill>
+                  <a:srgbClr val="000000"/>
+                </a:solidFill>
+                <a:latin typeface="Consolas" panose="020B0609020204030204" pitchFamily="49" charset="0"/>
+                <a:cs typeface="Consolas" panose="020B0609020204030204" pitchFamily="49" charset="0"/>
+              </a:rPr>
+              <a:t>[1] -0.4135 -0.4140</a:t>
+            </a:r>
+          </a:p>
+        </p:txBody>
+      </p:sp>
+      <p:pic>
+        <p:nvPicPr>
+          <p:cNvPr id="5" name="Picture 4"/>
+          <p:cNvPicPr>
+            <a:picLocks noChangeAspect="1"/>
+          </p:cNvPicPr>
+          <p:nvPr/>
+        </p:nvPicPr>
+        <p:blipFill>
+          <a:blip r:embed="rId2"/>
+          <a:stretch>
+            <a:fillRect/>
+          </a:stretch>
+        </p:blipFill>
+        <p:spPr>
+          <a:xfrm>
+            <a:off x="0" y="1668698"/>
+            <a:ext cx="9127162" cy="3284302"/>
+          </a:xfrm>
+          <a:prstGeom prst="rect">
+            <a:avLst/>
+          </a:prstGeom>
+        </p:spPr>
+      </p:pic>
+    </p:spTree>
+    <p:extLst>
+      <p:ext uri="{BB962C8B-B14F-4D97-AF65-F5344CB8AC3E}">
+        <p14:creationId xmlns:p14="http://schemas.microsoft.com/office/powerpoint/2010/main" val="2503858628"/>
+      </p:ext>
+    </p:extLst>
+  </p:cSld>
+  <p:clrMapOvr>
+    <a:masterClrMapping/>
+  </p:clrMapOvr>
+  <p:transition>
+    <p:random/>
+  </p:transition>
+</p:sld>
+</file>
+
+<file path=ppt/slides/slide11.xml><?xml version="1.0" encoding="utf-8"?>
+<p:sld xmlns:a="http://schemas.openxmlformats.org/drawingml/2006/main" xmlns:r="http://schemas.openxmlformats.org/officeDocument/2006/relationships" xmlns:p="http://schemas.openxmlformats.org/presentationml/2006/main">
+  <p:cSld>
+    <p:spTree>
+      <p:nvGrpSpPr>
+        <p:cNvPr id="1" name=""/>
+        <p:cNvGrpSpPr/>
+        <p:nvPr/>
+      </p:nvGrpSpPr>
+      <p:grpSpPr>
+        <a:xfrm>
+          <a:off x="0" y="0"/>
+          <a:ext cx="0" cy="0"/>
+          <a:chOff x="0" y="0"/>
+          <a:chExt cx="0" cy="0"/>
+        </a:xfrm>
+      </p:grpSpPr>
+      <p:sp>
+        <p:nvSpPr>
+          <p:cNvPr id="2" name="Title 1"/>
+          <p:cNvSpPr>
+            <a:spLocks noGrp="1"/>
+          </p:cNvSpPr>
+          <p:nvPr>
+            <p:ph type="title"/>
+          </p:nvPr>
+        </p:nvSpPr>
+        <p:spPr>
+          <a:xfrm>
+            <a:off x="304800" y="0"/>
+            <a:ext cx="8686800" cy="1143000"/>
+          </a:xfrm>
+        </p:spPr>
+        <p:txBody>
+          <a:bodyPr anchor="ctr">
+            <a:normAutofit/>
+          </a:bodyPr>
+          <a:lstStyle/>
+          <a:p>
+            <a:pPr algn="ctr"/>
+            <a:r>
+              <a:rPr lang="en-US" sz="3600" b="1" dirty="0">
+                <a:latin typeface="Arial Unicode MS" panose="020B0604020202020204" pitchFamily="34" charset="-128"/>
+                <a:ea typeface="Arial Unicode MS" panose="020B0604020202020204" pitchFamily="34" charset="-128"/>
+                <a:cs typeface="Arial Unicode MS" panose="020B0604020202020204" pitchFamily="34" charset="-128"/>
+              </a:rPr>
               <a:t>Kurtosis</a:t>
             </a:r>
           </a:p>
@@ -7932,7 +8268,7 @@
 </p:sld>
 </file>
 
-<file path=ppt/slides/slide11.xml><?xml version="1.0" encoding="utf-8"?>
+<file path=ppt/slides/slide12.xml><?xml version="1.0" encoding="utf-8"?>
 <p:sld xmlns:a="http://schemas.openxmlformats.org/drawingml/2006/main" xmlns:r="http://schemas.openxmlformats.org/officeDocument/2006/relationships" xmlns:p="http://schemas.openxmlformats.org/presentationml/2006/main">
   <p:cSld>
     <p:spTree>
@@ -8420,7 +8756,7 @@
 </p:sld>
 </file>
 
-<file path=ppt/slides/slide12.xml><?xml version="1.0" encoding="utf-8"?>
+<file path=ppt/slides/slide13.xml><?xml version="1.0" encoding="utf-8"?>
 <p:sld xmlns:a="http://schemas.openxmlformats.org/drawingml/2006/main" xmlns:r="http://schemas.openxmlformats.org/officeDocument/2006/relationships" xmlns:p="http://schemas.openxmlformats.org/presentationml/2006/main">
   <p:cSld>
     <p:spTree>
@@ -9348,7 +9684,7 @@
         </p:nvSpPr>
         <p:spPr>
           <a:xfrm>
-            <a:off x="304800" y="152400"/>
+            <a:off x="304800" y="76200"/>
             <a:ext cx="8686800" cy="1143000"/>
           </a:xfrm>
         </p:spPr>
@@ -9360,56 +9696,176 @@
           <a:p>
             <a:pPr algn="ctr"/>
             <a:r>
-              <a:rPr lang="en-US" sz="3600" b="1" dirty="0">
+              <a:rPr lang="en-US" dirty="0">
                 <a:latin typeface="Arial Unicode MS" panose="020B0604020202020204" pitchFamily="34" charset="-128"/>
                 <a:ea typeface="Arial Unicode MS" panose="020B0604020202020204" pitchFamily="34" charset="-128"/>
                 <a:cs typeface="Arial Unicode MS" panose="020B0604020202020204" pitchFamily="34" charset="-128"/>
               </a:rPr>
-              <a:t>Resources on Descriptive Statistics in R</a:t>
+              <a:t>Start with this</a:t>
             </a:r>
           </a:p>
         </p:txBody>
       </p:sp>
       <p:sp>
         <p:nvSpPr>
-          <p:cNvPr id="3" name="Text Placeholder 2"/>
-          <p:cNvSpPr>
-            <a:spLocks noGrp="1"/>
+          <p:cNvPr id="7" name="Text Placeholder 2"/>
+          <p:cNvSpPr txBox="1">
+            <a:spLocks/>
           </p:cNvSpPr>
-          <p:nvPr>
-            <p:ph type="body" sz="half" idx="1"/>
-          </p:nvPr>
+          <p:nvPr/>
         </p:nvSpPr>
         <p:spPr>
           <a:xfrm>
-            <a:off x="609600" y="1219200"/>
-            <a:ext cx="8534400" cy="5562600"/>
+            <a:off x="762000" y="1371600"/>
+            <a:ext cx="8300006" cy="5410200"/>
           </a:xfrm>
+          <a:prstGeom prst="rect">
+            <a:avLst/>
+          </a:prstGeom>
         </p:spPr>
         <p:txBody>
           <a:bodyPr>
-            <a:normAutofit fontScale="92500" lnSpcReduction="10000"/>
+            <a:noAutofit/>
           </a:bodyPr>
-          <a:lstStyle/>
-          <a:p>
-            <a:pPr>
+          <a:lstStyle>
+            <a:lvl1pPr marL="365760" indent="-283464" algn="l" eaLnBrk="1" latinLnBrk="0" hangingPunct="1">
               <a:lnSpc>
-                <a:spcPct val="110000"/>
+                <a:spcPct val="100000"/>
               </a:lnSpc>
-            </a:pPr>
-            <a:r>
-              <a:rPr lang="en-US" sz="2600" dirty="0"/>
-              <a:t>Daniel J. Navarro- </a:t>
-            </a:r>
-            <a:r>
-              <a:rPr lang="en-US" sz="2600" i="1" dirty="0"/>
-              <a:t>Learning statistics with R: A tutorial for psychology students and other beginners. (Version 0.6.1) </a:t>
-            </a:r>
-            <a:r>
-              <a:rPr lang="en-US" sz="2600" dirty="0"/>
-              <a:t> (2018)</a:t>
-            </a:r>
-          </a:p>
+              <a:spcBef>
+                <a:spcPts val="600"/>
+              </a:spcBef>
+              <a:buClr>
+                <a:schemeClr val="accent1"/>
+              </a:buClr>
+              <a:buSzPct val="80000"/>
+              <a:buFont typeface="Wingdings 2"/>
+              <a:buChar char=""/>
+              <a:defRPr kumimoji="0" sz="3000">
+                <a:latin typeface="+mn-lt"/>
+              </a:defRPr>
+            </a:lvl1pPr>
+            <a:lvl2pPr marL="640080" lvl="1" indent="-237744" algn="l" eaLnBrk="1" latinLnBrk="0" hangingPunct="1">
+              <a:lnSpc>
+                <a:spcPct val="100000"/>
+              </a:lnSpc>
+              <a:spcBef>
+                <a:spcPts val="550"/>
+              </a:spcBef>
+              <a:buClr>
+                <a:schemeClr val="accent1"/>
+              </a:buClr>
+              <a:buFont typeface="Verdana"/>
+              <a:buChar char="◦"/>
+              <a:defRPr kumimoji="0" sz="2600">
+                <a:latin typeface="+mn-lt"/>
+              </a:defRPr>
+            </a:lvl2pPr>
+            <a:lvl3pPr marL="886968" indent="-228600" algn="l" eaLnBrk="1" latinLnBrk="0" hangingPunct="1">
+              <a:lnSpc>
+                <a:spcPct val="100000"/>
+              </a:lnSpc>
+              <a:buClr>
+                <a:schemeClr val="accent2"/>
+              </a:buClr>
+              <a:buFont typeface="Wingdings 2"/>
+              <a:buChar char=""/>
+              <a:defRPr kumimoji="0" sz="2400">
+                <a:latin typeface="+mn-lt"/>
+              </a:defRPr>
+            </a:lvl3pPr>
+            <a:lvl4pPr marL="1097280" indent="-173736" algn="l" eaLnBrk="1" latinLnBrk="0" hangingPunct="1">
+              <a:lnSpc>
+                <a:spcPct val="100000"/>
+              </a:lnSpc>
+              <a:buClr>
+                <a:schemeClr val="accent3"/>
+              </a:buClr>
+              <a:buFont typeface="Wingdings 2"/>
+              <a:buChar char=""/>
+              <a:defRPr kumimoji="0" sz="2000">
+                <a:latin typeface="+mn-lt"/>
+              </a:defRPr>
+            </a:lvl4pPr>
+            <a:lvl5pPr marL="1298448" indent="-182880" algn="l" eaLnBrk="1" latinLnBrk="0" hangingPunct="1">
+              <a:lnSpc>
+                <a:spcPct val="100000"/>
+              </a:lnSpc>
+              <a:buClr>
+                <a:schemeClr val="accent4"/>
+              </a:buClr>
+              <a:buFont typeface="Wingdings 2"/>
+              <a:buChar char=""/>
+              <a:defRPr kumimoji="0" sz="2000">
+                <a:latin typeface="+mn-lt"/>
+              </a:defRPr>
+            </a:lvl5pPr>
+            <a:lvl6pPr marL="1508760" indent="-182880">
+              <a:lnSpc>
+                <a:spcPct val="100000"/>
+              </a:lnSpc>
+              <a:spcBef>
+                <a:spcPct val="20000"/>
+              </a:spcBef>
+              <a:buClr>
+                <a:schemeClr val="accent5"/>
+              </a:buClr>
+              <a:buFont typeface="Wingdings 2"/>
+              <a:buChar char=""/>
+              <a:defRPr kumimoji="0" sz="2000">
+                <a:latin typeface="+mn-lt"/>
+              </a:defRPr>
+            </a:lvl6pPr>
+            <a:lvl7pPr marL="1719072" indent="-182880">
+              <a:lnSpc>
+                <a:spcPct val="100000"/>
+              </a:lnSpc>
+              <a:spcBef>
+                <a:spcPct val="20000"/>
+              </a:spcBef>
+              <a:buClr>
+                <a:schemeClr val="accent6"/>
+              </a:buClr>
+              <a:buFont typeface="Wingdings 2"/>
+              <a:buChar char=""/>
+              <a:defRPr kumimoji="0" sz="2000">
+                <a:latin typeface="+mn-lt"/>
+              </a:defRPr>
+            </a:lvl7pPr>
+            <a:lvl8pPr marL="1920240" indent="-182880">
+              <a:lnSpc>
+                <a:spcPct val="100000"/>
+              </a:lnSpc>
+              <a:spcBef>
+                <a:spcPct val="20000"/>
+              </a:spcBef>
+              <a:buClr>
+                <a:schemeClr val="accent6"/>
+              </a:buClr>
+              <a:buFont typeface="Wingdings 2"/>
+              <a:buChar char=""/>
+              <a:defRPr kumimoji="0" sz="2000">
+                <a:latin typeface="+mn-lt"/>
+              </a:defRPr>
+            </a:lvl8pPr>
+            <a:lvl9pPr marL="2130552" indent="-182880">
+              <a:lnSpc>
+                <a:spcPct val="100000"/>
+              </a:lnSpc>
+              <a:spcBef>
+                <a:spcPct val="20000"/>
+              </a:spcBef>
+              <a:buClr>
+                <a:schemeClr val="accent6"/>
+              </a:buClr>
+              <a:buFont typeface="Wingdings 2"/>
+              <a:buChar char=""/>
+              <a:defRPr kumimoji="0" sz="2000">
+                <a:latin typeface="+mn-lt"/>
+              </a:defRPr>
+            </a:lvl9pPr>
+            <a:extLst/>
+          </a:lstStyle>
           <a:p>
             <a:pPr lvl="1">
               <a:lnSpc>
@@ -9417,122 +9873,92 @@
               </a:lnSpc>
             </a:pPr>
             <a:r>
-              <a:rPr lang="en-US" sz="2200" dirty="0"/>
-              <a:t>Chapter 5 Descriptive statistics</a:t>
-            </a:r>
-          </a:p>
-          <a:p>
-            <a:pPr marL="403225" lvl="1" indent="0">
+              <a:rPr lang="en" sz="2800" dirty="0">
+                <a:latin typeface="Avenir Medium"/>
+              </a:rPr>
+              <a:t>Chester </a:t>
+            </a:r>
+            <a:r>
+              <a:rPr lang="en" sz="2800" dirty="0" err="1">
+                <a:latin typeface="Avenir Medium"/>
+              </a:rPr>
+              <a:t>Ismay</a:t>
+            </a:r>
+            <a:r>
+              <a:rPr lang="en" sz="2800" dirty="0">
+                <a:latin typeface="Avenir Medium"/>
+              </a:rPr>
+              <a:t> and Albert Y. Kim - An Introduction to Statistical and Data Sciences via R (2018)</a:t>
+            </a:r>
+            <a:r>
+              <a:rPr lang="en-US" sz="2800" dirty="0">
+                <a:latin typeface="Avenir Medium"/>
+              </a:rPr>
+              <a:t> – sections </a:t>
+            </a:r>
+            <a:r>
+              <a:rPr lang="en-US" sz="2800" i="1" dirty="0">
+                <a:latin typeface="Avenir Medium"/>
+              </a:rPr>
+              <a:t>6.1.1, 6.2.1, 7.1.1 </a:t>
+            </a:r>
+            <a:r>
+              <a:rPr lang="en-US" sz="2800" dirty="0">
+                <a:latin typeface="Avenir Medium"/>
+              </a:rPr>
+              <a:t>and 7.2.1</a:t>
+            </a:r>
+            <a:endParaRPr lang="en-US" sz="2800" i="1" dirty="0">
+              <a:latin typeface="Avenir Medium"/>
+            </a:endParaRPr>
+          </a:p>
+          <a:p>
+            <a:pPr marL="82296" indent="0">
               <a:lnSpc>
                 <a:spcPct val="110000"/>
               </a:lnSpc>
               <a:buNone/>
             </a:pPr>
             <a:r>
-              <a:rPr lang="en-US" sz="1900" dirty="0">
+              <a:rPr lang="en-US" sz="2400" dirty="0">
+                <a:latin typeface="Avenir Medium"/>
+                <a:cs typeface="Avenir Medium"/>
                 <a:hlinkClick r:id="rId2"/>
               </a:rPr>
-              <a:t>https://bookdown.org/ekothe/navarro2/descriptives.html</a:t>
-            </a:r>
-            <a:endParaRPr lang="en-US" sz="1900" dirty="0"/>
-          </a:p>
-          <a:p>
-            <a:pPr marL="403225" lvl="1" indent="0">
-              <a:lnSpc>
-                <a:spcPct val="110000"/>
-              </a:lnSpc>
+              <a:t>https://moderndive.com/6-regression.html</a:t>
+            </a:r>
+            <a:endParaRPr lang="en-US" sz="2400" dirty="0">
+              <a:latin typeface="Avenir Medium"/>
+            </a:endParaRPr>
+          </a:p>
+          <a:p>
+            <a:pPr marL="402336" lvl="1" indent="0">
               <a:buNone/>
             </a:pPr>
-            <a:endParaRPr lang="en-US" sz="2600" dirty="0"/>
-          </a:p>
-          <a:p>
-            <a:r>
-              <a:rPr lang="en-US" dirty="0"/>
-              <a:t>Descriptive Statistics (Salvatore S. </a:t>
-            </a:r>
-            <a:r>
-              <a:rPr lang="en-US" dirty="0" err="1"/>
-              <a:t>Mangiafico</a:t>
-            </a:r>
-            <a:r>
-              <a:rPr lang="en-US" dirty="0"/>
-              <a:t>)</a:t>
-            </a:r>
-            <a:endParaRPr lang="en-US" dirty="0">
-              <a:hlinkClick r:id="" action="ppaction://noaction"/>
+            <a:endParaRPr lang="en-US" sz="1500" dirty="0">
+              <a:latin typeface="Avenir Medium"/>
             </a:endParaRPr>
           </a:p>
           <a:p>
-            <a:pPr marL="82550" indent="0">
+            <a:pPr marL="402336" lvl="1" indent="0">
               <a:buNone/>
             </a:pPr>
-            <a:r>
-              <a:rPr lang="en-US" sz="2000" dirty="0">
-                <a:hlinkClick r:id="rId3"/>
-              </a:rPr>
-              <a:t>http://rcompanion.org/handbook/C_02.html</a:t>
-            </a:r>
-            <a:endParaRPr lang="en-US" sz="2000" dirty="0"/>
-          </a:p>
-          <a:p>
-            <a:endParaRPr lang="en-US" sz="2800" b="1" dirty="0"/>
-          </a:p>
-          <a:p>
-            <a:endParaRPr lang="en-US" sz="2400" b="1" dirty="0"/>
-          </a:p>
-          <a:p>
-            <a:r>
-              <a:rPr lang="en-US" sz="2400" dirty="0"/>
-              <a:t>Summary Statistics in R: Mean, Standard Deviation, Frequencies, </a:t>
-            </a:r>
-            <a:r>
-              <a:rPr lang="en-US" sz="2400" dirty="0" err="1"/>
-              <a:t>etc</a:t>
-            </a:r>
-            <a:r>
-              <a:rPr lang="en-US" sz="2400" dirty="0"/>
-              <a:t> (R Tutorial 2.7)</a:t>
-            </a:r>
-          </a:p>
-          <a:p>
-            <a:pPr marL="82550" indent="0">
-              <a:buNone/>
-            </a:pPr>
-            <a:r>
-              <a:rPr lang="en-US" sz="1800" dirty="0">
-                <a:hlinkClick r:id="rId4"/>
-              </a:rPr>
-              <a:t>https://www.youtube.com/watch?v=ACWuV16tdhY&amp;index=19&amp;list=PLqzoL9-eJTNBDdKgJgJzaQcY6OXmsXAHU</a:t>
-            </a:r>
-            <a:endParaRPr lang="en-US" sz="1800" dirty="0"/>
-          </a:p>
-          <a:p>
-            <a:endParaRPr lang="en-US" sz="2400" b="1" dirty="0"/>
-          </a:p>
-          <a:p>
-            <a:pPr marL="82550" indent="0">
-              <a:buNone/>
-            </a:pPr>
-            <a:endParaRPr lang="en-US" dirty="0"/>
-          </a:p>
-          <a:p>
-            <a:endParaRPr lang="en-US" sz="2800" b="1" dirty="0"/>
-          </a:p>
-          <a:p>
-            <a:endParaRPr lang="en-US" b="1" dirty="0"/>
-          </a:p>
-          <a:p>
-            <a:endParaRPr lang="en-US" sz="3000" dirty="0"/>
-          </a:p>
-          <a:p>
-            <a:endParaRPr lang="en-US" sz="3000" dirty="0"/>
+            <a:endParaRPr lang="en-US" sz="1500" dirty="0">
+              <a:latin typeface="Avenir Medium"/>
+            </a:endParaRPr>
+          </a:p>
+          <a:p>
+            <a:endParaRPr lang="en-US" sz="2300" dirty="0">
+              <a:latin typeface="Avenir Medium"/>
+              <a:cs typeface="Avenir Medium"/>
+            </a:endParaRPr>
           </a:p>
         </p:txBody>
       </p:sp>
     </p:spTree>
     <p:extLst>
       <p:ext uri="{BB962C8B-B14F-4D97-AF65-F5344CB8AC3E}">
-        <p14:creationId xmlns:p14="http://schemas.microsoft.com/office/powerpoint/2010/main" val="3856198319"/>
+        <p14:creationId xmlns:p14="http://schemas.microsoft.com/office/powerpoint/2010/main" val="3149711550"/>
       </p:ext>
     </p:extLst>
   </p:cSld>
@@ -9591,7 +10017,7 @@
                 <a:ea typeface="Arial Unicode MS" panose="020B0604020202020204" pitchFamily="34" charset="-128"/>
                 <a:cs typeface="Arial Unicode MS" panose="020B0604020202020204" pitchFamily="34" charset="-128"/>
               </a:rPr>
-              <a:t>Descriptive statistics</a:t>
+              <a:t>Resources on Descriptive Statistics in R</a:t>
             </a:r>
           </a:p>
         </p:txBody>
@@ -9614,88 +10040,141 @@
         </p:spPr>
         <p:txBody>
           <a:bodyPr>
-            <a:normAutofit lnSpcReduction="10000"/>
+            <a:normAutofit fontScale="92500" lnSpcReduction="10000"/>
           </a:bodyPr>
           <a:lstStyle/>
           <a:p>
-            <a:r>
-              <a:rPr lang="en-US" sz="3000" dirty="0"/>
-              <a:t>Measures of central tendency</a:t>
-            </a:r>
-          </a:p>
-          <a:p>
-            <a:pPr lvl="1"/>
+            <a:pPr>
+              <a:lnSpc>
+                <a:spcPct val="110000"/>
+              </a:lnSpc>
+            </a:pPr>
             <a:r>
               <a:rPr lang="en-US" sz="2600" dirty="0"/>
-              <a:t>Mean</a:t>
-            </a:r>
-          </a:p>
-          <a:p>
-            <a:pPr lvl="1"/>
+              <a:t>Daniel J. Navarro- </a:t>
+            </a:r>
+            <a:r>
+              <a:rPr lang="en-US" sz="2600" i="1" dirty="0"/>
+              <a:t>Learning statistics with R: A tutorial for psychology students and other beginners. (Version 0.6.1) </a:t>
+            </a:r>
             <a:r>
               <a:rPr lang="en-US" sz="2600" dirty="0"/>
-              <a:t>Median</a:t>
-            </a:r>
-          </a:p>
-          <a:p>
-            <a:pPr lvl="1"/>
-            <a:r>
-              <a:rPr lang="en-US" sz="2600" dirty="0"/>
-              <a:t>Mode</a:t>
-            </a:r>
+              <a:t> (2018)</a:t>
+            </a:r>
+          </a:p>
+          <a:p>
+            <a:pPr lvl="1">
+              <a:lnSpc>
+                <a:spcPct val="110000"/>
+              </a:lnSpc>
+            </a:pPr>
+            <a:r>
+              <a:rPr lang="en-US" sz="2200" dirty="0"/>
+              <a:t>Chapter 5 Descriptive statistics</a:t>
+            </a:r>
+          </a:p>
+          <a:p>
+            <a:pPr marL="403225" lvl="1" indent="0">
+              <a:lnSpc>
+                <a:spcPct val="110000"/>
+              </a:lnSpc>
+              <a:buNone/>
+            </a:pPr>
+            <a:r>
+              <a:rPr lang="en-US" sz="1900" dirty="0">
+                <a:hlinkClick r:id="rId2"/>
+              </a:rPr>
+              <a:t>https://bookdown.org/ekothe/navarro2/descriptives.html</a:t>
+            </a:r>
+            <a:endParaRPr lang="en-US" sz="1900" dirty="0"/>
+          </a:p>
+          <a:p>
+            <a:pPr marL="403225" lvl="1" indent="0">
+              <a:lnSpc>
+                <a:spcPct val="110000"/>
+              </a:lnSpc>
+              <a:buNone/>
+            </a:pPr>
+            <a:endParaRPr lang="en-US" sz="2600" dirty="0"/>
+          </a:p>
+          <a:p>
+            <a:r>
+              <a:rPr lang="en-US" dirty="0"/>
+              <a:t>Descriptive Statistics (Salvatore S. </a:t>
+            </a:r>
+            <a:r>
+              <a:rPr lang="en-US" dirty="0" err="1"/>
+              <a:t>Mangiafico</a:t>
+            </a:r>
+            <a:r>
+              <a:rPr lang="en-US" dirty="0"/>
+              <a:t>)</a:t>
+            </a:r>
+            <a:endParaRPr lang="en-US" dirty="0">
+              <a:hlinkClick r:id="" action="ppaction://noaction"/>
+            </a:endParaRPr>
+          </a:p>
+          <a:p>
+            <a:pPr marL="82550" indent="0">
+              <a:buNone/>
+            </a:pPr>
+            <a:r>
+              <a:rPr lang="en-US" sz="2000" dirty="0">
+                <a:hlinkClick r:id="rId3"/>
+              </a:rPr>
+              <a:t>http://rcompanion.org/handbook/C_02.html</a:t>
+            </a:r>
+            <a:endParaRPr lang="en-US" sz="2000" dirty="0"/>
+          </a:p>
+          <a:p>
+            <a:endParaRPr lang="en-US" sz="2800" b="1" dirty="0"/>
+          </a:p>
+          <a:p>
+            <a:endParaRPr lang="en-US" sz="2400" b="1" dirty="0"/>
+          </a:p>
+          <a:p>
+            <a:r>
+              <a:rPr lang="en-US" sz="2400" dirty="0"/>
+              <a:t>Summary Statistics in R: Mean, Standard Deviation, Frequencies, </a:t>
+            </a:r>
+            <a:r>
+              <a:rPr lang="en-US" sz="2400" dirty="0" err="1"/>
+              <a:t>etc</a:t>
+            </a:r>
+            <a:r>
+              <a:rPr lang="en-US" sz="2400" dirty="0"/>
+              <a:t> (R Tutorial 2.7)</a:t>
+            </a:r>
+          </a:p>
+          <a:p>
+            <a:pPr marL="82550" indent="0">
+              <a:buNone/>
+            </a:pPr>
+            <a:r>
+              <a:rPr lang="en-US" sz="1800" dirty="0">
+                <a:hlinkClick r:id="rId4"/>
+              </a:rPr>
+              <a:t>https://www.youtube.com/watch?v=ACWuV16tdhY&amp;index=19&amp;list=PLqzoL9-eJTNBDdKgJgJzaQcY6OXmsXAHU</a:t>
+            </a:r>
+            <a:endParaRPr lang="en-US" sz="1800" dirty="0"/>
+          </a:p>
+          <a:p>
+            <a:endParaRPr lang="en-US" sz="2400" b="1" dirty="0"/>
+          </a:p>
+          <a:p>
+            <a:pPr marL="82550" indent="0">
+              <a:buNone/>
+            </a:pPr>
+            <a:endParaRPr lang="en-US" dirty="0"/>
+          </a:p>
+          <a:p>
+            <a:endParaRPr lang="en-US" sz="2800" b="1" dirty="0"/>
+          </a:p>
+          <a:p>
+            <a:endParaRPr lang="en-US" b="1" dirty="0"/>
+          </a:p>
+          <a:p>
             <a:endParaRPr lang="en-US" sz="3000" dirty="0"/>
-          </a:p>
-          <a:p>
-            <a:r>
-              <a:rPr lang="en-US" sz="3000" dirty="0"/>
-              <a:t>Measures of variability</a:t>
-            </a:r>
-          </a:p>
-          <a:p>
-            <a:pPr lvl="1"/>
-            <a:r>
-              <a:rPr lang="en-US" sz="2600" dirty="0"/>
-              <a:t>Range (the biggest value minus the smallest value.)</a:t>
-            </a:r>
-          </a:p>
-          <a:p>
-            <a:pPr lvl="1"/>
-            <a:r>
-              <a:rPr lang="en-US" sz="2600" dirty="0"/>
-              <a:t>Interquartile range </a:t>
-            </a:r>
-          </a:p>
-          <a:p>
-            <a:pPr lvl="1"/>
-            <a:r>
-              <a:rPr lang="en-US" sz="2600" dirty="0"/>
-              <a:t>Mean absolute deviation</a:t>
-            </a:r>
-          </a:p>
-          <a:p>
-            <a:pPr lvl="1"/>
-            <a:r>
-              <a:rPr lang="en-US" sz="2600" dirty="0"/>
-              <a:t>Variance</a:t>
-            </a:r>
-          </a:p>
-          <a:p>
-            <a:pPr lvl="1"/>
-            <a:r>
-              <a:rPr lang="en-US" sz="2600"/>
-              <a:t>Standard deviation</a:t>
-            </a:r>
-          </a:p>
-          <a:p>
-            <a:pPr lvl="1"/>
-            <a:r>
-              <a:rPr lang="en-US" sz="2600" dirty="0"/>
-              <a:t>Median absolute deviation</a:t>
-            </a:r>
-          </a:p>
-          <a:p>
-            <a:pPr lvl="1"/>
-            <a:endParaRPr lang="en-US" sz="2600" dirty="0"/>
           </a:p>
           <a:p>
             <a:endParaRPr lang="en-US" sz="3000" dirty="0"/>
@@ -9705,7 +10184,7 @@
     </p:spTree>
     <p:extLst>
       <p:ext uri="{BB962C8B-B14F-4D97-AF65-F5344CB8AC3E}">
-        <p14:creationId xmlns:p14="http://schemas.microsoft.com/office/powerpoint/2010/main" val="1327659576"/>
+        <p14:creationId xmlns:p14="http://schemas.microsoft.com/office/powerpoint/2010/main" val="3856198319"/>
       </p:ext>
     </p:extLst>
   </p:cSld>
@@ -9764,7 +10243,7 @@
                 <a:ea typeface="Arial Unicode MS" panose="020B0604020202020204" pitchFamily="34" charset="-128"/>
                 <a:cs typeface="Arial Unicode MS" panose="020B0604020202020204" pitchFamily="34" charset="-128"/>
               </a:rPr>
-              <a:t>Descriptive statistics (cont.)</a:t>
+              <a:t>Descriptive statistics</a:t>
             </a:r>
           </a:p>
         </p:txBody>
@@ -9787,76 +10266,98 @@
         </p:spPr>
         <p:txBody>
           <a:bodyPr>
-            <a:normAutofit/>
+            <a:normAutofit lnSpcReduction="10000"/>
           </a:bodyPr>
           <a:lstStyle/>
           <a:p>
             <a:r>
               <a:rPr lang="en-US" sz="3000" dirty="0"/>
-              <a:t>Measures of the shape of variable distribution</a:t>
+              <a:t>Measures of central tendency</a:t>
             </a:r>
           </a:p>
           <a:p>
             <a:pPr lvl="1"/>
             <a:r>
               <a:rPr lang="en-US" sz="2600" dirty="0"/>
-              <a:t>Skew </a:t>
+              <a:t>Mean</a:t>
             </a:r>
           </a:p>
           <a:p>
             <a:pPr lvl="1"/>
             <a:r>
               <a:rPr lang="en-US" sz="2600" dirty="0"/>
-              <a:t>Kurtosis</a:t>
-            </a:r>
+              <a:t>Median</a:t>
+            </a:r>
+          </a:p>
+          <a:p>
+            <a:pPr lvl="1"/>
+            <a:r>
+              <a:rPr lang="en-US" sz="2600" dirty="0"/>
+              <a:t>Mode</a:t>
+            </a:r>
+            <a:endParaRPr lang="en-US" sz="3000" dirty="0"/>
           </a:p>
           <a:p>
             <a:r>
               <a:rPr lang="en-US" sz="3000" dirty="0"/>
-              <a:t>Measures of association/link/relation between variables</a:t>
+              <a:t>Measures of variability</a:t>
             </a:r>
           </a:p>
           <a:p>
             <a:pPr lvl="1"/>
             <a:r>
               <a:rPr lang="en-US" sz="2600" dirty="0"/>
-              <a:t>Covariance</a:t>
+              <a:t>Range (the biggest value minus the smallest value.)</a:t>
             </a:r>
           </a:p>
           <a:p>
             <a:pPr lvl="1"/>
             <a:r>
               <a:rPr lang="en-US" sz="2600" dirty="0"/>
-              <a:t>Correlation</a:t>
-            </a:r>
-          </a:p>
-          <a:p>
-            <a:pPr lvl="2"/>
-            <a:r>
-              <a:rPr lang="en-US" sz="2200" dirty="0"/>
-              <a:t>Pearson’s correlation coefficient</a:t>
-            </a:r>
-          </a:p>
-          <a:p>
-            <a:pPr lvl="2"/>
-            <a:r>
-              <a:rPr lang="en-US" sz="2200" dirty="0"/>
-              <a:t>Spearman’s rank correlation coefficient</a:t>
-            </a:r>
-          </a:p>
-          <a:p>
-            <a:pPr lvl="2"/>
-            <a:r>
-              <a:rPr lang="en-US" sz="2200" dirty="0"/>
-              <a:t>Kandall's tau correlation coefficient</a:t>
-            </a:r>
+              <a:t>Interquartile range </a:t>
+            </a:r>
+          </a:p>
+          <a:p>
+            <a:pPr lvl="1"/>
+            <a:r>
+              <a:rPr lang="en-US" sz="2600" dirty="0"/>
+              <a:t>Mean absolute deviation</a:t>
+            </a:r>
+          </a:p>
+          <a:p>
+            <a:pPr lvl="1"/>
+            <a:r>
+              <a:rPr lang="en-US" sz="2600" dirty="0"/>
+              <a:t>Variance</a:t>
+            </a:r>
+          </a:p>
+          <a:p>
+            <a:pPr lvl="1"/>
+            <a:r>
+              <a:rPr lang="en-US" sz="2600"/>
+              <a:t>Standard deviation</a:t>
+            </a:r>
+          </a:p>
+          <a:p>
+            <a:pPr lvl="1"/>
+            <a:r>
+              <a:rPr lang="en-US" sz="2600" dirty="0"/>
+              <a:t>Median absolute deviation</a:t>
+            </a:r>
+          </a:p>
+          <a:p>
+            <a:pPr lvl="1"/>
+            <a:endParaRPr lang="en-US" sz="2600" dirty="0"/>
+          </a:p>
+          <a:p>
+            <a:endParaRPr lang="en-US" sz="3000" dirty="0"/>
           </a:p>
         </p:txBody>
       </p:sp>
     </p:spTree>
     <p:extLst>
       <p:ext uri="{BB962C8B-B14F-4D97-AF65-F5344CB8AC3E}">
-        <p14:creationId xmlns:p14="http://schemas.microsoft.com/office/powerpoint/2010/main" val="1527081780"/>
+        <p14:creationId xmlns:p14="http://schemas.microsoft.com/office/powerpoint/2010/main" val="1327659576"/>
       </p:ext>
     </p:extLst>
   </p:cSld>
@@ -9915,7 +10416,7 @@
                 <a:ea typeface="Arial Unicode MS" panose="020B0604020202020204" pitchFamily="34" charset="-128"/>
                 <a:cs typeface="Arial Unicode MS" panose="020B0604020202020204" pitchFamily="34" charset="-128"/>
               </a:rPr>
-              <a:t>What Measure to Use? (Navarro, 2018)</a:t>
+              <a:t>Descriptive statistics (cont.)</a:t>
             </a:r>
           </a:p>
         </p:txBody>
@@ -9932,1521 +10433,82 @@
         </p:nvSpPr>
         <p:spPr>
           <a:xfrm>
-            <a:off x="609600" y="1143000"/>
-            <a:ext cx="8458200" cy="5715000"/>
+            <a:off x="609600" y="1219200"/>
+            <a:ext cx="8534400" cy="5562600"/>
           </a:xfrm>
         </p:spPr>
         <p:txBody>
           <a:bodyPr>
-            <a:normAutofit fontScale="62500" lnSpcReduction="20000"/>
+            <a:normAutofit/>
           </a:bodyPr>
           <a:lstStyle/>
           <a:p>
             <a:r>
-              <a:rPr lang="ro-RO" i="1" dirty="0"/>
-              <a:t>Range</a:t>
-            </a:r>
-            <a:r>
-              <a:rPr lang="ro-RO" dirty="0"/>
-              <a:t>. </a:t>
-            </a:r>
-            <a:r>
-              <a:rPr lang="ro-RO" dirty="0" err="1"/>
-              <a:t>Gives</a:t>
-            </a:r>
-            <a:r>
-              <a:rPr lang="ro-RO" dirty="0"/>
-              <a:t> </a:t>
-            </a:r>
-            <a:r>
-              <a:rPr lang="ro-RO" dirty="0" err="1"/>
-              <a:t>you</a:t>
-            </a:r>
-            <a:r>
-              <a:rPr lang="ro-RO" dirty="0"/>
-              <a:t> </a:t>
-            </a:r>
-            <a:r>
-              <a:rPr lang="ro-RO" dirty="0" err="1"/>
-              <a:t>the</a:t>
-            </a:r>
-            <a:r>
-              <a:rPr lang="ro-RO" dirty="0"/>
-              <a:t> full </a:t>
-            </a:r>
-            <a:r>
-              <a:rPr lang="ro-RO" dirty="0" err="1"/>
-              <a:t>spread</a:t>
-            </a:r>
-            <a:r>
-              <a:rPr lang="ro-RO" dirty="0"/>
-              <a:t> of </a:t>
-            </a:r>
-            <a:r>
-              <a:rPr lang="ro-RO" dirty="0" err="1"/>
-              <a:t>the</a:t>
-            </a:r>
-            <a:r>
-              <a:rPr lang="ro-RO" dirty="0"/>
-              <a:t> data. </a:t>
-            </a:r>
-            <a:r>
-              <a:rPr lang="ro-RO" dirty="0" err="1"/>
-              <a:t>It’s</a:t>
-            </a:r>
-            <a:r>
-              <a:rPr lang="ro-RO" dirty="0"/>
-              <a:t> </a:t>
-            </a:r>
-            <a:r>
-              <a:rPr lang="ro-RO" dirty="0" err="1"/>
-              <a:t>very</a:t>
-            </a:r>
-            <a:r>
-              <a:rPr lang="ro-RO" dirty="0"/>
-              <a:t> </a:t>
-            </a:r>
-            <a:r>
-              <a:rPr lang="ro-RO" dirty="0" err="1"/>
-              <a:t>vulnerable</a:t>
-            </a:r>
-            <a:r>
-              <a:rPr lang="ro-RO" dirty="0"/>
-              <a:t> </a:t>
-            </a:r>
-            <a:r>
-              <a:rPr lang="ro-RO" dirty="0" err="1"/>
-              <a:t>to</a:t>
-            </a:r>
-            <a:r>
-              <a:rPr lang="ro-RO" dirty="0"/>
-              <a:t> </a:t>
-            </a:r>
-            <a:r>
-              <a:rPr lang="ro-RO" dirty="0" err="1"/>
-              <a:t>outliers</a:t>
-            </a:r>
-            <a:r>
-              <a:rPr lang="ro-RO" dirty="0"/>
-              <a:t>, </a:t>
-            </a:r>
-            <a:r>
-              <a:rPr lang="ro-RO" dirty="0" err="1"/>
-              <a:t>and</a:t>
-            </a:r>
-            <a:r>
-              <a:rPr lang="ro-RO" dirty="0"/>
-              <a:t> as a </a:t>
-            </a:r>
-            <a:r>
-              <a:rPr lang="ro-RO" dirty="0" err="1"/>
-              <a:t>consequence</a:t>
-            </a:r>
-            <a:r>
-              <a:rPr lang="ro-RO" dirty="0"/>
-              <a:t> it </a:t>
-            </a:r>
-            <a:r>
-              <a:rPr lang="ro-RO" dirty="0" err="1"/>
-              <a:t>isn’t</a:t>
-            </a:r>
-            <a:r>
-              <a:rPr lang="ro-RO" dirty="0"/>
-              <a:t> </a:t>
-            </a:r>
-            <a:r>
-              <a:rPr lang="ro-RO" dirty="0" err="1"/>
-              <a:t>often</a:t>
-            </a:r>
-            <a:r>
-              <a:rPr lang="ro-RO" dirty="0"/>
-              <a:t> </a:t>
-            </a:r>
-            <a:r>
-              <a:rPr lang="ro-RO" dirty="0" err="1"/>
-              <a:t>used</a:t>
-            </a:r>
-            <a:r>
-              <a:rPr lang="ro-RO" dirty="0"/>
-              <a:t> </a:t>
-            </a:r>
-            <a:r>
-              <a:rPr lang="ro-RO" dirty="0" err="1"/>
-              <a:t>unless</a:t>
-            </a:r>
-            <a:r>
-              <a:rPr lang="ro-RO" dirty="0"/>
-              <a:t> </a:t>
-            </a:r>
-            <a:r>
-              <a:rPr lang="ro-RO" dirty="0" err="1"/>
-              <a:t>you</a:t>
-            </a:r>
-            <a:r>
-              <a:rPr lang="ro-RO" dirty="0"/>
-              <a:t> </a:t>
-            </a:r>
-            <a:r>
-              <a:rPr lang="ro-RO" dirty="0" err="1"/>
-              <a:t>have</a:t>
-            </a:r>
-            <a:r>
-              <a:rPr lang="ro-RO" dirty="0"/>
-              <a:t> </a:t>
-            </a:r>
-            <a:r>
-              <a:rPr lang="ro-RO" dirty="0" err="1"/>
-              <a:t>good</a:t>
-            </a:r>
-            <a:r>
-              <a:rPr lang="ro-RO" dirty="0"/>
-              <a:t> </a:t>
-            </a:r>
-            <a:r>
-              <a:rPr lang="ro-RO" dirty="0" err="1"/>
-              <a:t>reasons</a:t>
-            </a:r>
-            <a:r>
-              <a:rPr lang="ro-RO" dirty="0"/>
-              <a:t> </a:t>
-            </a:r>
-            <a:r>
-              <a:rPr lang="ro-RO" dirty="0" err="1"/>
-              <a:t>to</a:t>
-            </a:r>
-            <a:r>
-              <a:rPr lang="ro-RO" dirty="0"/>
-              <a:t> care </a:t>
-            </a:r>
-            <a:r>
-              <a:rPr lang="ro-RO" dirty="0" err="1"/>
-              <a:t>about</a:t>
-            </a:r>
-            <a:r>
-              <a:rPr lang="ro-RO" dirty="0"/>
-              <a:t> </a:t>
-            </a:r>
-            <a:r>
-              <a:rPr lang="ro-RO" dirty="0" err="1"/>
-              <a:t>the</a:t>
-            </a:r>
-            <a:r>
-              <a:rPr lang="ro-RO" dirty="0"/>
-              <a:t> </a:t>
-            </a:r>
-            <a:r>
-              <a:rPr lang="ro-RO" dirty="0" err="1"/>
-              <a:t>extremes</a:t>
-            </a:r>
-            <a:r>
-              <a:rPr lang="ro-RO" dirty="0"/>
-              <a:t> in </a:t>
-            </a:r>
-            <a:r>
-              <a:rPr lang="ro-RO" dirty="0" err="1"/>
-              <a:t>the</a:t>
-            </a:r>
-            <a:r>
-              <a:rPr lang="ro-RO" dirty="0"/>
-              <a:t> data.</a:t>
-            </a:r>
-          </a:p>
-          <a:p>
-            <a:r>
-              <a:rPr lang="ro-RO" i="1" dirty="0" err="1"/>
-              <a:t>Interquartile</a:t>
-            </a:r>
-            <a:r>
-              <a:rPr lang="ro-RO" i="1" dirty="0"/>
-              <a:t> </a:t>
-            </a:r>
-            <a:r>
-              <a:rPr lang="ro-RO" i="1" dirty="0" err="1"/>
-              <a:t>range</a:t>
-            </a:r>
-            <a:r>
-              <a:rPr lang="ro-RO" dirty="0"/>
-              <a:t>. </a:t>
-            </a:r>
-            <a:r>
-              <a:rPr lang="ro-RO" dirty="0" err="1"/>
-              <a:t>Tells</a:t>
-            </a:r>
-            <a:r>
-              <a:rPr lang="ro-RO" dirty="0"/>
-              <a:t> </a:t>
-            </a:r>
-            <a:r>
-              <a:rPr lang="ro-RO" dirty="0" err="1"/>
-              <a:t>you</a:t>
-            </a:r>
-            <a:r>
-              <a:rPr lang="ro-RO" dirty="0"/>
-              <a:t> </a:t>
-            </a:r>
-            <a:r>
-              <a:rPr lang="ro-RO" dirty="0" err="1"/>
-              <a:t>where</a:t>
-            </a:r>
-            <a:r>
-              <a:rPr lang="ro-RO" dirty="0"/>
-              <a:t> </a:t>
-            </a:r>
-            <a:r>
-              <a:rPr lang="ro-RO" dirty="0" err="1"/>
-              <a:t>the</a:t>
-            </a:r>
-            <a:r>
-              <a:rPr lang="ro-RO" dirty="0"/>
-              <a:t> “</a:t>
-            </a:r>
-            <a:r>
-              <a:rPr lang="ro-RO" dirty="0" err="1"/>
-              <a:t>middle</a:t>
-            </a:r>
-            <a:r>
-              <a:rPr lang="ro-RO" dirty="0"/>
-              <a:t> half” of </a:t>
-            </a:r>
-            <a:r>
-              <a:rPr lang="ro-RO" dirty="0" err="1"/>
-              <a:t>the</a:t>
-            </a:r>
-            <a:r>
-              <a:rPr lang="ro-RO" dirty="0"/>
-              <a:t> data </a:t>
-            </a:r>
-            <a:r>
-              <a:rPr lang="ro-RO" dirty="0" err="1"/>
-              <a:t>sits</a:t>
-            </a:r>
-            <a:r>
-              <a:rPr lang="ro-RO" dirty="0"/>
-              <a:t>. </a:t>
-            </a:r>
-            <a:r>
-              <a:rPr lang="ro-RO" dirty="0" err="1"/>
-              <a:t>It’s</a:t>
-            </a:r>
-            <a:r>
-              <a:rPr lang="ro-RO" dirty="0"/>
-              <a:t> </a:t>
-            </a:r>
-            <a:r>
-              <a:rPr lang="ro-RO" dirty="0" err="1"/>
-              <a:t>pretty</a:t>
-            </a:r>
-            <a:r>
-              <a:rPr lang="ro-RO" dirty="0"/>
-              <a:t> robust, </a:t>
-            </a:r>
-            <a:r>
-              <a:rPr lang="ro-RO" dirty="0" err="1"/>
-              <a:t>and</a:t>
-            </a:r>
-            <a:r>
-              <a:rPr lang="ro-RO" dirty="0"/>
-              <a:t> </a:t>
-            </a:r>
-            <a:r>
-              <a:rPr lang="ro-RO" dirty="0" err="1"/>
-              <a:t>complements</a:t>
-            </a:r>
-            <a:r>
-              <a:rPr lang="ro-RO" dirty="0"/>
-              <a:t> </a:t>
-            </a:r>
-            <a:r>
-              <a:rPr lang="ro-RO" dirty="0" err="1"/>
-              <a:t>the</a:t>
-            </a:r>
-            <a:r>
-              <a:rPr lang="ro-RO" dirty="0"/>
-              <a:t> median </a:t>
-            </a:r>
-            <a:r>
-              <a:rPr lang="ro-RO" dirty="0" err="1"/>
-              <a:t>nicely</a:t>
-            </a:r>
-            <a:r>
-              <a:rPr lang="ro-RO" dirty="0"/>
-              <a:t>. </a:t>
-            </a:r>
-            <a:r>
-              <a:rPr lang="ro-RO" dirty="0" err="1"/>
-              <a:t>This</a:t>
-            </a:r>
-            <a:r>
-              <a:rPr lang="ro-RO" dirty="0"/>
-              <a:t> </a:t>
-            </a:r>
-            <a:r>
-              <a:rPr lang="ro-RO" dirty="0" err="1"/>
-              <a:t>is</a:t>
-            </a:r>
-            <a:r>
-              <a:rPr lang="ro-RO" dirty="0"/>
-              <a:t> </a:t>
-            </a:r>
-            <a:r>
-              <a:rPr lang="ro-RO" dirty="0" err="1"/>
-              <a:t>used</a:t>
-            </a:r>
-            <a:r>
-              <a:rPr lang="ro-RO" dirty="0"/>
-              <a:t> a lot.</a:t>
-            </a:r>
-          </a:p>
-          <a:p>
-            <a:r>
-              <a:rPr lang="ro-RO" i="1" dirty="0" err="1"/>
-              <a:t>Mean</a:t>
-            </a:r>
-            <a:r>
-              <a:rPr lang="ro-RO" i="1" dirty="0"/>
-              <a:t> absolute </a:t>
-            </a:r>
-            <a:r>
-              <a:rPr lang="ro-RO" i="1" dirty="0" err="1"/>
-              <a:t>deviation</a:t>
-            </a:r>
-            <a:r>
-              <a:rPr lang="ro-RO" dirty="0"/>
-              <a:t>. </a:t>
-            </a:r>
-            <a:r>
-              <a:rPr lang="ro-RO" dirty="0" err="1"/>
-              <a:t>Tells</a:t>
-            </a:r>
-            <a:r>
-              <a:rPr lang="ro-RO" dirty="0"/>
-              <a:t> </a:t>
-            </a:r>
-            <a:r>
-              <a:rPr lang="ro-RO" dirty="0" err="1"/>
-              <a:t>you</a:t>
-            </a:r>
-            <a:r>
-              <a:rPr lang="ro-RO" dirty="0"/>
-              <a:t> </a:t>
-            </a:r>
-            <a:r>
-              <a:rPr lang="ro-RO" dirty="0" err="1"/>
-              <a:t>how</a:t>
-            </a:r>
-            <a:r>
-              <a:rPr lang="ro-RO" dirty="0"/>
-              <a:t> far “on </a:t>
-            </a:r>
-            <a:r>
-              <a:rPr lang="ro-RO" dirty="0" err="1"/>
-              <a:t>average</a:t>
-            </a:r>
-            <a:r>
-              <a:rPr lang="ro-RO" dirty="0"/>
-              <a:t>” </a:t>
-            </a:r>
-            <a:r>
-              <a:rPr lang="ro-RO" dirty="0" err="1"/>
-              <a:t>the</a:t>
-            </a:r>
-            <a:r>
-              <a:rPr lang="ro-RO" dirty="0"/>
-              <a:t> </a:t>
-            </a:r>
-            <a:r>
-              <a:rPr lang="ro-RO" dirty="0" err="1"/>
-              <a:t>observations</a:t>
-            </a:r>
-            <a:r>
-              <a:rPr lang="ro-RO" dirty="0"/>
-              <a:t> are </a:t>
-            </a:r>
-            <a:r>
-              <a:rPr lang="ro-RO" dirty="0" err="1"/>
-              <a:t>from</a:t>
-            </a:r>
-            <a:r>
-              <a:rPr lang="ro-RO" dirty="0"/>
-              <a:t> </a:t>
-            </a:r>
-            <a:r>
-              <a:rPr lang="ro-RO" dirty="0" err="1"/>
-              <a:t>the</a:t>
-            </a:r>
-            <a:r>
-              <a:rPr lang="ro-RO" dirty="0"/>
-              <a:t> </a:t>
-            </a:r>
-            <a:r>
-              <a:rPr lang="ro-RO" dirty="0" err="1"/>
-              <a:t>mean</a:t>
-            </a:r>
-            <a:r>
-              <a:rPr lang="ro-RO" dirty="0"/>
-              <a:t>. </a:t>
-            </a:r>
-            <a:r>
-              <a:rPr lang="ro-RO" dirty="0" err="1"/>
-              <a:t>It’s</a:t>
-            </a:r>
-            <a:r>
-              <a:rPr lang="ro-RO" dirty="0"/>
-              <a:t> </a:t>
-            </a:r>
-            <a:r>
-              <a:rPr lang="ro-RO" dirty="0" err="1"/>
-              <a:t>very</a:t>
-            </a:r>
-            <a:r>
-              <a:rPr lang="ro-RO" dirty="0"/>
-              <a:t> </a:t>
-            </a:r>
-            <a:r>
-              <a:rPr lang="ro-RO" dirty="0" err="1"/>
-              <a:t>interpretable</a:t>
-            </a:r>
-            <a:r>
-              <a:rPr lang="ro-RO" dirty="0"/>
-              <a:t>, but </a:t>
-            </a:r>
-            <a:r>
-              <a:rPr lang="ro-RO" dirty="0" err="1"/>
-              <a:t>has</a:t>
-            </a:r>
-            <a:r>
-              <a:rPr lang="ro-RO" dirty="0"/>
-              <a:t> a </a:t>
-            </a:r>
-            <a:r>
-              <a:rPr lang="ro-RO" dirty="0" err="1"/>
-              <a:t>few</a:t>
-            </a:r>
-            <a:r>
-              <a:rPr lang="ro-RO" dirty="0"/>
-              <a:t> minor </a:t>
-            </a:r>
-            <a:r>
-              <a:rPr lang="ro-RO" dirty="0" err="1"/>
-              <a:t>issues</a:t>
-            </a:r>
-            <a:r>
-              <a:rPr lang="ro-RO" dirty="0"/>
-              <a:t> </a:t>
-            </a:r>
-            <a:r>
-              <a:rPr lang="ro-RO" dirty="0" err="1"/>
-              <a:t>that</a:t>
-            </a:r>
-            <a:r>
-              <a:rPr lang="ro-RO" dirty="0"/>
-              <a:t> </a:t>
-            </a:r>
-            <a:r>
-              <a:rPr lang="ro-RO" dirty="0" err="1"/>
-              <a:t>make</a:t>
-            </a:r>
-            <a:r>
-              <a:rPr lang="ro-RO" dirty="0"/>
-              <a:t> it </a:t>
-            </a:r>
-            <a:r>
-              <a:rPr lang="ro-RO" dirty="0" err="1"/>
-              <a:t>less</a:t>
-            </a:r>
-            <a:r>
-              <a:rPr lang="ro-RO" dirty="0"/>
-              <a:t> </a:t>
-            </a:r>
-            <a:r>
-              <a:rPr lang="ro-RO" dirty="0" err="1"/>
-              <a:t>attractive</a:t>
-            </a:r>
-            <a:r>
-              <a:rPr lang="ro-RO" dirty="0"/>
-              <a:t> </a:t>
-            </a:r>
-            <a:r>
-              <a:rPr lang="ro-RO" dirty="0" err="1"/>
-              <a:t>to</a:t>
-            </a:r>
-            <a:r>
-              <a:rPr lang="ro-RO" dirty="0"/>
-              <a:t> </a:t>
-            </a:r>
-            <a:r>
-              <a:rPr lang="ro-RO" dirty="0" err="1"/>
-              <a:t>statisticians</a:t>
-            </a:r>
-            <a:r>
-              <a:rPr lang="ro-RO" dirty="0"/>
-              <a:t> </a:t>
-            </a:r>
-            <a:r>
-              <a:rPr lang="ro-RO" dirty="0" err="1"/>
-              <a:t>than</a:t>
-            </a:r>
-            <a:r>
-              <a:rPr lang="ro-RO" dirty="0"/>
-              <a:t> </a:t>
-            </a:r>
-            <a:r>
-              <a:rPr lang="ro-RO" dirty="0" err="1"/>
-              <a:t>the</a:t>
-            </a:r>
-            <a:r>
-              <a:rPr lang="ro-RO" dirty="0"/>
-              <a:t> standard </a:t>
-            </a:r>
-            <a:r>
-              <a:rPr lang="ro-RO" dirty="0" err="1"/>
-              <a:t>deviation</a:t>
-            </a:r>
-            <a:r>
-              <a:rPr lang="ro-RO" dirty="0"/>
-              <a:t>. </a:t>
-            </a:r>
-            <a:r>
-              <a:rPr lang="ro-RO" dirty="0" err="1"/>
-              <a:t>Used</a:t>
-            </a:r>
-            <a:r>
-              <a:rPr lang="ro-RO" dirty="0"/>
-              <a:t> </a:t>
-            </a:r>
-            <a:r>
-              <a:rPr lang="ro-RO" dirty="0" err="1"/>
-              <a:t>sometimes</a:t>
-            </a:r>
-            <a:r>
-              <a:rPr lang="ro-RO" dirty="0"/>
-              <a:t>, but </a:t>
-            </a:r>
-            <a:r>
-              <a:rPr lang="ro-RO" dirty="0" err="1"/>
-              <a:t>not</a:t>
-            </a:r>
-            <a:r>
-              <a:rPr lang="ro-RO" dirty="0"/>
-              <a:t> </a:t>
-            </a:r>
-            <a:r>
-              <a:rPr lang="ro-RO" dirty="0" err="1"/>
-              <a:t>often</a:t>
-            </a:r>
-            <a:r>
-              <a:rPr lang="ro-RO" dirty="0"/>
-              <a:t>.</a:t>
-            </a:r>
-          </a:p>
-          <a:p>
-            <a:r>
-              <a:rPr lang="ro-RO" i="1" dirty="0" err="1"/>
-              <a:t>Variance</a:t>
-            </a:r>
-            <a:r>
-              <a:rPr lang="ro-RO" dirty="0"/>
-              <a:t>. </a:t>
-            </a:r>
-            <a:r>
-              <a:rPr lang="ro-RO" dirty="0" err="1"/>
-              <a:t>Tells</a:t>
-            </a:r>
-            <a:r>
-              <a:rPr lang="ro-RO" dirty="0"/>
-              <a:t> </a:t>
-            </a:r>
-            <a:r>
-              <a:rPr lang="ro-RO" dirty="0" err="1"/>
-              <a:t>you</a:t>
-            </a:r>
-            <a:r>
-              <a:rPr lang="ro-RO" dirty="0"/>
-              <a:t> </a:t>
-            </a:r>
-            <a:r>
-              <a:rPr lang="ro-RO" dirty="0" err="1"/>
-              <a:t>the</a:t>
-            </a:r>
-            <a:r>
-              <a:rPr lang="ro-RO" dirty="0"/>
-              <a:t> </a:t>
-            </a:r>
-            <a:r>
-              <a:rPr lang="ro-RO" dirty="0" err="1"/>
-              <a:t>average</a:t>
-            </a:r>
-            <a:r>
-              <a:rPr lang="ro-RO" dirty="0"/>
-              <a:t> </a:t>
-            </a:r>
-            <a:r>
-              <a:rPr lang="ro-RO" dirty="0" err="1"/>
-              <a:t>squared</a:t>
-            </a:r>
-            <a:r>
-              <a:rPr lang="ro-RO" dirty="0"/>
-              <a:t> </a:t>
-            </a:r>
-            <a:r>
-              <a:rPr lang="ro-RO" dirty="0" err="1"/>
-              <a:t>deviation</a:t>
-            </a:r>
-            <a:r>
-              <a:rPr lang="ro-RO" dirty="0"/>
-              <a:t> </a:t>
-            </a:r>
-            <a:r>
-              <a:rPr lang="ro-RO" dirty="0" err="1"/>
-              <a:t>from</a:t>
-            </a:r>
-            <a:r>
-              <a:rPr lang="ro-RO" dirty="0"/>
-              <a:t> </a:t>
-            </a:r>
-            <a:r>
-              <a:rPr lang="ro-RO" dirty="0" err="1"/>
-              <a:t>the</a:t>
-            </a:r>
-            <a:r>
-              <a:rPr lang="ro-RO" dirty="0"/>
-              <a:t> </a:t>
-            </a:r>
-            <a:r>
-              <a:rPr lang="ro-RO" dirty="0" err="1"/>
-              <a:t>mean</a:t>
-            </a:r>
-            <a:r>
-              <a:rPr lang="ro-RO" dirty="0"/>
-              <a:t>. </a:t>
-            </a:r>
-            <a:r>
-              <a:rPr lang="ro-RO" dirty="0" err="1"/>
-              <a:t>It’s</a:t>
-            </a:r>
-            <a:r>
-              <a:rPr lang="ro-RO" dirty="0"/>
-              <a:t> </a:t>
-            </a:r>
-            <a:r>
-              <a:rPr lang="ro-RO" dirty="0" err="1"/>
-              <a:t>mathematically</a:t>
-            </a:r>
-            <a:r>
-              <a:rPr lang="ro-RO" dirty="0"/>
-              <a:t> elegant, </a:t>
-            </a:r>
-            <a:r>
-              <a:rPr lang="ro-RO" dirty="0" err="1"/>
-              <a:t>and</a:t>
-            </a:r>
-            <a:r>
-              <a:rPr lang="ro-RO" dirty="0"/>
-              <a:t> </a:t>
-            </a:r>
-            <a:r>
-              <a:rPr lang="ro-RO" dirty="0" err="1"/>
-              <a:t>is</a:t>
-            </a:r>
-            <a:r>
-              <a:rPr lang="ro-RO" dirty="0"/>
-              <a:t> </a:t>
-            </a:r>
-            <a:r>
-              <a:rPr lang="ro-RO" dirty="0" err="1"/>
-              <a:t>probably</a:t>
-            </a:r>
-            <a:r>
-              <a:rPr lang="ro-RO" dirty="0"/>
-              <a:t> </a:t>
-            </a:r>
-            <a:r>
-              <a:rPr lang="ro-RO" dirty="0" err="1"/>
-              <a:t>the</a:t>
-            </a:r>
-            <a:r>
-              <a:rPr lang="ro-RO" dirty="0"/>
-              <a:t> “</a:t>
-            </a:r>
-            <a:r>
-              <a:rPr lang="ro-RO" dirty="0" err="1"/>
-              <a:t>right</a:t>
-            </a:r>
-            <a:r>
-              <a:rPr lang="ro-RO" dirty="0"/>
-              <a:t>” </a:t>
-            </a:r>
-            <a:r>
-              <a:rPr lang="ro-RO" dirty="0" err="1"/>
-              <a:t>way</a:t>
-            </a:r>
-            <a:r>
-              <a:rPr lang="ro-RO" dirty="0"/>
-              <a:t> </a:t>
-            </a:r>
-            <a:r>
-              <a:rPr lang="ro-RO" dirty="0" err="1"/>
-              <a:t>to</a:t>
-            </a:r>
-            <a:r>
-              <a:rPr lang="ro-RO" dirty="0"/>
-              <a:t> </a:t>
-            </a:r>
-            <a:r>
-              <a:rPr lang="ro-RO" dirty="0" err="1"/>
-              <a:t>describe</a:t>
-            </a:r>
-            <a:r>
-              <a:rPr lang="ro-RO" dirty="0"/>
-              <a:t> </a:t>
-            </a:r>
-            <a:r>
-              <a:rPr lang="ro-RO" dirty="0" err="1"/>
-              <a:t>variation</a:t>
-            </a:r>
-            <a:r>
-              <a:rPr lang="ro-RO" dirty="0"/>
-              <a:t> </a:t>
-            </a:r>
-            <a:r>
-              <a:rPr lang="ro-RO" dirty="0" err="1"/>
-              <a:t>around</a:t>
-            </a:r>
-            <a:r>
-              <a:rPr lang="ro-RO" dirty="0"/>
-              <a:t> </a:t>
-            </a:r>
-            <a:r>
-              <a:rPr lang="ro-RO" dirty="0" err="1"/>
-              <a:t>the</a:t>
-            </a:r>
-            <a:r>
-              <a:rPr lang="ro-RO" dirty="0"/>
-              <a:t> </a:t>
-            </a:r>
-            <a:r>
-              <a:rPr lang="ro-RO" dirty="0" err="1"/>
-              <a:t>mean</a:t>
-            </a:r>
-            <a:r>
-              <a:rPr lang="ro-RO" dirty="0"/>
-              <a:t>, but </a:t>
-            </a:r>
-            <a:r>
-              <a:rPr lang="ro-RO" dirty="0" err="1"/>
-              <a:t>it’s</a:t>
-            </a:r>
-            <a:r>
-              <a:rPr lang="ro-RO" dirty="0"/>
-              <a:t> </a:t>
-            </a:r>
-            <a:r>
-              <a:rPr lang="ro-RO" dirty="0" err="1"/>
-              <a:t>completely</a:t>
-            </a:r>
-            <a:r>
-              <a:rPr lang="ro-RO" dirty="0"/>
-              <a:t> </a:t>
-            </a:r>
-            <a:r>
-              <a:rPr lang="ro-RO" dirty="0" err="1"/>
-              <a:t>uninterpretable</a:t>
-            </a:r>
-            <a:r>
-              <a:rPr lang="ro-RO" dirty="0"/>
-              <a:t> </a:t>
-            </a:r>
-            <a:r>
-              <a:rPr lang="ro-RO" dirty="0" err="1"/>
-              <a:t>because</a:t>
-            </a:r>
-            <a:r>
-              <a:rPr lang="ro-RO" dirty="0"/>
-              <a:t> it </a:t>
-            </a:r>
-            <a:r>
-              <a:rPr lang="ro-RO" dirty="0" err="1"/>
-              <a:t>doesn’t</a:t>
-            </a:r>
-            <a:r>
-              <a:rPr lang="ro-RO" dirty="0"/>
-              <a:t> </a:t>
-            </a:r>
-            <a:r>
-              <a:rPr lang="ro-RO" dirty="0" err="1"/>
-              <a:t>use</a:t>
-            </a:r>
-            <a:r>
-              <a:rPr lang="ro-RO" dirty="0"/>
-              <a:t> </a:t>
-            </a:r>
-            <a:r>
-              <a:rPr lang="ro-RO" dirty="0" err="1"/>
-              <a:t>the</a:t>
-            </a:r>
-            <a:r>
-              <a:rPr lang="ro-RO" dirty="0"/>
-              <a:t> same </a:t>
-            </a:r>
-            <a:r>
-              <a:rPr lang="ro-RO" dirty="0" err="1"/>
-              <a:t>units</a:t>
-            </a:r>
-            <a:r>
-              <a:rPr lang="ro-RO" dirty="0"/>
-              <a:t> as </a:t>
-            </a:r>
-            <a:r>
-              <a:rPr lang="ro-RO" dirty="0" err="1"/>
-              <a:t>the</a:t>
-            </a:r>
-            <a:r>
-              <a:rPr lang="ro-RO" dirty="0"/>
-              <a:t> data. </a:t>
-            </a:r>
-            <a:r>
-              <a:rPr lang="ro-RO" dirty="0" err="1"/>
-              <a:t>Almost</a:t>
-            </a:r>
-            <a:r>
-              <a:rPr lang="ro-RO" dirty="0"/>
-              <a:t> </a:t>
-            </a:r>
-            <a:r>
-              <a:rPr lang="ro-RO" dirty="0" err="1"/>
-              <a:t>never</a:t>
-            </a:r>
-            <a:r>
-              <a:rPr lang="ro-RO" dirty="0"/>
-              <a:t> </a:t>
-            </a:r>
-            <a:r>
-              <a:rPr lang="ro-RO" dirty="0" err="1"/>
-              <a:t>used</a:t>
-            </a:r>
-            <a:r>
-              <a:rPr lang="ro-RO" dirty="0"/>
-              <a:t> </a:t>
-            </a:r>
-            <a:r>
-              <a:rPr lang="ro-RO" dirty="0" err="1"/>
-              <a:t>except</a:t>
-            </a:r>
-            <a:r>
-              <a:rPr lang="ro-RO" dirty="0"/>
-              <a:t> as a </a:t>
-            </a:r>
-            <a:r>
-              <a:rPr lang="ro-RO" dirty="0" err="1"/>
-              <a:t>mathematical</a:t>
-            </a:r>
-            <a:r>
-              <a:rPr lang="ro-RO" dirty="0"/>
-              <a:t> </a:t>
-            </a:r>
-            <a:r>
-              <a:rPr lang="ro-RO" dirty="0" err="1"/>
-              <a:t>tool</a:t>
-            </a:r>
-            <a:endParaRPr lang="ro-RO" dirty="0"/>
-          </a:p>
-          <a:p>
-            <a:r>
-              <a:rPr lang="ro-RO" i="1" dirty="0"/>
-              <a:t>Standard </a:t>
-            </a:r>
-            <a:r>
-              <a:rPr lang="ro-RO" i="1" dirty="0" err="1"/>
-              <a:t>deviation</a:t>
-            </a:r>
-            <a:r>
-              <a:rPr lang="ro-RO" dirty="0"/>
-              <a:t>. </a:t>
-            </a:r>
-            <a:r>
-              <a:rPr lang="ro-RO" dirty="0" err="1"/>
-              <a:t>This</a:t>
-            </a:r>
-            <a:r>
-              <a:rPr lang="ro-RO" dirty="0"/>
-              <a:t> </a:t>
-            </a:r>
-            <a:r>
-              <a:rPr lang="ro-RO" dirty="0" err="1"/>
-              <a:t>is</a:t>
-            </a:r>
-            <a:r>
-              <a:rPr lang="ro-RO" dirty="0"/>
-              <a:t> </a:t>
-            </a:r>
-            <a:r>
-              <a:rPr lang="ro-RO" dirty="0" err="1"/>
-              <a:t>the</a:t>
-            </a:r>
-            <a:r>
-              <a:rPr lang="ro-RO" dirty="0"/>
-              <a:t> </a:t>
-            </a:r>
-            <a:r>
-              <a:rPr lang="ro-RO" dirty="0" err="1"/>
-              <a:t>square</a:t>
-            </a:r>
-            <a:r>
-              <a:rPr lang="ro-RO" dirty="0"/>
-              <a:t> </a:t>
-            </a:r>
-            <a:r>
-              <a:rPr lang="ro-RO" dirty="0" err="1"/>
-              <a:t>root</a:t>
-            </a:r>
-            <a:r>
-              <a:rPr lang="ro-RO" dirty="0"/>
-              <a:t> of </a:t>
-            </a:r>
-            <a:r>
-              <a:rPr lang="ro-RO" dirty="0" err="1"/>
-              <a:t>the</a:t>
-            </a:r>
-            <a:r>
-              <a:rPr lang="ro-RO" dirty="0"/>
-              <a:t> </a:t>
-            </a:r>
-            <a:r>
-              <a:rPr lang="ro-RO" dirty="0" err="1"/>
-              <a:t>variance</a:t>
-            </a:r>
-            <a:r>
-              <a:rPr lang="ro-RO" dirty="0"/>
-              <a:t>. </a:t>
-            </a:r>
-            <a:r>
-              <a:rPr lang="ro-RO" dirty="0" err="1"/>
-              <a:t>It’s</a:t>
-            </a:r>
-            <a:r>
-              <a:rPr lang="ro-RO" dirty="0"/>
-              <a:t> </a:t>
-            </a:r>
-            <a:r>
-              <a:rPr lang="ro-RO" dirty="0" err="1"/>
-              <a:t>fairly</a:t>
-            </a:r>
-            <a:r>
-              <a:rPr lang="ro-RO" dirty="0"/>
-              <a:t> elegant </a:t>
-            </a:r>
-            <a:r>
-              <a:rPr lang="ro-RO" dirty="0" err="1"/>
-              <a:t>mathematically</a:t>
-            </a:r>
-            <a:r>
-              <a:rPr lang="ro-RO" dirty="0"/>
-              <a:t>, </a:t>
-            </a:r>
-            <a:r>
-              <a:rPr lang="ro-RO" dirty="0" err="1"/>
-              <a:t>and</a:t>
-            </a:r>
-            <a:r>
-              <a:rPr lang="ro-RO" dirty="0"/>
-              <a:t> </a:t>
-            </a:r>
-            <a:r>
-              <a:rPr lang="ro-RO" dirty="0" err="1"/>
-              <a:t>it’s</a:t>
-            </a:r>
-            <a:r>
-              <a:rPr lang="ro-RO" dirty="0"/>
-              <a:t> </a:t>
-            </a:r>
-            <a:r>
-              <a:rPr lang="ro-RO" dirty="0" err="1"/>
-              <a:t>expressed</a:t>
-            </a:r>
-            <a:r>
-              <a:rPr lang="ro-RO" dirty="0"/>
-              <a:t> in </a:t>
-            </a:r>
-            <a:r>
-              <a:rPr lang="ro-RO" dirty="0" err="1"/>
-              <a:t>the</a:t>
-            </a:r>
-            <a:r>
-              <a:rPr lang="ro-RO" dirty="0"/>
-              <a:t> same </a:t>
-            </a:r>
-            <a:r>
-              <a:rPr lang="ro-RO" dirty="0" err="1"/>
-              <a:t>units</a:t>
-            </a:r>
-            <a:r>
-              <a:rPr lang="ro-RO" dirty="0"/>
-              <a:t> as </a:t>
-            </a:r>
-            <a:r>
-              <a:rPr lang="ro-RO" dirty="0" err="1"/>
-              <a:t>the</a:t>
-            </a:r>
-            <a:r>
-              <a:rPr lang="ro-RO" dirty="0"/>
-              <a:t> data </a:t>
-            </a:r>
-            <a:r>
-              <a:rPr lang="ro-RO" dirty="0" err="1"/>
-              <a:t>so</a:t>
-            </a:r>
-            <a:r>
-              <a:rPr lang="ro-RO" dirty="0"/>
-              <a:t> it </a:t>
-            </a:r>
-            <a:r>
-              <a:rPr lang="ro-RO" dirty="0" err="1"/>
-              <a:t>can</a:t>
-            </a:r>
-            <a:r>
-              <a:rPr lang="ro-RO" dirty="0"/>
-              <a:t> </a:t>
-            </a:r>
-            <a:r>
-              <a:rPr lang="ro-RO" dirty="0" err="1"/>
-              <a:t>be</a:t>
-            </a:r>
-            <a:r>
-              <a:rPr lang="ro-RO" dirty="0"/>
-              <a:t> </a:t>
-            </a:r>
-            <a:r>
-              <a:rPr lang="ro-RO" dirty="0" err="1"/>
-              <a:t>interpreted</a:t>
-            </a:r>
-            <a:r>
-              <a:rPr lang="ro-RO" dirty="0"/>
-              <a:t> </a:t>
-            </a:r>
-            <a:r>
-              <a:rPr lang="ro-RO" dirty="0" err="1"/>
-              <a:t>pretty</a:t>
-            </a:r>
-            <a:r>
-              <a:rPr lang="ro-RO" dirty="0"/>
-              <a:t> </a:t>
-            </a:r>
-            <a:r>
-              <a:rPr lang="ro-RO" dirty="0" err="1"/>
-              <a:t>well</a:t>
-            </a:r>
-            <a:r>
-              <a:rPr lang="ro-RO" dirty="0"/>
-              <a:t>. In </a:t>
-            </a:r>
-            <a:r>
-              <a:rPr lang="ro-RO" dirty="0" err="1"/>
-              <a:t>situations</a:t>
-            </a:r>
-            <a:r>
-              <a:rPr lang="ro-RO" dirty="0"/>
-              <a:t> </a:t>
-            </a:r>
-            <a:r>
-              <a:rPr lang="ro-RO" dirty="0" err="1"/>
-              <a:t>where</a:t>
-            </a:r>
-            <a:r>
-              <a:rPr lang="ro-RO" dirty="0"/>
-              <a:t> </a:t>
-            </a:r>
-            <a:r>
-              <a:rPr lang="ro-RO" dirty="0" err="1"/>
-              <a:t>the</a:t>
-            </a:r>
-            <a:r>
-              <a:rPr lang="ro-RO" dirty="0"/>
-              <a:t> </a:t>
-            </a:r>
-            <a:r>
-              <a:rPr lang="ro-RO" dirty="0" err="1"/>
-              <a:t>mean</a:t>
-            </a:r>
-            <a:r>
-              <a:rPr lang="ro-RO" dirty="0"/>
-              <a:t> </a:t>
-            </a:r>
-            <a:r>
-              <a:rPr lang="ro-RO" dirty="0" err="1"/>
-              <a:t>is</a:t>
-            </a:r>
-            <a:r>
-              <a:rPr lang="ro-RO" dirty="0"/>
-              <a:t> </a:t>
-            </a:r>
-            <a:r>
-              <a:rPr lang="ro-RO" dirty="0" err="1"/>
-              <a:t>the</a:t>
-            </a:r>
-            <a:r>
-              <a:rPr lang="ro-RO" dirty="0"/>
-              <a:t> </a:t>
-            </a:r>
-            <a:r>
-              <a:rPr lang="ro-RO" dirty="0" err="1"/>
-              <a:t>measure</a:t>
-            </a:r>
-            <a:r>
-              <a:rPr lang="ro-RO" dirty="0"/>
-              <a:t> of central </a:t>
-            </a:r>
-            <a:r>
-              <a:rPr lang="ro-RO" dirty="0" err="1"/>
-              <a:t>tendency</a:t>
-            </a:r>
-            <a:r>
-              <a:rPr lang="ro-RO" dirty="0"/>
-              <a:t>, </a:t>
-            </a:r>
-            <a:r>
-              <a:rPr lang="ro-RO" dirty="0" err="1"/>
-              <a:t>this</a:t>
-            </a:r>
-            <a:r>
-              <a:rPr lang="ro-RO" dirty="0"/>
-              <a:t> </a:t>
-            </a:r>
-            <a:r>
-              <a:rPr lang="ro-RO" dirty="0" err="1"/>
-              <a:t>is</a:t>
-            </a:r>
-            <a:r>
-              <a:rPr lang="ro-RO" dirty="0"/>
-              <a:t> </a:t>
-            </a:r>
-            <a:r>
-              <a:rPr lang="ro-RO" dirty="0" err="1"/>
-              <a:t>the</a:t>
-            </a:r>
-            <a:r>
-              <a:rPr lang="ro-RO" dirty="0"/>
-              <a:t> </a:t>
-            </a:r>
-            <a:r>
-              <a:rPr lang="ro-RO" dirty="0" err="1"/>
-              <a:t>default</a:t>
-            </a:r>
-            <a:r>
-              <a:rPr lang="ro-RO" dirty="0"/>
-              <a:t>. </a:t>
-            </a:r>
-            <a:r>
-              <a:rPr lang="ro-RO" dirty="0" err="1"/>
-              <a:t>This</a:t>
-            </a:r>
-            <a:r>
-              <a:rPr lang="ro-RO" dirty="0"/>
-              <a:t> </a:t>
-            </a:r>
-            <a:r>
-              <a:rPr lang="ro-RO" dirty="0" err="1"/>
-              <a:t>is</a:t>
-            </a:r>
-            <a:r>
-              <a:rPr lang="ro-RO" dirty="0"/>
-              <a:t> </a:t>
-            </a:r>
-            <a:r>
-              <a:rPr lang="ro-RO" dirty="0" err="1"/>
-              <a:t>by</a:t>
-            </a:r>
-            <a:r>
-              <a:rPr lang="ro-RO" dirty="0"/>
-              <a:t> far </a:t>
-            </a:r>
-            <a:r>
-              <a:rPr lang="ro-RO" dirty="0" err="1"/>
-              <a:t>the</a:t>
-            </a:r>
-            <a:r>
-              <a:rPr lang="ro-RO" dirty="0"/>
-              <a:t> </a:t>
-            </a:r>
-            <a:r>
-              <a:rPr lang="ro-RO" dirty="0" err="1"/>
-              <a:t>most</a:t>
-            </a:r>
-            <a:r>
-              <a:rPr lang="ro-RO" dirty="0"/>
-              <a:t> popular </a:t>
-            </a:r>
-            <a:r>
-              <a:rPr lang="ro-RO" dirty="0" err="1"/>
-              <a:t>measure</a:t>
-            </a:r>
-            <a:r>
-              <a:rPr lang="ro-RO" dirty="0"/>
-              <a:t> of </a:t>
-            </a:r>
-            <a:r>
-              <a:rPr lang="ro-RO" dirty="0" err="1"/>
-              <a:t>variation</a:t>
-            </a:r>
-            <a:r>
-              <a:rPr lang="ro-RO" dirty="0"/>
-              <a:t>.</a:t>
-            </a:r>
-          </a:p>
-          <a:p>
-            <a:r>
-              <a:rPr lang="ro-RO" i="1" dirty="0"/>
-              <a:t>Median absolute </a:t>
-            </a:r>
-            <a:r>
-              <a:rPr lang="ro-RO" i="1" dirty="0" err="1"/>
-              <a:t>deviation</a:t>
-            </a:r>
-            <a:r>
-              <a:rPr lang="ro-RO" dirty="0"/>
-              <a:t>. The </a:t>
-            </a:r>
-            <a:r>
-              <a:rPr lang="ro-RO" dirty="0" err="1"/>
-              <a:t>typical</a:t>
-            </a:r>
-            <a:r>
-              <a:rPr lang="ro-RO" dirty="0"/>
-              <a:t> (i.e., median) </a:t>
-            </a:r>
-            <a:r>
-              <a:rPr lang="ro-RO" dirty="0" err="1"/>
-              <a:t>deviation</a:t>
-            </a:r>
-            <a:r>
-              <a:rPr lang="ro-RO" dirty="0"/>
-              <a:t> </a:t>
-            </a:r>
-            <a:r>
-              <a:rPr lang="ro-RO" dirty="0" err="1"/>
-              <a:t>from</a:t>
-            </a:r>
-            <a:r>
-              <a:rPr lang="ro-RO" dirty="0"/>
-              <a:t> </a:t>
-            </a:r>
-            <a:r>
-              <a:rPr lang="ro-RO" dirty="0" err="1"/>
-              <a:t>the</a:t>
-            </a:r>
-            <a:r>
-              <a:rPr lang="ro-RO" dirty="0"/>
-              <a:t> median </a:t>
-            </a:r>
-            <a:r>
-              <a:rPr lang="ro-RO" dirty="0" err="1"/>
-              <a:t>value</a:t>
-            </a:r>
-            <a:r>
-              <a:rPr lang="ro-RO" dirty="0"/>
-              <a:t>. In </a:t>
-            </a:r>
-            <a:r>
-              <a:rPr lang="ro-RO" dirty="0" err="1"/>
-              <a:t>the</a:t>
-            </a:r>
-            <a:r>
-              <a:rPr lang="ro-RO" dirty="0"/>
-              <a:t> </a:t>
-            </a:r>
-            <a:r>
-              <a:rPr lang="ro-RO" dirty="0" err="1"/>
-              <a:t>raw</a:t>
-            </a:r>
-            <a:r>
-              <a:rPr lang="ro-RO" dirty="0"/>
-              <a:t> </a:t>
-            </a:r>
-            <a:r>
-              <a:rPr lang="ro-RO" dirty="0" err="1"/>
-              <a:t>form</a:t>
-            </a:r>
-            <a:r>
-              <a:rPr lang="ro-RO" dirty="0"/>
-              <a:t> </a:t>
-            </a:r>
-            <a:r>
-              <a:rPr lang="ro-RO" dirty="0" err="1"/>
-              <a:t>it’s</a:t>
-            </a:r>
-            <a:r>
-              <a:rPr lang="ro-RO" dirty="0"/>
-              <a:t> simple </a:t>
-            </a:r>
-            <a:r>
-              <a:rPr lang="ro-RO" dirty="0" err="1"/>
-              <a:t>and</a:t>
-            </a:r>
-            <a:r>
-              <a:rPr lang="ro-RO" dirty="0"/>
-              <a:t> </a:t>
-            </a:r>
-            <a:r>
-              <a:rPr lang="ro-RO" dirty="0" err="1"/>
-              <a:t>interpretable</a:t>
-            </a:r>
-            <a:r>
-              <a:rPr lang="ro-RO" dirty="0"/>
-              <a:t>; in </a:t>
-            </a:r>
-            <a:r>
-              <a:rPr lang="ro-RO" dirty="0" err="1"/>
-              <a:t>the</a:t>
-            </a:r>
-            <a:r>
-              <a:rPr lang="ro-RO" dirty="0"/>
-              <a:t> </a:t>
-            </a:r>
-            <a:r>
-              <a:rPr lang="ro-RO" dirty="0" err="1"/>
-              <a:t>corrected</a:t>
-            </a:r>
-            <a:r>
-              <a:rPr lang="ro-RO" dirty="0"/>
-              <a:t> </a:t>
-            </a:r>
-            <a:r>
-              <a:rPr lang="ro-RO" dirty="0" err="1"/>
-              <a:t>form</a:t>
-            </a:r>
-            <a:r>
-              <a:rPr lang="ro-RO" dirty="0"/>
-              <a:t> </a:t>
-            </a:r>
-            <a:r>
-              <a:rPr lang="ro-RO" dirty="0" err="1"/>
-              <a:t>it’s</a:t>
-            </a:r>
-            <a:r>
-              <a:rPr lang="ro-RO" dirty="0"/>
-              <a:t> a robust </a:t>
-            </a:r>
-            <a:r>
-              <a:rPr lang="ro-RO" dirty="0" err="1"/>
-              <a:t>way</a:t>
-            </a:r>
-            <a:r>
-              <a:rPr lang="ro-RO" dirty="0"/>
-              <a:t> </a:t>
-            </a:r>
-            <a:r>
-              <a:rPr lang="ro-RO" dirty="0" err="1"/>
-              <a:t>to</a:t>
-            </a:r>
-            <a:r>
-              <a:rPr lang="ro-RO" dirty="0"/>
-              <a:t> estimate </a:t>
-            </a:r>
-            <a:r>
-              <a:rPr lang="ro-RO" dirty="0" err="1"/>
-              <a:t>the</a:t>
-            </a:r>
-            <a:r>
-              <a:rPr lang="ro-RO" dirty="0"/>
-              <a:t> standard </a:t>
-            </a:r>
-            <a:r>
-              <a:rPr lang="ro-RO" dirty="0" err="1"/>
-              <a:t>deviation</a:t>
-            </a:r>
-            <a:r>
-              <a:rPr lang="ro-RO" dirty="0"/>
-              <a:t>, for </a:t>
-            </a:r>
-            <a:r>
-              <a:rPr lang="ro-RO" dirty="0" err="1"/>
-              <a:t>some</a:t>
-            </a:r>
-            <a:r>
-              <a:rPr lang="ro-RO" dirty="0"/>
-              <a:t> </a:t>
-            </a:r>
-            <a:r>
-              <a:rPr lang="ro-RO" dirty="0" err="1"/>
-              <a:t>kinds</a:t>
-            </a:r>
-            <a:r>
-              <a:rPr lang="ro-RO" dirty="0"/>
-              <a:t> of data </a:t>
-            </a:r>
-            <a:r>
-              <a:rPr lang="ro-RO" dirty="0" err="1"/>
-              <a:t>sets</a:t>
-            </a:r>
-            <a:r>
-              <a:rPr lang="ro-RO" dirty="0"/>
-              <a:t>. </a:t>
-            </a:r>
-            <a:r>
-              <a:rPr lang="ro-RO" dirty="0" err="1"/>
-              <a:t>Not</a:t>
-            </a:r>
-            <a:r>
-              <a:rPr lang="ro-RO" dirty="0"/>
-              <a:t> </a:t>
-            </a:r>
-            <a:r>
-              <a:rPr lang="ro-RO" dirty="0" err="1"/>
-              <a:t>used</a:t>
-            </a:r>
-            <a:r>
-              <a:rPr lang="ro-RO" dirty="0"/>
-              <a:t> </a:t>
-            </a:r>
-            <a:r>
-              <a:rPr lang="ro-RO" dirty="0" err="1"/>
-              <a:t>very</a:t>
-            </a:r>
-            <a:r>
-              <a:rPr lang="ro-RO" dirty="0"/>
-              <a:t> </a:t>
-            </a:r>
-            <a:r>
-              <a:rPr lang="ro-RO" dirty="0" err="1"/>
-              <a:t>often</a:t>
-            </a:r>
-            <a:r>
-              <a:rPr lang="ro-RO" dirty="0"/>
-              <a:t>, but it </a:t>
-            </a:r>
-            <a:r>
-              <a:rPr lang="ro-RO" dirty="0" err="1"/>
-              <a:t>does</a:t>
-            </a:r>
-            <a:r>
-              <a:rPr lang="ro-RO" dirty="0"/>
-              <a:t> get </a:t>
-            </a:r>
-            <a:r>
-              <a:rPr lang="ro-RO" dirty="0" err="1"/>
-              <a:t>reported</a:t>
-            </a:r>
-            <a:r>
-              <a:rPr lang="ro-RO" dirty="0"/>
-              <a:t> </a:t>
-            </a:r>
-            <a:r>
-              <a:rPr lang="ro-RO" dirty="0" err="1"/>
-              <a:t>sometimes</a:t>
-            </a:r>
-            <a:r>
-              <a:rPr lang="ro-RO" dirty="0"/>
-              <a:t>.</a:t>
-            </a:r>
-          </a:p>
-          <a:p>
-            <a:endParaRPr lang="en-US" sz="3000" dirty="0"/>
+              <a:rPr lang="en-US" sz="3000" dirty="0"/>
+              <a:t>Measures of the shape of variable distribution</a:t>
+            </a:r>
+          </a:p>
+          <a:p>
+            <a:pPr lvl="1"/>
+            <a:r>
+              <a:rPr lang="en-US" sz="2600" dirty="0"/>
+              <a:t>Skew </a:t>
+            </a:r>
+          </a:p>
+          <a:p>
+            <a:pPr lvl="1"/>
+            <a:r>
+              <a:rPr lang="en-US" sz="2600" dirty="0"/>
+              <a:t>Kurtosis</a:t>
+            </a:r>
+          </a:p>
+          <a:p>
+            <a:r>
+              <a:rPr lang="en-US" sz="3000" dirty="0"/>
+              <a:t>Measures of association/link/relation between variables</a:t>
+            </a:r>
+          </a:p>
+          <a:p>
+            <a:pPr lvl="1"/>
+            <a:r>
+              <a:rPr lang="en-US" sz="2600" dirty="0"/>
+              <a:t>Covariance</a:t>
+            </a:r>
+          </a:p>
+          <a:p>
+            <a:pPr lvl="1"/>
+            <a:r>
+              <a:rPr lang="en-US" sz="2600" dirty="0"/>
+              <a:t>Correlation</a:t>
+            </a:r>
+          </a:p>
+          <a:p>
+            <a:pPr lvl="2"/>
+            <a:r>
+              <a:rPr lang="en-US" sz="2200" dirty="0"/>
+              <a:t>Pearson’s correlation coefficient</a:t>
+            </a:r>
+          </a:p>
+          <a:p>
+            <a:pPr lvl="2"/>
+            <a:r>
+              <a:rPr lang="en-US" sz="2200" dirty="0"/>
+              <a:t>Spearman’s rank correlation coefficient</a:t>
+            </a:r>
+          </a:p>
+          <a:p>
+            <a:pPr lvl="2"/>
+            <a:r>
+              <a:rPr lang="en-US" sz="2200" dirty="0"/>
+              <a:t>Kandall's tau correlation coefficient</a:t>
+            </a:r>
           </a:p>
         </p:txBody>
       </p:sp>
     </p:spTree>
     <p:extLst>
       <p:ext uri="{BB962C8B-B14F-4D97-AF65-F5344CB8AC3E}">
-        <p14:creationId xmlns:p14="http://schemas.microsoft.com/office/powerpoint/2010/main" val="723708591"/>
+        <p14:creationId xmlns:p14="http://schemas.microsoft.com/office/powerpoint/2010/main" val="1527081780"/>
       </p:ext>
     </p:extLst>
   </p:cSld>
@@ -11494,7 +10556,7 @@
         </p:spPr>
         <p:txBody>
           <a:bodyPr anchor="ctr">
-            <a:normAutofit fontScale="90000"/>
+            <a:normAutofit/>
           </a:bodyPr>
           <a:lstStyle/>
           <a:p>
@@ -11505,7 +10567,7 @@
                 <a:ea typeface="Arial Unicode MS" panose="020B0604020202020204" pitchFamily="34" charset="-128"/>
                 <a:cs typeface="Arial Unicode MS" panose="020B0604020202020204" pitchFamily="34" charset="-128"/>
               </a:rPr>
-              <a:t>Choosing between Mean and Median (Navarro, 2018)</a:t>
+              <a:t>What Measure to Use? (Navarro, 2018)</a:t>
             </a:r>
           </a:p>
         </p:txBody>
@@ -11522,80 +10584,1521 @@
         </p:nvSpPr>
         <p:spPr>
           <a:xfrm>
-            <a:off x="609600" y="1219200"/>
-            <a:ext cx="8534400" cy="5562600"/>
+            <a:off x="609600" y="1143000"/>
+            <a:ext cx="8458200" cy="5715000"/>
           </a:xfrm>
         </p:spPr>
         <p:txBody>
           <a:bodyPr>
-            <a:normAutofit fontScale="92500"/>
+            <a:normAutofit fontScale="62500" lnSpcReduction="20000"/>
           </a:bodyPr>
           <a:lstStyle/>
           <a:p>
             <a:r>
-              <a:rPr lang="en-US" sz="3000" dirty="0"/>
-              <a:t>When data are </a:t>
-            </a:r>
-            <a:r>
-              <a:rPr lang="en-US" sz="3000" b="1" dirty="0"/>
-              <a:t>nominal</a:t>
-            </a:r>
-            <a:r>
-              <a:rPr lang="en-US" sz="3000" dirty="0"/>
-              <a:t> scale – do not use either. Sometimes </a:t>
-            </a:r>
-            <a:r>
-              <a:rPr lang="en-US" sz="3000" i="1" dirty="0"/>
-              <a:t>mode</a:t>
-            </a:r>
-            <a:r>
-              <a:rPr lang="en-US" sz="3000" dirty="0"/>
-              <a:t> could prove useful</a:t>
-            </a:r>
-          </a:p>
-          <a:p>
-            <a:r>
-              <a:rPr lang="en-US" sz="3000" dirty="0"/>
-              <a:t>When data are </a:t>
-            </a:r>
-            <a:r>
-              <a:rPr lang="en-US" sz="3000" b="1" dirty="0"/>
-              <a:t>ordinal</a:t>
-            </a:r>
-            <a:r>
-              <a:rPr lang="en-US" sz="3000" dirty="0"/>
-              <a:t> scale, median is usually more adequate than the mean.  The median only makes use of the order information in the data, but doesn’t depend on the precise numbers involved. </a:t>
-            </a:r>
-          </a:p>
-          <a:p>
-            <a:r>
-              <a:rPr lang="en-US" sz="3000" dirty="0"/>
-              <a:t>For </a:t>
-            </a:r>
-            <a:r>
-              <a:rPr lang="en-US" sz="3000" b="1" dirty="0"/>
-              <a:t>interval</a:t>
-            </a:r>
-            <a:r>
-              <a:rPr lang="en-US" sz="3000" dirty="0"/>
-              <a:t> and </a:t>
-            </a:r>
-            <a:r>
-              <a:rPr lang="en-US" sz="3000" b="1" dirty="0"/>
-              <a:t>ratio</a:t>
-            </a:r>
-            <a:r>
-              <a:rPr lang="en-US" sz="3000" dirty="0"/>
-              <a:t> scale data, either one is generally acceptable.  The mean has the advantage that it uses all the information in the data (which is useful when you don’t have a lot of data), but it’s very sensitive to extreme values</a:t>
-            </a:r>
-            <a:endParaRPr lang="ro-RO" sz="3000" dirty="0"/>
+              <a:rPr lang="ro-RO" i="1" dirty="0"/>
+              <a:t>Range</a:t>
+            </a:r>
+            <a:r>
+              <a:rPr lang="ro-RO" dirty="0"/>
+              <a:t>. </a:t>
+            </a:r>
+            <a:r>
+              <a:rPr lang="ro-RO" dirty="0" err="1"/>
+              <a:t>Gives</a:t>
+            </a:r>
+            <a:r>
+              <a:rPr lang="ro-RO" dirty="0"/>
+              <a:t> </a:t>
+            </a:r>
+            <a:r>
+              <a:rPr lang="ro-RO" dirty="0" err="1"/>
+              <a:t>you</a:t>
+            </a:r>
+            <a:r>
+              <a:rPr lang="ro-RO" dirty="0"/>
+              <a:t> </a:t>
+            </a:r>
+            <a:r>
+              <a:rPr lang="ro-RO" dirty="0" err="1"/>
+              <a:t>the</a:t>
+            </a:r>
+            <a:r>
+              <a:rPr lang="ro-RO" dirty="0"/>
+              <a:t> full </a:t>
+            </a:r>
+            <a:r>
+              <a:rPr lang="ro-RO" dirty="0" err="1"/>
+              <a:t>spread</a:t>
+            </a:r>
+            <a:r>
+              <a:rPr lang="ro-RO" dirty="0"/>
+              <a:t> of </a:t>
+            </a:r>
+            <a:r>
+              <a:rPr lang="ro-RO" dirty="0" err="1"/>
+              <a:t>the</a:t>
+            </a:r>
+            <a:r>
+              <a:rPr lang="ro-RO" dirty="0"/>
+              <a:t> data. </a:t>
+            </a:r>
+            <a:r>
+              <a:rPr lang="ro-RO" dirty="0" err="1"/>
+              <a:t>It’s</a:t>
+            </a:r>
+            <a:r>
+              <a:rPr lang="ro-RO" dirty="0"/>
+              <a:t> </a:t>
+            </a:r>
+            <a:r>
+              <a:rPr lang="ro-RO" dirty="0" err="1"/>
+              <a:t>very</a:t>
+            </a:r>
+            <a:r>
+              <a:rPr lang="ro-RO" dirty="0"/>
+              <a:t> </a:t>
+            </a:r>
+            <a:r>
+              <a:rPr lang="ro-RO" dirty="0" err="1"/>
+              <a:t>vulnerable</a:t>
+            </a:r>
+            <a:r>
+              <a:rPr lang="ro-RO" dirty="0"/>
+              <a:t> </a:t>
+            </a:r>
+            <a:r>
+              <a:rPr lang="ro-RO" dirty="0" err="1"/>
+              <a:t>to</a:t>
+            </a:r>
+            <a:r>
+              <a:rPr lang="ro-RO" dirty="0"/>
+              <a:t> </a:t>
+            </a:r>
+            <a:r>
+              <a:rPr lang="ro-RO" dirty="0" err="1"/>
+              <a:t>outliers</a:t>
+            </a:r>
+            <a:r>
+              <a:rPr lang="ro-RO" dirty="0"/>
+              <a:t>, </a:t>
+            </a:r>
+            <a:r>
+              <a:rPr lang="ro-RO" dirty="0" err="1"/>
+              <a:t>and</a:t>
+            </a:r>
+            <a:r>
+              <a:rPr lang="ro-RO" dirty="0"/>
+              <a:t> as a </a:t>
+            </a:r>
+            <a:r>
+              <a:rPr lang="ro-RO" dirty="0" err="1"/>
+              <a:t>consequence</a:t>
+            </a:r>
+            <a:r>
+              <a:rPr lang="ro-RO" dirty="0"/>
+              <a:t> it </a:t>
+            </a:r>
+            <a:r>
+              <a:rPr lang="ro-RO" dirty="0" err="1"/>
+              <a:t>isn’t</a:t>
+            </a:r>
+            <a:r>
+              <a:rPr lang="ro-RO" dirty="0"/>
+              <a:t> </a:t>
+            </a:r>
+            <a:r>
+              <a:rPr lang="ro-RO" dirty="0" err="1"/>
+              <a:t>often</a:t>
+            </a:r>
+            <a:r>
+              <a:rPr lang="ro-RO" dirty="0"/>
+              <a:t> </a:t>
+            </a:r>
+            <a:r>
+              <a:rPr lang="ro-RO" dirty="0" err="1"/>
+              <a:t>used</a:t>
+            </a:r>
+            <a:r>
+              <a:rPr lang="ro-RO" dirty="0"/>
+              <a:t> </a:t>
+            </a:r>
+            <a:r>
+              <a:rPr lang="ro-RO" dirty="0" err="1"/>
+              <a:t>unless</a:t>
+            </a:r>
+            <a:r>
+              <a:rPr lang="ro-RO" dirty="0"/>
+              <a:t> </a:t>
+            </a:r>
+            <a:r>
+              <a:rPr lang="ro-RO" dirty="0" err="1"/>
+              <a:t>you</a:t>
+            </a:r>
+            <a:r>
+              <a:rPr lang="ro-RO" dirty="0"/>
+              <a:t> </a:t>
+            </a:r>
+            <a:r>
+              <a:rPr lang="ro-RO" dirty="0" err="1"/>
+              <a:t>have</a:t>
+            </a:r>
+            <a:r>
+              <a:rPr lang="ro-RO" dirty="0"/>
+              <a:t> </a:t>
+            </a:r>
+            <a:r>
+              <a:rPr lang="ro-RO" dirty="0" err="1"/>
+              <a:t>good</a:t>
+            </a:r>
+            <a:r>
+              <a:rPr lang="ro-RO" dirty="0"/>
+              <a:t> </a:t>
+            </a:r>
+            <a:r>
+              <a:rPr lang="ro-RO" dirty="0" err="1"/>
+              <a:t>reasons</a:t>
+            </a:r>
+            <a:r>
+              <a:rPr lang="ro-RO" dirty="0"/>
+              <a:t> </a:t>
+            </a:r>
+            <a:r>
+              <a:rPr lang="ro-RO" dirty="0" err="1"/>
+              <a:t>to</a:t>
+            </a:r>
+            <a:r>
+              <a:rPr lang="ro-RO" dirty="0"/>
+              <a:t> care </a:t>
+            </a:r>
+            <a:r>
+              <a:rPr lang="ro-RO" dirty="0" err="1"/>
+              <a:t>about</a:t>
+            </a:r>
+            <a:r>
+              <a:rPr lang="ro-RO" dirty="0"/>
+              <a:t> </a:t>
+            </a:r>
+            <a:r>
+              <a:rPr lang="ro-RO" dirty="0" err="1"/>
+              <a:t>the</a:t>
+            </a:r>
+            <a:r>
+              <a:rPr lang="ro-RO" dirty="0"/>
+              <a:t> </a:t>
+            </a:r>
+            <a:r>
+              <a:rPr lang="ro-RO" dirty="0" err="1"/>
+              <a:t>extremes</a:t>
+            </a:r>
+            <a:r>
+              <a:rPr lang="ro-RO" dirty="0"/>
+              <a:t> in </a:t>
+            </a:r>
+            <a:r>
+              <a:rPr lang="ro-RO" dirty="0" err="1"/>
+              <a:t>the</a:t>
+            </a:r>
+            <a:r>
+              <a:rPr lang="ro-RO" dirty="0"/>
+              <a:t> data.</a:t>
+            </a:r>
+          </a:p>
+          <a:p>
+            <a:r>
+              <a:rPr lang="ro-RO" i="1" dirty="0" err="1"/>
+              <a:t>Interquartile</a:t>
+            </a:r>
+            <a:r>
+              <a:rPr lang="ro-RO" i="1" dirty="0"/>
+              <a:t> </a:t>
+            </a:r>
+            <a:r>
+              <a:rPr lang="ro-RO" i="1" dirty="0" err="1"/>
+              <a:t>range</a:t>
+            </a:r>
+            <a:r>
+              <a:rPr lang="ro-RO" dirty="0"/>
+              <a:t>. </a:t>
+            </a:r>
+            <a:r>
+              <a:rPr lang="ro-RO" dirty="0" err="1"/>
+              <a:t>Tells</a:t>
+            </a:r>
+            <a:r>
+              <a:rPr lang="ro-RO" dirty="0"/>
+              <a:t> </a:t>
+            </a:r>
+            <a:r>
+              <a:rPr lang="ro-RO" dirty="0" err="1"/>
+              <a:t>you</a:t>
+            </a:r>
+            <a:r>
+              <a:rPr lang="ro-RO" dirty="0"/>
+              <a:t> </a:t>
+            </a:r>
+            <a:r>
+              <a:rPr lang="ro-RO" dirty="0" err="1"/>
+              <a:t>where</a:t>
+            </a:r>
+            <a:r>
+              <a:rPr lang="ro-RO" dirty="0"/>
+              <a:t> </a:t>
+            </a:r>
+            <a:r>
+              <a:rPr lang="ro-RO" dirty="0" err="1"/>
+              <a:t>the</a:t>
+            </a:r>
+            <a:r>
+              <a:rPr lang="ro-RO" dirty="0"/>
+              <a:t> “</a:t>
+            </a:r>
+            <a:r>
+              <a:rPr lang="ro-RO" dirty="0" err="1"/>
+              <a:t>middle</a:t>
+            </a:r>
+            <a:r>
+              <a:rPr lang="ro-RO" dirty="0"/>
+              <a:t> half” of </a:t>
+            </a:r>
+            <a:r>
+              <a:rPr lang="ro-RO" dirty="0" err="1"/>
+              <a:t>the</a:t>
+            </a:r>
+            <a:r>
+              <a:rPr lang="ro-RO" dirty="0"/>
+              <a:t> data </a:t>
+            </a:r>
+            <a:r>
+              <a:rPr lang="ro-RO" dirty="0" err="1"/>
+              <a:t>sits</a:t>
+            </a:r>
+            <a:r>
+              <a:rPr lang="ro-RO" dirty="0"/>
+              <a:t>. </a:t>
+            </a:r>
+            <a:r>
+              <a:rPr lang="ro-RO" dirty="0" err="1"/>
+              <a:t>It’s</a:t>
+            </a:r>
+            <a:r>
+              <a:rPr lang="ro-RO" dirty="0"/>
+              <a:t> </a:t>
+            </a:r>
+            <a:r>
+              <a:rPr lang="ro-RO" dirty="0" err="1"/>
+              <a:t>pretty</a:t>
+            </a:r>
+            <a:r>
+              <a:rPr lang="ro-RO" dirty="0"/>
+              <a:t> robust, </a:t>
+            </a:r>
+            <a:r>
+              <a:rPr lang="ro-RO" dirty="0" err="1"/>
+              <a:t>and</a:t>
+            </a:r>
+            <a:r>
+              <a:rPr lang="ro-RO" dirty="0"/>
+              <a:t> </a:t>
+            </a:r>
+            <a:r>
+              <a:rPr lang="ro-RO" dirty="0" err="1"/>
+              <a:t>complements</a:t>
+            </a:r>
+            <a:r>
+              <a:rPr lang="ro-RO" dirty="0"/>
+              <a:t> </a:t>
+            </a:r>
+            <a:r>
+              <a:rPr lang="ro-RO" dirty="0" err="1"/>
+              <a:t>the</a:t>
+            </a:r>
+            <a:r>
+              <a:rPr lang="ro-RO" dirty="0"/>
+              <a:t> median </a:t>
+            </a:r>
+            <a:r>
+              <a:rPr lang="ro-RO" dirty="0" err="1"/>
+              <a:t>nicely</a:t>
+            </a:r>
+            <a:r>
+              <a:rPr lang="ro-RO" dirty="0"/>
+              <a:t>. </a:t>
+            </a:r>
+            <a:r>
+              <a:rPr lang="ro-RO" dirty="0" err="1"/>
+              <a:t>This</a:t>
+            </a:r>
+            <a:r>
+              <a:rPr lang="ro-RO" dirty="0"/>
+              <a:t> </a:t>
+            </a:r>
+            <a:r>
+              <a:rPr lang="ro-RO" dirty="0" err="1"/>
+              <a:t>is</a:t>
+            </a:r>
+            <a:r>
+              <a:rPr lang="ro-RO" dirty="0"/>
+              <a:t> </a:t>
+            </a:r>
+            <a:r>
+              <a:rPr lang="ro-RO" dirty="0" err="1"/>
+              <a:t>used</a:t>
+            </a:r>
+            <a:r>
+              <a:rPr lang="ro-RO" dirty="0"/>
+              <a:t> a lot.</a:t>
+            </a:r>
+          </a:p>
+          <a:p>
+            <a:r>
+              <a:rPr lang="ro-RO" i="1" dirty="0" err="1"/>
+              <a:t>Mean</a:t>
+            </a:r>
+            <a:r>
+              <a:rPr lang="ro-RO" i="1" dirty="0"/>
+              <a:t> absolute </a:t>
+            </a:r>
+            <a:r>
+              <a:rPr lang="ro-RO" i="1" dirty="0" err="1"/>
+              <a:t>deviation</a:t>
+            </a:r>
+            <a:r>
+              <a:rPr lang="ro-RO" dirty="0"/>
+              <a:t>. </a:t>
+            </a:r>
+            <a:r>
+              <a:rPr lang="ro-RO" dirty="0" err="1"/>
+              <a:t>Tells</a:t>
+            </a:r>
+            <a:r>
+              <a:rPr lang="ro-RO" dirty="0"/>
+              <a:t> </a:t>
+            </a:r>
+            <a:r>
+              <a:rPr lang="ro-RO" dirty="0" err="1"/>
+              <a:t>you</a:t>
+            </a:r>
+            <a:r>
+              <a:rPr lang="ro-RO" dirty="0"/>
+              <a:t> </a:t>
+            </a:r>
+            <a:r>
+              <a:rPr lang="ro-RO" dirty="0" err="1"/>
+              <a:t>how</a:t>
+            </a:r>
+            <a:r>
+              <a:rPr lang="ro-RO" dirty="0"/>
+              <a:t> far “on </a:t>
+            </a:r>
+            <a:r>
+              <a:rPr lang="ro-RO" dirty="0" err="1"/>
+              <a:t>average</a:t>
+            </a:r>
+            <a:r>
+              <a:rPr lang="ro-RO" dirty="0"/>
+              <a:t>” </a:t>
+            </a:r>
+            <a:r>
+              <a:rPr lang="ro-RO" dirty="0" err="1"/>
+              <a:t>the</a:t>
+            </a:r>
+            <a:r>
+              <a:rPr lang="ro-RO" dirty="0"/>
+              <a:t> </a:t>
+            </a:r>
+            <a:r>
+              <a:rPr lang="ro-RO" dirty="0" err="1"/>
+              <a:t>observations</a:t>
+            </a:r>
+            <a:r>
+              <a:rPr lang="ro-RO" dirty="0"/>
+              <a:t> are </a:t>
+            </a:r>
+            <a:r>
+              <a:rPr lang="ro-RO" dirty="0" err="1"/>
+              <a:t>from</a:t>
+            </a:r>
+            <a:r>
+              <a:rPr lang="ro-RO" dirty="0"/>
+              <a:t> </a:t>
+            </a:r>
+            <a:r>
+              <a:rPr lang="ro-RO" dirty="0" err="1"/>
+              <a:t>the</a:t>
+            </a:r>
+            <a:r>
+              <a:rPr lang="ro-RO" dirty="0"/>
+              <a:t> </a:t>
+            </a:r>
+            <a:r>
+              <a:rPr lang="ro-RO" dirty="0" err="1"/>
+              <a:t>mean</a:t>
+            </a:r>
+            <a:r>
+              <a:rPr lang="ro-RO" dirty="0"/>
+              <a:t>. </a:t>
+            </a:r>
+            <a:r>
+              <a:rPr lang="ro-RO" dirty="0" err="1"/>
+              <a:t>It’s</a:t>
+            </a:r>
+            <a:r>
+              <a:rPr lang="ro-RO" dirty="0"/>
+              <a:t> </a:t>
+            </a:r>
+            <a:r>
+              <a:rPr lang="ro-RO" dirty="0" err="1"/>
+              <a:t>very</a:t>
+            </a:r>
+            <a:r>
+              <a:rPr lang="ro-RO" dirty="0"/>
+              <a:t> </a:t>
+            </a:r>
+            <a:r>
+              <a:rPr lang="ro-RO" dirty="0" err="1"/>
+              <a:t>interpretable</a:t>
+            </a:r>
+            <a:r>
+              <a:rPr lang="ro-RO" dirty="0"/>
+              <a:t>, but </a:t>
+            </a:r>
+            <a:r>
+              <a:rPr lang="ro-RO" dirty="0" err="1"/>
+              <a:t>has</a:t>
+            </a:r>
+            <a:r>
+              <a:rPr lang="ro-RO" dirty="0"/>
+              <a:t> a </a:t>
+            </a:r>
+            <a:r>
+              <a:rPr lang="ro-RO" dirty="0" err="1"/>
+              <a:t>few</a:t>
+            </a:r>
+            <a:r>
+              <a:rPr lang="ro-RO" dirty="0"/>
+              <a:t> minor </a:t>
+            </a:r>
+            <a:r>
+              <a:rPr lang="ro-RO" dirty="0" err="1"/>
+              <a:t>issues</a:t>
+            </a:r>
+            <a:r>
+              <a:rPr lang="ro-RO" dirty="0"/>
+              <a:t> </a:t>
+            </a:r>
+            <a:r>
+              <a:rPr lang="ro-RO" dirty="0" err="1"/>
+              <a:t>that</a:t>
+            </a:r>
+            <a:r>
+              <a:rPr lang="ro-RO" dirty="0"/>
+              <a:t> </a:t>
+            </a:r>
+            <a:r>
+              <a:rPr lang="ro-RO" dirty="0" err="1"/>
+              <a:t>make</a:t>
+            </a:r>
+            <a:r>
+              <a:rPr lang="ro-RO" dirty="0"/>
+              <a:t> it </a:t>
+            </a:r>
+            <a:r>
+              <a:rPr lang="ro-RO" dirty="0" err="1"/>
+              <a:t>less</a:t>
+            </a:r>
+            <a:r>
+              <a:rPr lang="ro-RO" dirty="0"/>
+              <a:t> </a:t>
+            </a:r>
+            <a:r>
+              <a:rPr lang="ro-RO" dirty="0" err="1"/>
+              <a:t>attractive</a:t>
+            </a:r>
+            <a:r>
+              <a:rPr lang="ro-RO" dirty="0"/>
+              <a:t> </a:t>
+            </a:r>
+            <a:r>
+              <a:rPr lang="ro-RO" dirty="0" err="1"/>
+              <a:t>to</a:t>
+            </a:r>
+            <a:r>
+              <a:rPr lang="ro-RO" dirty="0"/>
+              <a:t> </a:t>
+            </a:r>
+            <a:r>
+              <a:rPr lang="ro-RO" dirty="0" err="1"/>
+              <a:t>statisticians</a:t>
+            </a:r>
+            <a:r>
+              <a:rPr lang="ro-RO" dirty="0"/>
+              <a:t> </a:t>
+            </a:r>
+            <a:r>
+              <a:rPr lang="ro-RO" dirty="0" err="1"/>
+              <a:t>than</a:t>
+            </a:r>
+            <a:r>
+              <a:rPr lang="ro-RO" dirty="0"/>
+              <a:t> </a:t>
+            </a:r>
+            <a:r>
+              <a:rPr lang="ro-RO" dirty="0" err="1"/>
+              <a:t>the</a:t>
+            </a:r>
+            <a:r>
+              <a:rPr lang="ro-RO" dirty="0"/>
+              <a:t> standard </a:t>
+            </a:r>
+            <a:r>
+              <a:rPr lang="ro-RO" dirty="0" err="1"/>
+              <a:t>deviation</a:t>
+            </a:r>
+            <a:r>
+              <a:rPr lang="ro-RO" dirty="0"/>
+              <a:t>. </a:t>
+            </a:r>
+            <a:r>
+              <a:rPr lang="ro-RO" dirty="0" err="1"/>
+              <a:t>Used</a:t>
+            </a:r>
+            <a:r>
+              <a:rPr lang="ro-RO" dirty="0"/>
+              <a:t> </a:t>
+            </a:r>
+            <a:r>
+              <a:rPr lang="ro-RO" dirty="0" err="1"/>
+              <a:t>sometimes</a:t>
+            </a:r>
+            <a:r>
+              <a:rPr lang="ro-RO" dirty="0"/>
+              <a:t>, but </a:t>
+            </a:r>
+            <a:r>
+              <a:rPr lang="ro-RO" dirty="0" err="1"/>
+              <a:t>not</a:t>
+            </a:r>
+            <a:r>
+              <a:rPr lang="ro-RO" dirty="0"/>
+              <a:t> </a:t>
+            </a:r>
+            <a:r>
+              <a:rPr lang="ro-RO" dirty="0" err="1"/>
+              <a:t>often</a:t>
+            </a:r>
+            <a:r>
+              <a:rPr lang="ro-RO" dirty="0"/>
+              <a:t>.</a:t>
+            </a:r>
+          </a:p>
+          <a:p>
+            <a:r>
+              <a:rPr lang="ro-RO" i="1" dirty="0" err="1"/>
+              <a:t>Variance</a:t>
+            </a:r>
+            <a:r>
+              <a:rPr lang="ro-RO" dirty="0"/>
+              <a:t>. </a:t>
+            </a:r>
+            <a:r>
+              <a:rPr lang="ro-RO" dirty="0" err="1"/>
+              <a:t>Tells</a:t>
+            </a:r>
+            <a:r>
+              <a:rPr lang="ro-RO" dirty="0"/>
+              <a:t> </a:t>
+            </a:r>
+            <a:r>
+              <a:rPr lang="ro-RO" dirty="0" err="1"/>
+              <a:t>you</a:t>
+            </a:r>
+            <a:r>
+              <a:rPr lang="ro-RO" dirty="0"/>
+              <a:t> </a:t>
+            </a:r>
+            <a:r>
+              <a:rPr lang="ro-RO" dirty="0" err="1"/>
+              <a:t>the</a:t>
+            </a:r>
+            <a:r>
+              <a:rPr lang="ro-RO" dirty="0"/>
+              <a:t> </a:t>
+            </a:r>
+            <a:r>
+              <a:rPr lang="ro-RO" dirty="0" err="1"/>
+              <a:t>average</a:t>
+            </a:r>
+            <a:r>
+              <a:rPr lang="ro-RO" dirty="0"/>
+              <a:t> </a:t>
+            </a:r>
+            <a:r>
+              <a:rPr lang="ro-RO" dirty="0" err="1"/>
+              <a:t>squared</a:t>
+            </a:r>
+            <a:r>
+              <a:rPr lang="ro-RO" dirty="0"/>
+              <a:t> </a:t>
+            </a:r>
+            <a:r>
+              <a:rPr lang="ro-RO" dirty="0" err="1"/>
+              <a:t>deviation</a:t>
+            </a:r>
+            <a:r>
+              <a:rPr lang="ro-RO" dirty="0"/>
+              <a:t> </a:t>
+            </a:r>
+            <a:r>
+              <a:rPr lang="ro-RO" dirty="0" err="1"/>
+              <a:t>from</a:t>
+            </a:r>
+            <a:r>
+              <a:rPr lang="ro-RO" dirty="0"/>
+              <a:t> </a:t>
+            </a:r>
+            <a:r>
+              <a:rPr lang="ro-RO" dirty="0" err="1"/>
+              <a:t>the</a:t>
+            </a:r>
+            <a:r>
+              <a:rPr lang="ro-RO" dirty="0"/>
+              <a:t> </a:t>
+            </a:r>
+            <a:r>
+              <a:rPr lang="ro-RO" dirty="0" err="1"/>
+              <a:t>mean</a:t>
+            </a:r>
+            <a:r>
+              <a:rPr lang="ro-RO" dirty="0"/>
+              <a:t>. </a:t>
+            </a:r>
+            <a:r>
+              <a:rPr lang="ro-RO" dirty="0" err="1"/>
+              <a:t>It’s</a:t>
+            </a:r>
+            <a:r>
+              <a:rPr lang="ro-RO" dirty="0"/>
+              <a:t> </a:t>
+            </a:r>
+            <a:r>
+              <a:rPr lang="ro-RO" dirty="0" err="1"/>
+              <a:t>mathematically</a:t>
+            </a:r>
+            <a:r>
+              <a:rPr lang="ro-RO" dirty="0"/>
+              <a:t> elegant, </a:t>
+            </a:r>
+            <a:r>
+              <a:rPr lang="ro-RO" dirty="0" err="1"/>
+              <a:t>and</a:t>
+            </a:r>
+            <a:r>
+              <a:rPr lang="ro-RO" dirty="0"/>
+              <a:t> </a:t>
+            </a:r>
+            <a:r>
+              <a:rPr lang="ro-RO" dirty="0" err="1"/>
+              <a:t>is</a:t>
+            </a:r>
+            <a:r>
+              <a:rPr lang="ro-RO" dirty="0"/>
+              <a:t> </a:t>
+            </a:r>
+            <a:r>
+              <a:rPr lang="ro-RO" dirty="0" err="1"/>
+              <a:t>probably</a:t>
+            </a:r>
+            <a:r>
+              <a:rPr lang="ro-RO" dirty="0"/>
+              <a:t> </a:t>
+            </a:r>
+            <a:r>
+              <a:rPr lang="ro-RO" dirty="0" err="1"/>
+              <a:t>the</a:t>
+            </a:r>
+            <a:r>
+              <a:rPr lang="ro-RO" dirty="0"/>
+              <a:t> “</a:t>
+            </a:r>
+            <a:r>
+              <a:rPr lang="ro-RO" dirty="0" err="1"/>
+              <a:t>right</a:t>
+            </a:r>
+            <a:r>
+              <a:rPr lang="ro-RO" dirty="0"/>
+              <a:t>” </a:t>
+            </a:r>
+            <a:r>
+              <a:rPr lang="ro-RO" dirty="0" err="1"/>
+              <a:t>way</a:t>
+            </a:r>
+            <a:r>
+              <a:rPr lang="ro-RO" dirty="0"/>
+              <a:t> </a:t>
+            </a:r>
+            <a:r>
+              <a:rPr lang="ro-RO" dirty="0" err="1"/>
+              <a:t>to</a:t>
+            </a:r>
+            <a:r>
+              <a:rPr lang="ro-RO" dirty="0"/>
+              <a:t> </a:t>
+            </a:r>
+            <a:r>
+              <a:rPr lang="ro-RO" dirty="0" err="1"/>
+              <a:t>describe</a:t>
+            </a:r>
+            <a:r>
+              <a:rPr lang="ro-RO" dirty="0"/>
+              <a:t> </a:t>
+            </a:r>
+            <a:r>
+              <a:rPr lang="ro-RO" dirty="0" err="1"/>
+              <a:t>variation</a:t>
+            </a:r>
+            <a:r>
+              <a:rPr lang="ro-RO" dirty="0"/>
+              <a:t> </a:t>
+            </a:r>
+            <a:r>
+              <a:rPr lang="ro-RO" dirty="0" err="1"/>
+              <a:t>around</a:t>
+            </a:r>
+            <a:r>
+              <a:rPr lang="ro-RO" dirty="0"/>
+              <a:t> </a:t>
+            </a:r>
+            <a:r>
+              <a:rPr lang="ro-RO" dirty="0" err="1"/>
+              <a:t>the</a:t>
+            </a:r>
+            <a:r>
+              <a:rPr lang="ro-RO" dirty="0"/>
+              <a:t> </a:t>
+            </a:r>
+            <a:r>
+              <a:rPr lang="ro-RO" dirty="0" err="1"/>
+              <a:t>mean</a:t>
+            </a:r>
+            <a:r>
+              <a:rPr lang="ro-RO" dirty="0"/>
+              <a:t>, but </a:t>
+            </a:r>
+            <a:r>
+              <a:rPr lang="ro-RO" dirty="0" err="1"/>
+              <a:t>it’s</a:t>
+            </a:r>
+            <a:r>
+              <a:rPr lang="ro-RO" dirty="0"/>
+              <a:t> </a:t>
+            </a:r>
+            <a:r>
+              <a:rPr lang="ro-RO" dirty="0" err="1"/>
+              <a:t>completely</a:t>
+            </a:r>
+            <a:r>
+              <a:rPr lang="ro-RO" dirty="0"/>
+              <a:t> </a:t>
+            </a:r>
+            <a:r>
+              <a:rPr lang="ro-RO" dirty="0" err="1"/>
+              <a:t>uninterpretable</a:t>
+            </a:r>
+            <a:r>
+              <a:rPr lang="ro-RO" dirty="0"/>
+              <a:t> </a:t>
+            </a:r>
+            <a:r>
+              <a:rPr lang="ro-RO" dirty="0" err="1"/>
+              <a:t>because</a:t>
+            </a:r>
+            <a:r>
+              <a:rPr lang="ro-RO" dirty="0"/>
+              <a:t> it </a:t>
+            </a:r>
+            <a:r>
+              <a:rPr lang="ro-RO" dirty="0" err="1"/>
+              <a:t>doesn’t</a:t>
+            </a:r>
+            <a:r>
+              <a:rPr lang="ro-RO" dirty="0"/>
+              <a:t> </a:t>
+            </a:r>
+            <a:r>
+              <a:rPr lang="ro-RO" dirty="0" err="1"/>
+              <a:t>use</a:t>
+            </a:r>
+            <a:r>
+              <a:rPr lang="ro-RO" dirty="0"/>
+              <a:t> </a:t>
+            </a:r>
+            <a:r>
+              <a:rPr lang="ro-RO" dirty="0" err="1"/>
+              <a:t>the</a:t>
+            </a:r>
+            <a:r>
+              <a:rPr lang="ro-RO" dirty="0"/>
+              <a:t> same </a:t>
+            </a:r>
+            <a:r>
+              <a:rPr lang="ro-RO" dirty="0" err="1"/>
+              <a:t>units</a:t>
+            </a:r>
+            <a:r>
+              <a:rPr lang="ro-RO" dirty="0"/>
+              <a:t> as </a:t>
+            </a:r>
+            <a:r>
+              <a:rPr lang="ro-RO" dirty="0" err="1"/>
+              <a:t>the</a:t>
+            </a:r>
+            <a:r>
+              <a:rPr lang="ro-RO" dirty="0"/>
+              <a:t> data. </a:t>
+            </a:r>
+            <a:r>
+              <a:rPr lang="ro-RO" dirty="0" err="1"/>
+              <a:t>Almost</a:t>
+            </a:r>
+            <a:r>
+              <a:rPr lang="ro-RO" dirty="0"/>
+              <a:t> </a:t>
+            </a:r>
+            <a:r>
+              <a:rPr lang="ro-RO" dirty="0" err="1"/>
+              <a:t>never</a:t>
+            </a:r>
+            <a:r>
+              <a:rPr lang="ro-RO" dirty="0"/>
+              <a:t> </a:t>
+            </a:r>
+            <a:r>
+              <a:rPr lang="ro-RO" dirty="0" err="1"/>
+              <a:t>used</a:t>
+            </a:r>
+            <a:r>
+              <a:rPr lang="ro-RO" dirty="0"/>
+              <a:t> </a:t>
+            </a:r>
+            <a:r>
+              <a:rPr lang="ro-RO" dirty="0" err="1"/>
+              <a:t>except</a:t>
+            </a:r>
+            <a:r>
+              <a:rPr lang="ro-RO" dirty="0"/>
+              <a:t> as a </a:t>
+            </a:r>
+            <a:r>
+              <a:rPr lang="ro-RO" dirty="0" err="1"/>
+              <a:t>mathematical</a:t>
+            </a:r>
+            <a:r>
+              <a:rPr lang="ro-RO" dirty="0"/>
+              <a:t> </a:t>
+            </a:r>
+            <a:r>
+              <a:rPr lang="ro-RO" dirty="0" err="1"/>
+              <a:t>tool</a:t>
+            </a:r>
+            <a:endParaRPr lang="ro-RO" dirty="0"/>
+          </a:p>
+          <a:p>
+            <a:r>
+              <a:rPr lang="ro-RO" i="1" dirty="0"/>
+              <a:t>Standard </a:t>
+            </a:r>
+            <a:r>
+              <a:rPr lang="ro-RO" i="1" dirty="0" err="1"/>
+              <a:t>deviation</a:t>
+            </a:r>
+            <a:r>
+              <a:rPr lang="ro-RO" dirty="0"/>
+              <a:t>. </a:t>
+            </a:r>
+            <a:r>
+              <a:rPr lang="ro-RO" dirty="0" err="1"/>
+              <a:t>This</a:t>
+            </a:r>
+            <a:r>
+              <a:rPr lang="ro-RO" dirty="0"/>
+              <a:t> </a:t>
+            </a:r>
+            <a:r>
+              <a:rPr lang="ro-RO" dirty="0" err="1"/>
+              <a:t>is</a:t>
+            </a:r>
+            <a:r>
+              <a:rPr lang="ro-RO" dirty="0"/>
+              <a:t> </a:t>
+            </a:r>
+            <a:r>
+              <a:rPr lang="ro-RO" dirty="0" err="1"/>
+              <a:t>the</a:t>
+            </a:r>
+            <a:r>
+              <a:rPr lang="ro-RO" dirty="0"/>
+              <a:t> </a:t>
+            </a:r>
+            <a:r>
+              <a:rPr lang="ro-RO" dirty="0" err="1"/>
+              <a:t>square</a:t>
+            </a:r>
+            <a:r>
+              <a:rPr lang="ro-RO" dirty="0"/>
+              <a:t> </a:t>
+            </a:r>
+            <a:r>
+              <a:rPr lang="ro-RO" dirty="0" err="1"/>
+              <a:t>root</a:t>
+            </a:r>
+            <a:r>
+              <a:rPr lang="ro-RO" dirty="0"/>
+              <a:t> of </a:t>
+            </a:r>
+            <a:r>
+              <a:rPr lang="ro-RO" dirty="0" err="1"/>
+              <a:t>the</a:t>
+            </a:r>
+            <a:r>
+              <a:rPr lang="ro-RO" dirty="0"/>
+              <a:t> </a:t>
+            </a:r>
+            <a:r>
+              <a:rPr lang="ro-RO" dirty="0" err="1"/>
+              <a:t>variance</a:t>
+            </a:r>
+            <a:r>
+              <a:rPr lang="ro-RO" dirty="0"/>
+              <a:t>. </a:t>
+            </a:r>
+            <a:r>
+              <a:rPr lang="ro-RO" dirty="0" err="1"/>
+              <a:t>It’s</a:t>
+            </a:r>
+            <a:r>
+              <a:rPr lang="ro-RO" dirty="0"/>
+              <a:t> </a:t>
+            </a:r>
+            <a:r>
+              <a:rPr lang="ro-RO" dirty="0" err="1"/>
+              <a:t>fairly</a:t>
+            </a:r>
+            <a:r>
+              <a:rPr lang="ro-RO" dirty="0"/>
+              <a:t> elegant </a:t>
+            </a:r>
+            <a:r>
+              <a:rPr lang="ro-RO" dirty="0" err="1"/>
+              <a:t>mathematically</a:t>
+            </a:r>
+            <a:r>
+              <a:rPr lang="ro-RO" dirty="0"/>
+              <a:t>, </a:t>
+            </a:r>
+            <a:r>
+              <a:rPr lang="ro-RO" dirty="0" err="1"/>
+              <a:t>and</a:t>
+            </a:r>
+            <a:r>
+              <a:rPr lang="ro-RO" dirty="0"/>
+              <a:t> </a:t>
+            </a:r>
+            <a:r>
+              <a:rPr lang="ro-RO" dirty="0" err="1"/>
+              <a:t>it’s</a:t>
+            </a:r>
+            <a:r>
+              <a:rPr lang="ro-RO" dirty="0"/>
+              <a:t> </a:t>
+            </a:r>
+            <a:r>
+              <a:rPr lang="ro-RO" dirty="0" err="1"/>
+              <a:t>expressed</a:t>
+            </a:r>
+            <a:r>
+              <a:rPr lang="ro-RO" dirty="0"/>
+              <a:t> in </a:t>
+            </a:r>
+            <a:r>
+              <a:rPr lang="ro-RO" dirty="0" err="1"/>
+              <a:t>the</a:t>
+            </a:r>
+            <a:r>
+              <a:rPr lang="ro-RO" dirty="0"/>
+              <a:t> same </a:t>
+            </a:r>
+            <a:r>
+              <a:rPr lang="ro-RO" dirty="0" err="1"/>
+              <a:t>units</a:t>
+            </a:r>
+            <a:r>
+              <a:rPr lang="ro-RO" dirty="0"/>
+              <a:t> as </a:t>
+            </a:r>
+            <a:r>
+              <a:rPr lang="ro-RO" dirty="0" err="1"/>
+              <a:t>the</a:t>
+            </a:r>
+            <a:r>
+              <a:rPr lang="ro-RO" dirty="0"/>
+              <a:t> data </a:t>
+            </a:r>
+            <a:r>
+              <a:rPr lang="ro-RO" dirty="0" err="1"/>
+              <a:t>so</a:t>
+            </a:r>
+            <a:r>
+              <a:rPr lang="ro-RO" dirty="0"/>
+              <a:t> it </a:t>
+            </a:r>
+            <a:r>
+              <a:rPr lang="ro-RO" dirty="0" err="1"/>
+              <a:t>can</a:t>
+            </a:r>
+            <a:r>
+              <a:rPr lang="ro-RO" dirty="0"/>
+              <a:t> </a:t>
+            </a:r>
+            <a:r>
+              <a:rPr lang="ro-RO" dirty="0" err="1"/>
+              <a:t>be</a:t>
+            </a:r>
+            <a:r>
+              <a:rPr lang="ro-RO" dirty="0"/>
+              <a:t> </a:t>
+            </a:r>
+            <a:r>
+              <a:rPr lang="ro-RO" dirty="0" err="1"/>
+              <a:t>interpreted</a:t>
+            </a:r>
+            <a:r>
+              <a:rPr lang="ro-RO" dirty="0"/>
+              <a:t> </a:t>
+            </a:r>
+            <a:r>
+              <a:rPr lang="ro-RO" dirty="0" err="1"/>
+              <a:t>pretty</a:t>
+            </a:r>
+            <a:r>
+              <a:rPr lang="ro-RO" dirty="0"/>
+              <a:t> </a:t>
+            </a:r>
+            <a:r>
+              <a:rPr lang="ro-RO" dirty="0" err="1"/>
+              <a:t>well</a:t>
+            </a:r>
+            <a:r>
+              <a:rPr lang="ro-RO" dirty="0"/>
+              <a:t>. In </a:t>
+            </a:r>
+            <a:r>
+              <a:rPr lang="ro-RO" dirty="0" err="1"/>
+              <a:t>situations</a:t>
+            </a:r>
+            <a:r>
+              <a:rPr lang="ro-RO" dirty="0"/>
+              <a:t> </a:t>
+            </a:r>
+            <a:r>
+              <a:rPr lang="ro-RO" dirty="0" err="1"/>
+              <a:t>where</a:t>
+            </a:r>
+            <a:r>
+              <a:rPr lang="ro-RO" dirty="0"/>
+              <a:t> </a:t>
+            </a:r>
+            <a:r>
+              <a:rPr lang="ro-RO" dirty="0" err="1"/>
+              <a:t>the</a:t>
+            </a:r>
+            <a:r>
+              <a:rPr lang="ro-RO" dirty="0"/>
+              <a:t> </a:t>
+            </a:r>
+            <a:r>
+              <a:rPr lang="ro-RO" dirty="0" err="1"/>
+              <a:t>mean</a:t>
+            </a:r>
+            <a:r>
+              <a:rPr lang="ro-RO" dirty="0"/>
+              <a:t> </a:t>
+            </a:r>
+            <a:r>
+              <a:rPr lang="ro-RO" dirty="0" err="1"/>
+              <a:t>is</a:t>
+            </a:r>
+            <a:r>
+              <a:rPr lang="ro-RO" dirty="0"/>
+              <a:t> </a:t>
+            </a:r>
+            <a:r>
+              <a:rPr lang="ro-RO" dirty="0" err="1"/>
+              <a:t>the</a:t>
+            </a:r>
+            <a:r>
+              <a:rPr lang="ro-RO" dirty="0"/>
+              <a:t> </a:t>
+            </a:r>
+            <a:r>
+              <a:rPr lang="ro-RO" dirty="0" err="1"/>
+              <a:t>measure</a:t>
+            </a:r>
+            <a:r>
+              <a:rPr lang="ro-RO" dirty="0"/>
+              <a:t> of central </a:t>
+            </a:r>
+            <a:r>
+              <a:rPr lang="ro-RO" dirty="0" err="1"/>
+              <a:t>tendency</a:t>
+            </a:r>
+            <a:r>
+              <a:rPr lang="ro-RO" dirty="0"/>
+              <a:t>, </a:t>
+            </a:r>
+            <a:r>
+              <a:rPr lang="ro-RO" dirty="0" err="1"/>
+              <a:t>this</a:t>
+            </a:r>
+            <a:r>
+              <a:rPr lang="ro-RO" dirty="0"/>
+              <a:t> </a:t>
+            </a:r>
+            <a:r>
+              <a:rPr lang="ro-RO" dirty="0" err="1"/>
+              <a:t>is</a:t>
+            </a:r>
+            <a:r>
+              <a:rPr lang="ro-RO" dirty="0"/>
+              <a:t> </a:t>
+            </a:r>
+            <a:r>
+              <a:rPr lang="ro-RO" dirty="0" err="1"/>
+              <a:t>the</a:t>
+            </a:r>
+            <a:r>
+              <a:rPr lang="ro-RO" dirty="0"/>
+              <a:t> </a:t>
+            </a:r>
+            <a:r>
+              <a:rPr lang="ro-RO" dirty="0" err="1"/>
+              <a:t>default</a:t>
+            </a:r>
+            <a:r>
+              <a:rPr lang="ro-RO" dirty="0"/>
+              <a:t>. </a:t>
+            </a:r>
+            <a:r>
+              <a:rPr lang="ro-RO" dirty="0" err="1"/>
+              <a:t>This</a:t>
+            </a:r>
+            <a:r>
+              <a:rPr lang="ro-RO" dirty="0"/>
+              <a:t> </a:t>
+            </a:r>
+            <a:r>
+              <a:rPr lang="ro-RO" dirty="0" err="1"/>
+              <a:t>is</a:t>
+            </a:r>
+            <a:r>
+              <a:rPr lang="ro-RO" dirty="0"/>
+              <a:t> </a:t>
+            </a:r>
+            <a:r>
+              <a:rPr lang="ro-RO" dirty="0" err="1"/>
+              <a:t>by</a:t>
+            </a:r>
+            <a:r>
+              <a:rPr lang="ro-RO" dirty="0"/>
+              <a:t> far </a:t>
+            </a:r>
+            <a:r>
+              <a:rPr lang="ro-RO" dirty="0" err="1"/>
+              <a:t>the</a:t>
+            </a:r>
+            <a:r>
+              <a:rPr lang="ro-RO" dirty="0"/>
+              <a:t> </a:t>
+            </a:r>
+            <a:r>
+              <a:rPr lang="ro-RO" dirty="0" err="1"/>
+              <a:t>most</a:t>
+            </a:r>
+            <a:r>
+              <a:rPr lang="ro-RO" dirty="0"/>
+              <a:t> popular </a:t>
+            </a:r>
+            <a:r>
+              <a:rPr lang="ro-RO" dirty="0" err="1"/>
+              <a:t>measure</a:t>
+            </a:r>
+            <a:r>
+              <a:rPr lang="ro-RO" dirty="0"/>
+              <a:t> of </a:t>
+            </a:r>
+            <a:r>
+              <a:rPr lang="ro-RO" dirty="0" err="1"/>
+              <a:t>variation</a:t>
+            </a:r>
+            <a:r>
+              <a:rPr lang="ro-RO" dirty="0"/>
+              <a:t>.</a:t>
+            </a:r>
+          </a:p>
+          <a:p>
+            <a:r>
+              <a:rPr lang="ro-RO" i="1" dirty="0"/>
+              <a:t>Median absolute </a:t>
+            </a:r>
+            <a:r>
+              <a:rPr lang="ro-RO" i="1" dirty="0" err="1"/>
+              <a:t>deviation</a:t>
+            </a:r>
+            <a:r>
+              <a:rPr lang="ro-RO" dirty="0"/>
+              <a:t>. The </a:t>
+            </a:r>
+            <a:r>
+              <a:rPr lang="ro-RO" dirty="0" err="1"/>
+              <a:t>typical</a:t>
+            </a:r>
+            <a:r>
+              <a:rPr lang="ro-RO" dirty="0"/>
+              <a:t> (i.e., median) </a:t>
+            </a:r>
+            <a:r>
+              <a:rPr lang="ro-RO" dirty="0" err="1"/>
+              <a:t>deviation</a:t>
+            </a:r>
+            <a:r>
+              <a:rPr lang="ro-RO" dirty="0"/>
+              <a:t> </a:t>
+            </a:r>
+            <a:r>
+              <a:rPr lang="ro-RO" dirty="0" err="1"/>
+              <a:t>from</a:t>
+            </a:r>
+            <a:r>
+              <a:rPr lang="ro-RO" dirty="0"/>
+              <a:t> </a:t>
+            </a:r>
+            <a:r>
+              <a:rPr lang="ro-RO" dirty="0" err="1"/>
+              <a:t>the</a:t>
+            </a:r>
+            <a:r>
+              <a:rPr lang="ro-RO" dirty="0"/>
+              <a:t> median </a:t>
+            </a:r>
+            <a:r>
+              <a:rPr lang="ro-RO" dirty="0" err="1"/>
+              <a:t>value</a:t>
+            </a:r>
+            <a:r>
+              <a:rPr lang="ro-RO" dirty="0"/>
+              <a:t>. In </a:t>
+            </a:r>
+            <a:r>
+              <a:rPr lang="ro-RO" dirty="0" err="1"/>
+              <a:t>the</a:t>
+            </a:r>
+            <a:r>
+              <a:rPr lang="ro-RO" dirty="0"/>
+              <a:t> </a:t>
+            </a:r>
+            <a:r>
+              <a:rPr lang="ro-RO" dirty="0" err="1"/>
+              <a:t>raw</a:t>
+            </a:r>
+            <a:r>
+              <a:rPr lang="ro-RO" dirty="0"/>
+              <a:t> </a:t>
+            </a:r>
+            <a:r>
+              <a:rPr lang="ro-RO" dirty="0" err="1"/>
+              <a:t>form</a:t>
+            </a:r>
+            <a:r>
+              <a:rPr lang="ro-RO" dirty="0"/>
+              <a:t> </a:t>
+            </a:r>
+            <a:r>
+              <a:rPr lang="ro-RO" dirty="0" err="1"/>
+              <a:t>it’s</a:t>
+            </a:r>
+            <a:r>
+              <a:rPr lang="ro-RO" dirty="0"/>
+              <a:t> simple </a:t>
+            </a:r>
+            <a:r>
+              <a:rPr lang="ro-RO" dirty="0" err="1"/>
+              <a:t>and</a:t>
+            </a:r>
+            <a:r>
+              <a:rPr lang="ro-RO" dirty="0"/>
+              <a:t> </a:t>
+            </a:r>
+            <a:r>
+              <a:rPr lang="ro-RO" dirty="0" err="1"/>
+              <a:t>interpretable</a:t>
+            </a:r>
+            <a:r>
+              <a:rPr lang="ro-RO" dirty="0"/>
+              <a:t>; in </a:t>
+            </a:r>
+            <a:r>
+              <a:rPr lang="ro-RO" dirty="0" err="1"/>
+              <a:t>the</a:t>
+            </a:r>
+            <a:r>
+              <a:rPr lang="ro-RO" dirty="0"/>
+              <a:t> </a:t>
+            </a:r>
+            <a:r>
+              <a:rPr lang="ro-RO" dirty="0" err="1"/>
+              <a:t>corrected</a:t>
+            </a:r>
+            <a:r>
+              <a:rPr lang="ro-RO" dirty="0"/>
+              <a:t> </a:t>
+            </a:r>
+            <a:r>
+              <a:rPr lang="ro-RO" dirty="0" err="1"/>
+              <a:t>form</a:t>
+            </a:r>
+            <a:r>
+              <a:rPr lang="ro-RO" dirty="0"/>
+              <a:t> </a:t>
+            </a:r>
+            <a:r>
+              <a:rPr lang="ro-RO" dirty="0" err="1"/>
+              <a:t>it’s</a:t>
+            </a:r>
+            <a:r>
+              <a:rPr lang="ro-RO" dirty="0"/>
+              <a:t> a robust </a:t>
+            </a:r>
+            <a:r>
+              <a:rPr lang="ro-RO" dirty="0" err="1"/>
+              <a:t>way</a:t>
+            </a:r>
+            <a:r>
+              <a:rPr lang="ro-RO" dirty="0"/>
+              <a:t> </a:t>
+            </a:r>
+            <a:r>
+              <a:rPr lang="ro-RO" dirty="0" err="1"/>
+              <a:t>to</a:t>
+            </a:r>
+            <a:r>
+              <a:rPr lang="ro-RO" dirty="0"/>
+              <a:t> estimate </a:t>
+            </a:r>
+            <a:r>
+              <a:rPr lang="ro-RO" dirty="0" err="1"/>
+              <a:t>the</a:t>
+            </a:r>
+            <a:r>
+              <a:rPr lang="ro-RO" dirty="0"/>
+              <a:t> standard </a:t>
+            </a:r>
+            <a:r>
+              <a:rPr lang="ro-RO" dirty="0" err="1"/>
+              <a:t>deviation</a:t>
+            </a:r>
+            <a:r>
+              <a:rPr lang="ro-RO" dirty="0"/>
+              <a:t>, for </a:t>
+            </a:r>
+            <a:r>
+              <a:rPr lang="ro-RO" dirty="0" err="1"/>
+              <a:t>some</a:t>
+            </a:r>
+            <a:r>
+              <a:rPr lang="ro-RO" dirty="0"/>
+              <a:t> </a:t>
+            </a:r>
+            <a:r>
+              <a:rPr lang="ro-RO" dirty="0" err="1"/>
+              <a:t>kinds</a:t>
+            </a:r>
+            <a:r>
+              <a:rPr lang="ro-RO" dirty="0"/>
+              <a:t> of data </a:t>
+            </a:r>
+            <a:r>
+              <a:rPr lang="ro-RO" dirty="0" err="1"/>
+              <a:t>sets</a:t>
+            </a:r>
+            <a:r>
+              <a:rPr lang="ro-RO" dirty="0"/>
+              <a:t>. </a:t>
+            </a:r>
+            <a:r>
+              <a:rPr lang="ro-RO" dirty="0" err="1"/>
+              <a:t>Not</a:t>
+            </a:r>
+            <a:r>
+              <a:rPr lang="ro-RO" dirty="0"/>
+              <a:t> </a:t>
+            </a:r>
+            <a:r>
+              <a:rPr lang="ro-RO" dirty="0" err="1"/>
+              <a:t>used</a:t>
+            </a:r>
+            <a:r>
+              <a:rPr lang="ro-RO" dirty="0"/>
+              <a:t> </a:t>
+            </a:r>
+            <a:r>
+              <a:rPr lang="ro-RO" dirty="0" err="1"/>
+              <a:t>very</a:t>
+            </a:r>
+            <a:r>
+              <a:rPr lang="ro-RO" dirty="0"/>
+              <a:t> </a:t>
+            </a:r>
+            <a:r>
+              <a:rPr lang="ro-RO" dirty="0" err="1"/>
+              <a:t>often</a:t>
+            </a:r>
+            <a:r>
+              <a:rPr lang="ro-RO" dirty="0"/>
+              <a:t>, but it </a:t>
+            </a:r>
+            <a:r>
+              <a:rPr lang="ro-RO" dirty="0" err="1"/>
+              <a:t>does</a:t>
+            </a:r>
+            <a:r>
+              <a:rPr lang="ro-RO" dirty="0"/>
+              <a:t> get </a:t>
+            </a:r>
+            <a:r>
+              <a:rPr lang="ro-RO" dirty="0" err="1"/>
+              <a:t>reported</a:t>
+            </a:r>
+            <a:r>
+              <a:rPr lang="ro-RO" dirty="0"/>
+              <a:t> </a:t>
+            </a:r>
+            <a:r>
+              <a:rPr lang="ro-RO" dirty="0" err="1"/>
+              <a:t>sometimes</a:t>
+            </a:r>
+            <a:r>
+              <a:rPr lang="ro-RO" dirty="0"/>
+              <a:t>.</a:t>
+            </a:r>
+          </a:p>
+          <a:p>
+            <a:endParaRPr lang="en-US" sz="3000" dirty="0"/>
           </a:p>
         </p:txBody>
       </p:sp>
     </p:spTree>
     <p:extLst>
       <p:ext uri="{BB962C8B-B14F-4D97-AF65-F5344CB8AC3E}">
-        <p14:creationId xmlns:p14="http://schemas.microsoft.com/office/powerpoint/2010/main" val="1895190594"/>
+        <p14:creationId xmlns:p14="http://schemas.microsoft.com/office/powerpoint/2010/main" val="723708591"/>
       </p:ext>
     </p:extLst>
   </p:cSld>
@@ -11637,13 +12140,13 @@
         </p:nvSpPr>
         <p:spPr>
           <a:xfrm>
-            <a:off x="304800" y="0"/>
+            <a:off x="304800" y="152400"/>
             <a:ext cx="8686800" cy="1143000"/>
           </a:xfrm>
         </p:spPr>
         <p:txBody>
           <a:bodyPr anchor="ctr">
-            <a:normAutofit/>
+            <a:normAutofit fontScale="90000"/>
           </a:bodyPr>
           <a:lstStyle/>
           <a:p>
@@ -11654,7 +12157,7 @@
                 <a:ea typeface="Arial Unicode MS" panose="020B0604020202020204" pitchFamily="34" charset="-128"/>
                 <a:cs typeface="Arial Unicode MS" panose="020B0604020202020204" pitchFamily="34" charset="-128"/>
               </a:rPr>
-              <a:t>Skewness</a:t>
+              <a:t>Choosing between Mean and Median (Navarro, 2018)</a:t>
             </a:r>
           </a:p>
         </p:txBody>
@@ -11671,266 +12174,80 @@
         </p:nvSpPr>
         <p:spPr>
           <a:xfrm>
-            <a:off x="152400" y="1143000"/>
-            <a:ext cx="8991600" cy="5715000"/>
+            <a:off x="609600" y="1219200"/>
+            <a:ext cx="8534400" cy="5562600"/>
           </a:xfrm>
         </p:spPr>
         <p:txBody>
           <a:bodyPr>
-            <a:normAutofit fontScale="92500" lnSpcReduction="20000"/>
+            <a:normAutofit fontScale="92500"/>
           </a:bodyPr>
           <a:lstStyle/>
           <a:p>
-            <a:pPr>
-              <a:lnSpc>
-                <a:spcPct val="90000"/>
-              </a:lnSpc>
-            </a:pPr>
-            <a:r>
-              <a:rPr lang="en-US" sz="2600"/>
-              <a:t>Masures the asymmetry of the distribution of a variable</a:t>
-            </a:r>
-          </a:p>
-          <a:p>
-            <a:pPr>
-              <a:lnSpc>
-                <a:spcPct val="90000"/>
-              </a:lnSpc>
-            </a:pPr>
-            <a:endParaRPr lang="en-US" sz="2400"/>
-          </a:p>
-          <a:p>
-            <a:pPr>
-              <a:lnSpc>
-                <a:spcPct val="90000"/>
-              </a:lnSpc>
-            </a:pPr>
-            <a:endParaRPr lang="en-US" sz="2400"/>
-          </a:p>
-          <a:p>
-            <a:pPr>
-              <a:lnSpc>
-                <a:spcPct val="90000"/>
-              </a:lnSpc>
-            </a:pPr>
-            <a:endParaRPr lang="en-US" sz="2400"/>
-          </a:p>
-          <a:p>
-            <a:pPr marL="82296" indent="0">
-              <a:lnSpc>
-                <a:spcPct val="90000"/>
-              </a:lnSpc>
-              <a:buNone/>
-            </a:pPr>
-            <a:endParaRPr lang="en-US" sz="2300" dirty="0">
-              <a:solidFill>
-                <a:srgbClr val="0070C0"/>
-              </a:solidFill>
-              <a:latin typeface="Consolas" panose="020B0609020204030204" pitchFamily="49" charset="0"/>
-              <a:cs typeface="Consolas" panose="020B0609020204030204" pitchFamily="49" charset="0"/>
-            </a:endParaRPr>
-          </a:p>
-          <a:p>
-            <a:pPr>
-              <a:lnSpc>
-                <a:spcPct val="90000"/>
-              </a:lnSpc>
-            </a:pPr>
-            <a:endParaRPr lang="en-US" sz="2300" dirty="0">
-              <a:solidFill>
-                <a:srgbClr val="0070C0"/>
-              </a:solidFill>
-              <a:latin typeface="Consolas" panose="020B0609020204030204" pitchFamily="49" charset="0"/>
-              <a:cs typeface="Consolas" panose="020B0609020204030204" pitchFamily="49" charset="0"/>
-            </a:endParaRPr>
-          </a:p>
-          <a:p>
-            <a:pPr>
-              <a:lnSpc>
-                <a:spcPct val="90000"/>
-              </a:lnSpc>
-            </a:pPr>
-            <a:endParaRPr lang="en-US" sz="2300" dirty="0">
-              <a:solidFill>
-                <a:srgbClr val="0070C0"/>
-              </a:solidFill>
-              <a:latin typeface="Consolas" panose="020B0609020204030204" pitchFamily="49" charset="0"/>
-              <a:cs typeface="Consolas" panose="020B0609020204030204" pitchFamily="49" charset="0"/>
-            </a:endParaRPr>
-          </a:p>
-          <a:p>
-            <a:pPr>
-              <a:lnSpc>
-                <a:spcPct val="90000"/>
-              </a:lnSpc>
-            </a:pPr>
-            <a:endParaRPr lang="en-US" sz="2300" dirty="0">
-              <a:solidFill>
-                <a:srgbClr val="0070C0"/>
-              </a:solidFill>
-              <a:latin typeface="Consolas" panose="020B0609020204030204" pitchFamily="49" charset="0"/>
-              <a:cs typeface="Consolas" panose="020B0609020204030204" pitchFamily="49" charset="0"/>
-            </a:endParaRPr>
-          </a:p>
-          <a:p>
-            <a:pPr>
-              <a:lnSpc>
-                <a:spcPct val="90000"/>
-              </a:lnSpc>
-            </a:pPr>
-            <a:endParaRPr lang="en-US" sz="2300" dirty="0">
-              <a:solidFill>
-                <a:srgbClr val="0070C0"/>
-              </a:solidFill>
-              <a:latin typeface="Consolas" panose="020B0609020204030204" pitchFamily="49" charset="0"/>
-              <a:cs typeface="Consolas" panose="020B0609020204030204" pitchFamily="49" charset="0"/>
-            </a:endParaRPr>
-          </a:p>
-          <a:p>
-            <a:pPr>
-              <a:lnSpc>
-                <a:spcPct val="90000"/>
-              </a:lnSpc>
-            </a:pPr>
-            <a:endParaRPr lang="en-US" sz="2300" dirty="0">
-              <a:solidFill>
-                <a:srgbClr val="0070C0"/>
-              </a:solidFill>
-              <a:latin typeface="Consolas" panose="020B0609020204030204" pitchFamily="49" charset="0"/>
-              <a:cs typeface="Consolas" panose="020B0609020204030204" pitchFamily="49" charset="0"/>
-            </a:endParaRPr>
-          </a:p>
-          <a:p>
-            <a:pPr>
-              <a:lnSpc>
-                <a:spcPct val="90000"/>
-              </a:lnSpc>
-            </a:pPr>
-            <a:endParaRPr lang="en-US" sz="2400" dirty="0"/>
-          </a:p>
-          <a:p>
-            <a:pPr>
-              <a:lnSpc>
-                <a:spcPct val="90000"/>
-              </a:lnSpc>
-            </a:pPr>
-            <a:endParaRPr lang="en-US" sz="2400" dirty="0"/>
-          </a:p>
-          <a:p>
-            <a:pPr>
-              <a:lnSpc>
-                <a:spcPct val="90000"/>
-              </a:lnSpc>
-            </a:pPr>
-            <a:endParaRPr lang="en-US" sz="2400" dirty="0"/>
-          </a:p>
-          <a:p>
-            <a:pPr>
-              <a:lnSpc>
-                <a:spcPct val="90000"/>
-              </a:lnSpc>
-            </a:pPr>
-            <a:r>
-              <a:rPr lang="en-US" sz="2400" dirty="0"/>
-              <a:t>Function </a:t>
-            </a:r>
-            <a:r>
-              <a:rPr lang="en-US" sz="2400" b="1" dirty="0"/>
-              <a:t>skew</a:t>
-            </a:r>
-            <a:r>
-              <a:rPr lang="en-US" sz="2400" dirty="0"/>
-              <a:t> in package </a:t>
-            </a:r>
-            <a:r>
-              <a:rPr lang="en-US" sz="2400" b="1" dirty="0"/>
-              <a:t>psych</a:t>
-            </a:r>
-          </a:p>
-          <a:p>
-            <a:pPr marL="82296" indent="0">
-              <a:lnSpc>
-                <a:spcPct val="90000"/>
-              </a:lnSpc>
-              <a:buNone/>
-            </a:pPr>
-            <a:r>
-              <a:rPr lang="en-US" sz="2300" dirty="0">
-                <a:solidFill>
-                  <a:srgbClr val="0070C0"/>
-                </a:solidFill>
-                <a:latin typeface="Consolas" panose="020B0609020204030204" pitchFamily="49" charset="0"/>
-                <a:cs typeface="Consolas" panose="020B0609020204030204" pitchFamily="49" charset="0"/>
-              </a:rPr>
-              <a:t>&gt; library(psych)</a:t>
-            </a:r>
-          </a:p>
-          <a:p>
-            <a:pPr marL="82296" indent="0">
-              <a:lnSpc>
-                <a:spcPct val="90000"/>
-              </a:lnSpc>
-              <a:buNone/>
-            </a:pPr>
-            <a:r>
-              <a:rPr lang="en-US" sz="2300" dirty="0">
-                <a:solidFill>
-                  <a:srgbClr val="0070C0"/>
-                </a:solidFill>
-                <a:latin typeface="Consolas" panose="020B0609020204030204" pitchFamily="49" charset="0"/>
-                <a:cs typeface="Consolas" panose="020B0609020204030204" pitchFamily="49" charset="0"/>
-              </a:rPr>
-              <a:t>&gt; skew(faithful)</a:t>
-            </a:r>
-          </a:p>
-          <a:p>
-            <a:pPr marL="82296" indent="0">
-              <a:lnSpc>
-                <a:spcPct val="90000"/>
-              </a:lnSpc>
-              <a:buNone/>
-            </a:pPr>
-            <a:r>
-              <a:rPr lang="en-US" sz="2300" dirty="0">
-                <a:solidFill>
-                  <a:srgbClr val="000000"/>
-                </a:solidFill>
-                <a:latin typeface="Consolas" panose="020B0609020204030204" pitchFamily="49" charset="0"/>
-                <a:cs typeface="Consolas" panose="020B0609020204030204" pitchFamily="49" charset="0"/>
-              </a:rPr>
-              <a:t>[1] -0.4135 -0.4140</a:t>
-            </a:r>
+            <a:r>
+              <a:rPr lang="en-US" sz="3000" dirty="0"/>
+              <a:t>When data are </a:t>
+            </a:r>
+            <a:r>
+              <a:rPr lang="en-US" sz="3000" b="1" dirty="0"/>
+              <a:t>nominal</a:t>
+            </a:r>
+            <a:r>
+              <a:rPr lang="en-US" sz="3000" dirty="0"/>
+              <a:t> scale – do not use either. Sometimes </a:t>
+            </a:r>
+            <a:r>
+              <a:rPr lang="en-US" sz="3000" i="1" dirty="0"/>
+              <a:t>mode</a:t>
+            </a:r>
+            <a:r>
+              <a:rPr lang="en-US" sz="3000" dirty="0"/>
+              <a:t> could prove useful</a:t>
+            </a:r>
+          </a:p>
+          <a:p>
+            <a:r>
+              <a:rPr lang="en-US" sz="3000" dirty="0"/>
+              <a:t>When data are </a:t>
+            </a:r>
+            <a:r>
+              <a:rPr lang="en-US" sz="3000" b="1" dirty="0"/>
+              <a:t>ordinal</a:t>
+            </a:r>
+            <a:r>
+              <a:rPr lang="en-US" sz="3000" dirty="0"/>
+              <a:t> scale, median is usually more adequate than the mean.  The median only makes use of the order information in the data, but doesn’t depend on the precise numbers involved. </a:t>
+            </a:r>
+          </a:p>
+          <a:p>
+            <a:r>
+              <a:rPr lang="en-US" sz="3000" dirty="0"/>
+              <a:t>For </a:t>
+            </a:r>
+            <a:r>
+              <a:rPr lang="en-US" sz="3000" b="1" dirty="0"/>
+              <a:t>interval</a:t>
+            </a:r>
+            <a:r>
+              <a:rPr lang="en-US" sz="3000" dirty="0"/>
+              <a:t> and </a:t>
+            </a:r>
+            <a:r>
+              <a:rPr lang="en-US" sz="3000" b="1" dirty="0"/>
+              <a:t>ratio</a:t>
+            </a:r>
+            <a:r>
+              <a:rPr lang="en-US" sz="3000" dirty="0"/>
+              <a:t> scale data, either one is generally acceptable.  The mean has the advantage that it uses all the information in the data (which is useful when you don’t have a lot of data), but it’s very sensitive to extreme values</a:t>
+            </a:r>
+            <a:endParaRPr lang="ro-RO" sz="3000" dirty="0"/>
           </a:p>
         </p:txBody>
       </p:sp>
-      <p:pic>
-        <p:nvPicPr>
-          <p:cNvPr id="5" name="Picture 4"/>
-          <p:cNvPicPr>
-            <a:picLocks noChangeAspect="1"/>
-          </p:cNvPicPr>
-          <p:nvPr/>
-        </p:nvPicPr>
-        <p:blipFill>
-          <a:blip r:embed="rId2"/>
-          <a:stretch>
-            <a:fillRect/>
-          </a:stretch>
-        </p:blipFill>
-        <p:spPr>
-          <a:xfrm>
-            <a:off x="0" y="1668698"/>
-            <a:ext cx="9127162" cy="3284302"/>
-          </a:xfrm>
-          <a:prstGeom prst="rect">
-            <a:avLst/>
-          </a:prstGeom>
-        </p:spPr>
-      </p:pic>
     </p:spTree>
     <p:extLst>
       <p:ext uri="{BB962C8B-B14F-4D97-AF65-F5344CB8AC3E}">
-        <p14:creationId xmlns:p14="http://schemas.microsoft.com/office/powerpoint/2010/main" val="2503858628"/>
+        <p14:creationId xmlns:p14="http://schemas.microsoft.com/office/powerpoint/2010/main" val="1895190594"/>
       </p:ext>
     </p:extLst>
   </p:cSld>

--- a/09 Exploratory Data Analysis/09 Exploratory Data Analysis.pptx
+++ b/09 Exploratory Data Analysis/09 Exploratory Data Analysis.pptx
@@ -297,7 +297,7 @@
               <a:pPr>
                 <a:defRPr/>
               </a:pPr>
-              <a:t>12/11/18</a:t>
+              <a:t>3/10/19</a:t>
             </a:fld>
             <a:endParaRPr lang="en-US"/>
           </a:p>
@@ -542,7 +542,7 @@
               <a:pPr>
                 <a:defRPr/>
               </a:pPr>
-              <a:t>12/11/18</a:t>
+              <a:t>3/10/19</a:t>
             </a:fld>
             <a:endParaRPr lang="en-US"/>
           </a:p>
@@ -9701,7 +9701,7 @@
                 <a:ea typeface="Arial Unicode MS" panose="020B0604020202020204" pitchFamily="34" charset="-128"/>
                 <a:cs typeface="Arial Unicode MS" panose="020B0604020202020204" pitchFamily="34" charset="-128"/>
               </a:rPr>
-              <a:t>Start with this</a:t>
+              <a:t>Start with these resources</a:t>
             </a:r>
           </a:p>
         </p:txBody>
@@ -9873,6 +9873,126 @@
               </a:lnSpc>
             </a:pPr>
             <a:r>
+              <a:rPr lang="ro-RO" sz="2800" dirty="0" err="1">
+                <a:latin typeface="Avenir Medium"/>
+              </a:rPr>
+              <a:t>Probability</a:t>
+            </a:r>
+            <a:r>
+              <a:rPr lang="ro-RO" sz="2800" dirty="0">
+                <a:latin typeface="Avenir Medium"/>
+              </a:rPr>
+              <a:t> &amp; </a:t>
+            </a:r>
+            <a:r>
+              <a:rPr lang="ro-RO" sz="2800" dirty="0" err="1">
+                <a:latin typeface="Avenir Medium"/>
+              </a:rPr>
+              <a:t>Statistics</a:t>
+            </a:r>
+            <a:r>
+              <a:rPr lang="ro-RO" sz="2800" dirty="0">
+                <a:latin typeface="Avenir Medium"/>
+              </a:rPr>
+              <a:t> for Data </a:t>
+            </a:r>
+            <a:r>
+              <a:rPr lang="ro-RO" sz="2800" dirty="0" err="1">
+                <a:latin typeface="Avenir Medium"/>
+              </a:rPr>
+              <a:t>Science</a:t>
+            </a:r>
+            <a:r>
+              <a:rPr lang="ro-RO" sz="2800" dirty="0">
+                <a:latin typeface="Avenir Medium"/>
+              </a:rPr>
+              <a:t> (</a:t>
+            </a:r>
+            <a:r>
+              <a:rPr lang="ro-RO" sz="2800" dirty="0" err="1">
+                <a:latin typeface="Avenir Medium"/>
+              </a:rPr>
+              <a:t>Series</a:t>
+            </a:r>
+            <a:r>
+              <a:rPr lang="ro-RO" sz="2800" dirty="0">
+                <a:latin typeface="Avenir Medium"/>
+              </a:rPr>
+              <a:t>) (</a:t>
+            </a:r>
+            <a:r>
+              <a:rPr lang="ro-RO" sz="2800" dirty="0" err="1">
+                <a:latin typeface="Avenir Medium"/>
+              </a:rPr>
+              <a:t>Ankit</a:t>
+            </a:r>
+            <a:r>
+              <a:rPr lang="ro-RO" sz="2800" dirty="0">
+                <a:latin typeface="Avenir Medium"/>
+              </a:rPr>
+              <a:t> </a:t>
+            </a:r>
+            <a:r>
+              <a:rPr lang="ro-RO" sz="2800" dirty="0" err="1">
+                <a:latin typeface="Avenir Medium"/>
+              </a:rPr>
+              <a:t>Rathi</a:t>
+            </a:r>
+            <a:r>
+              <a:rPr lang="ro-RO" sz="2800" dirty="0">
+                <a:latin typeface="Avenir Medium"/>
+              </a:rPr>
+              <a:t>)</a:t>
+            </a:r>
+            <a:endParaRPr lang="en" sz="2800" dirty="0">
+              <a:latin typeface="Avenir Medium"/>
+            </a:endParaRPr>
+          </a:p>
+          <a:p>
+            <a:pPr marL="82296" lvl="1" indent="0">
+              <a:lnSpc>
+                <a:spcPct val="110000"/>
+              </a:lnSpc>
+              <a:spcBef>
+                <a:spcPts val="600"/>
+              </a:spcBef>
+              <a:buSzPct val="80000"/>
+              <a:buNone/>
+            </a:pPr>
+            <a:r>
+              <a:rPr lang="ro-RO" sz="2400" dirty="0">
+                <a:latin typeface="Avenir Medium"/>
+                <a:hlinkClick r:id="rId2">
+                  <a:extLst>
+                    <a:ext uri="{A12FA001-AC4F-418D-AE19-62706E023703}">
+                      <ahyp:hlinkClr xmlns:ahyp="http://schemas.microsoft.com/office/drawing/2018/hyperlinkcolor" val="tx"/>
+                    </a:ext>
+                  </a:extLst>
+                </a:hlinkClick>
+              </a:rPr>
+              <a:t>https://medium.com/data-deft/probability-statistics-for-data-science-series-83b94353ca48</a:t>
+            </a:r>
+            <a:endParaRPr lang="ro-RO" sz="2400" dirty="0">
+              <a:latin typeface="Avenir Medium"/>
+            </a:endParaRPr>
+          </a:p>
+          <a:p>
+            <a:pPr lvl="1">
+              <a:lnSpc>
+                <a:spcPct val="110000"/>
+              </a:lnSpc>
+            </a:pPr>
+            <a:endParaRPr lang="en" sz="2800" dirty="0">
+              <a:latin typeface="Avenir Medium"/>
+            </a:endParaRPr>
+          </a:p>
+          <a:p>
+            <a:pPr lvl="1">
+              <a:lnSpc>
+                <a:spcPct val="110000"/>
+              </a:lnSpc>
+            </a:pPr>
+            <a:r>
               <a:rPr lang="en" sz="2800" dirty="0">
                 <a:latin typeface="Avenir Medium"/>
               </a:rPr>
@@ -9923,7 +10043,7 @@
               <a:rPr lang="en-US" sz="2400" dirty="0">
                 <a:latin typeface="Avenir Medium"/>
                 <a:cs typeface="Avenir Medium"/>
-                <a:hlinkClick r:id="rId2"/>
+                <a:hlinkClick r:id="rId3"/>
               </a:rPr>
               <a:t>https://moderndive.com/6-regression.html</a:t>
             </a:r>
@@ -10040,9 +10160,60 @@
         </p:spPr>
         <p:txBody>
           <a:bodyPr>
-            <a:normAutofit fontScale="92500" lnSpcReduction="10000"/>
+            <a:normAutofit fontScale="85000" lnSpcReduction="20000"/>
           </a:bodyPr>
           <a:lstStyle/>
+          <a:p>
+            <a:pPr>
+              <a:lnSpc>
+                <a:spcPct val="110000"/>
+              </a:lnSpc>
+            </a:pPr>
+            <a:r>
+              <a:rPr lang="en" sz="2600" dirty="0"/>
+              <a:t>Descriptive Statistics for Data Science (</a:t>
+            </a:r>
+            <a:r>
+              <a:rPr lang="ro-RO" sz="2600" dirty="0" err="1"/>
+              <a:t>Ankit</a:t>
+            </a:r>
+            <a:r>
+              <a:rPr lang="ro-RO" sz="2600" dirty="0"/>
+              <a:t> </a:t>
+            </a:r>
+            <a:r>
+              <a:rPr lang="ro-RO" sz="2600" dirty="0" err="1"/>
+              <a:t>Rathi</a:t>
+            </a:r>
+            <a:r>
+              <a:rPr lang="en" sz="2600" dirty="0"/>
+              <a:t>)</a:t>
+            </a:r>
+          </a:p>
+          <a:p>
+            <a:pPr marL="82550" indent="0">
+              <a:lnSpc>
+                <a:spcPct val="110000"/>
+              </a:lnSpc>
+              <a:buNone/>
+            </a:pPr>
+            <a:r>
+              <a:rPr lang="en-US" sz="2600" dirty="0">
+                <a:hlinkClick r:id="rId2"/>
+              </a:rPr>
+              <a:t>https://medium.com/analytics-vidhya/descriptive-statistics-for-data-science-2f304a36ac34</a:t>
+            </a:r>
+            <a:endParaRPr lang="en-US" sz="2600" dirty="0"/>
+          </a:p>
+          <a:p>
+            <a:pPr marL="82550" indent="0">
+              <a:lnSpc>
+                <a:spcPct val="110000"/>
+              </a:lnSpc>
+              <a:buNone/>
+            </a:pPr>
+            <a:endParaRPr lang="en-US" sz="2600" dirty="0"/>
+          </a:p>
           <a:p>
             <a:pPr>
               <a:lnSpc>
@@ -10082,7 +10253,7 @@
             </a:pPr>
             <a:r>
               <a:rPr lang="en-US" sz="1900" dirty="0">
-                <a:hlinkClick r:id="rId2"/>
+                <a:hlinkClick r:id="rId3"/>
               </a:rPr>
               <a:t>https://bookdown.org/ekothe/navarro2/descriptives.html</a:t>
             </a:r>
@@ -10120,16 +10291,16 @@
             </a:pPr>
             <a:r>
               <a:rPr lang="en-US" sz="2000" dirty="0">
-                <a:hlinkClick r:id="rId3"/>
+                <a:hlinkClick r:id="rId4"/>
               </a:rPr>
               <a:t>http://rcompanion.org/handbook/C_02.html</a:t>
             </a:r>
             <a:endParaRPr lang="en-US" sz="2000" dirty="0"/>
           </a:p>
           <a:p>
-            <a:endParaRPr lang="en-US" sz="2800" b="1" dirty="0"/>
-          </a:p>
-          <a:p>
+            <a:pPr marL="82550" indent="0">
+              <a:buNone/>
+            </a:pPr>
             <a:endParaRPr lang="en-US" sz="2400" b="1" dirty="0"/>
           </a:p>
           <a:p>
@@ -10152,7 +10323,7 @@
             </a:pPr>
             <a:r>
               <a:rPr lang="en-US" sz="1800" dirty="0">
-                <a:hlinkClick r:id="rId4"/>
+                <a:hlinkClick r:id="rId5"/>
               </a:rPr>
               <a:t>https://www.youtube.com/watch?v=ACWuV16tdhY&amp;index=19&amp;list=PLqzoL9-eJTNBDdKgJgJzaQcY6OXmsXAHU</a:t>
             </a:r>

--- a/09 Exploratory Data Analysis/09 Exploratory Data Analysis.pptx
+++ b/09 Exploratory Data Analysis/09 Exploratory Data Analysis.pptx
@@ -297,7 +297,7 @@
               <a:pPr>
                 <a:defRPr/>
               </a:pPr>
-              <a:t>3/10/19</a:t>
+              <a:t>3/25/19</a:t>
             </a:fld>
             <a:endParaRPr lang="en-US"/>
           </a:p>
@@ -542,7 +542,7 @@
               <a:pPr>
                 <a:defRPr/>
               </a:pPr>
-              <a:t>3/10/19</a:t>
+              <a:t>3/25/19</a:t>
             </a:fld>
             <a:endParaRPr lang="en-US"/>
           </a:p>
@@ -10160,7 +10160,7 @@
         </p:spPr>
         <p:txBody>
           <a:bodyPr>
-            <a:normAutofit fontScale="85000" lnSpcReduction="20000"/>
+            <a:normAutofit fontScale="77500" lnSpcReduction="20000"/>
           </a:bodyPr>
           <a:lstStyle/>
           <a:p>
@@ -10212,7 +10212,7 @@
               </a:lnSpc>
               <a:buNone/>
             </a:pPr>
-            <a:endParaRPr lang="en-US" sz="2600" dirty="0"/>
+            <a:endParaRPr lang="en-US" sz="1700" dirty="0"/>
           </a:p>
           <a:p>
             <a:pPr>
@@ -10266,7 +10266,7 @@
               </a:lnSpc>
               <a:buNone/>
             </a:pPr>
-            <a:endParaRPr lang="en-US" sz="2600" dirty="0"/>
+            <a:endParaRPr lang="en-US" sz="1700" dirty="0"/>
           </a:p>
           <a:p>
             <a:r>
@@ -10328,6 +10328,32 @@
               <a:t>https://www.youtube.com/watch?v=ACWuV16tdhY&amp;index=19&amp;list=PLqzoL9-eJTNBDdKgJgJzaQcY6OXmsXAHU</a:t>
             </a:r>
             <a:endParaRPr lang="en-US" sz="1800" dirty="0"/>
+          </a:p>
+          <a:p>
+            <a:endParaRPr lang="en-US" sz="2400" dirty="0"/>
+          </a:p>
+          <a:p>
+            <a:r>
+              <a:rPr lang="en" sz="2400" dirty="0"/>
+              <a:t>Descriptive/Summary Statistics with </a:t>
+            </a:r>
+            <a:r>
+              <a:rPr lang="en" sz="2400" dirty="0" err="1"/>
+              <a:t>descriptr</a:t>
+            </a:r>
+            <a:endParaRPr lang="en-US" sz="2400" dirty="0"/>
+          </a:p>
+          <a:p>
+            <a:pPr marL="82550" indent="0">
+              <a:buNone/>
+            </a:pPr>
+            <a:r>
+              <a:rPr lang="en-US" sz="2400" dirty="0">
+                <a:hlinkClick r:id="rId6"/>
+              </a:rPr>
+              <a:t>https://blog.rsquaredacademy.com/introducing-descriptr/</a:t>
+            </a:r>
+            <a:endParaRPr lang="en-US" sz="2400" dirty="0"/>
           </a:p>
           <a:p>
             <a:endParaRPr lang="en-US" sz="2400" b="1" dirty="0"/>

--- a/09 Exploratory Data Analysis/09 Exploratory Data Analysis.pptx
+++ b/09 Exploratory Data Analysis/09 Exploratory Data Analysis.pptx
@@ -5,10 +5,10 @@
     <p:sldMasterId id="2147483706" r:id="rId1"/>
   </p:sldMasterIdLst>
   <p:notesMasterIdLst>
-    <p:notesMasterId r:id="rId15"/>
+    <p:notesMasterId r:id="rId16"/>
   </p:notesMasterIdLst>
   <p:handoutMasterIdLst>
-    <p:handoutMasterId r:id="rId16"/>
+    <p:handoutMasterId r:id="rId17"/>
   </p:handoutMasterIdLst>
   <p:sldIdLst>
     <p:sldId id="256" r:id="rId2"/>
@@ -24,6 +24,7 @@
     <p:sldId id="529" r:id="rId12"/>
     <p:sldId id="476" r:id="rId13"/>
     <p:sldId id="532" r:id="rId14"/>
+    <p:sldId id="533" r:id="rId15"/>
   </p:sldIdLst>
   <p:sldSz cx="9144000" cy="6858000" type="screen4x3"/>
   <p:notesSz cx="6858000" cy="9144000"/>
@@ -297,7 +298,7 @@
               <a:pPr>
                 <a:defRPr/>
               </a:pPr>
-              <a:t>3/25/19</a:t>
+              <a:t>11/13/19</a:t>
             </a:fld>
             <a:endParaRPr lang="en-US"/>
           </a:p>
@@ -542,7 +543,7 @@
               <a:pPr>
                 <a:defRPr/>
               </a:pPr>
-              <a:t>3/25/19</a:t>
+              <a:t>11/13/19</a:t>
             </a:fld>
             <a:endParaRPr lang="en-US"/>
           </a:p>
@@ -9035,32 +9036,51 @@
               </a:lnSpc>
             </a:pPr>
             <a:r>
-              <a:rPr lang="en-US" sz="2400" dirty="0"/>
+              <a:rPr lang="en-US" sz="2000" dirty="0"/>
+              <a:t>Tidy Tuesday Screencast: analyzing college major &amp; income data in R (David Robinson) (2018)</a:t>
+            </a:r>
+          </a:p>
+          <a:p>
+            <a:pPr marL="82550" indent="0">
+              <a:lnSpc>
+                <a:spcPct val="110000"/>
+              </a:lnSpc>
+              <a:buNone/>
+            </a:pPr>
+            <a:r>
+              <a:rPr lang="en-US" sz="1200" dirty="0">
+                <a:hlinkClick r:id="rId2"/>
+              </a:rPr>
+              <a:t>	https://www.youtube.com/watch?time_continue=1&amp;v=nx5yhXAQLxw</a:t>
+            </a:r>
+            <a:endParaRPr lang="en-US" sz="2400" dirty="0"/>
+          </a:p>
+          <a:p>
+            <a:pPr>
+              <a:lnSpc>
+                <a:spcPct val="110000"/>
+              </a:lnSpc>
+            </a:pPr>
+            <a:r>
+              <a:rPr lang="en-US" sz="2000" dirty="0"/>
               <a:t>Garrett </a:t>
             </a:r>
             <a:r>
-              <a:rPr lang="en-US" sz="2400" dirty="0" err="1"/>
+              <a:rPr lang="en-US" sz="2000" dirty="0" err="1"/>
               <a:t>Grolemund</a:t>
             </a:r>
             <a:r>
-              <a:rPr lang="en-US" sz="2400" dirty="0"/>
+              <a:rPr lang="en-US" sz="2000" dirty="0"/>
               <a:t>, Hadley Wickham - </a:t>
             </a:r>
             <a:r>
-              <a:rPr lang="en-US" sz="2400" i="1" dirty="0"/>
+              <a:rPr lang="en-US" sz="2000" i="1" dirty="0"/>
               <a:t>R for Data Science</a:t>
             </a:r>
             <a:r>
-              <a:rPr lang="en-US" sz="2400" dirty="0"/>
-              <a:t>, O’Reilly (2017)</a:t>
-            </a:r>
-          </a:p>
-          <a:p>
-            <a:pPr lvl="1">
-              <a:lnSpc>
-                <a:spcPct val="110000"/>
-              </a:lnSpc>
-            </a:pPr>
+              <a:rPr lang="en-US" sz="2000" dirty="0"/>
+              <a:t>, O’Reilly (2017) - </a:t>
+            </a:r>
             <a:r>
               <a:rPr lang="en-US" sz="1800" dirty="0"/>
               <a:t>7 Exploratory Data Analysis</a:t>
@@ -9068,32 +9088,6 @@
           </a:p>
           <a:p>
             <a:pPr marL="403225" lvl="1" indent="0">
-              <a:lnSpc>
-                <a:spcPct val="110000"/>
-              </a:lnSpc>
-              <a:buNone/>
-            </a:pPr>
-            <a:r>
-              <a:rPr lang="en-US" sz="1400" dirty="0">
-                <a:hlinkClick r:id="rId2"/>
-              </a:rPr>
-              <a:t>https://r4ds.had.co.nz/exploratory-data-analysis.html</a:t>
-            </a:r>
-            <a:endParaRPr lang="en-US" sz="1400" dirty="0"/>
-          </a:p>
-          <a:p>
-            <a:pPr>
-              <a:lnSpc>
-                <a:spcPct val="110000"/>
-              </a:lnSpc>
-            </a:pPr>
-            <a:r>
-              <a:rPr lang="en-US" sz="2400" dirty="0"/>
-              <a:t>Pablo Casas - Data Science Live Book (2018)</a:t>
-            </a:r>
-          </a:p>
-          <a:p>
-            <a:pPr marL="82550" indent="0">
               <a:lnSpc>
                 <a:spcPct val="110000"/>
               </a:lnSpc>
@@ -9103,9 +9097,35 @@
               <a:rPr lang="en-US" sz="1400" dirty="0">
                 <a:hlinkClick r:id="rId3"/>
               </a:rPr>
+              <a:t>https://r4ds.had.co.nz/exploratory-data-analysis.html</a:t>
+            </a:r>
+            <a:endParaRPr lang="en-US" sz="1400" dirty="0"/>
+          </a:p>
+          <a:p>
+            <a:pPr>
+              <a:lnSpc>
+                <a:spcPct val="110000"/>
+              </a:lnSpc>
+            </a:pPr>
+            <a:r>
+              <a:rPr lang="en-US" sz="2000" dirty="0"/>
+              <a:t>Pablo Casas - Data Science Live Book (2018)</a:t>
+            </a:r>
+          </a:p>
+          <a:p>
+            <a:pPr marL="82550" indent="0">
+              <a:lnSpc>
+                <a:spcPct val="110000"/>
+              </a:lnSpc>
+              <a:buNone/>
+            </a:pPr>
+            <a:r>
+              <a:rPr lang="en-US" sz="1200" dirty="0">
+                <a:hlinkClick r:id="rId4"/>
+              </a:rPr>
               <a:t>https://livebook.datascienceheroes.com/exploratory-data-analysis.html</a:t>
             </a:r>
-            <a:endParaRPr lang="en-US" sz="1400" dirty="0"/>
+            <a:endParaRPr lang="en-US" sz="1200" dirty="0"/>
           </a:p>
           <a:p>
             <a:pPr lvl="1">
@@ -9136,15 +9156,15 @@
               </a:lnSpc>
             </a:pPr>
             <a:r>
-              <a:rPr lang="en-US" sz="2400" dirty="0"/>
+              <a:rPr lang="en-US" sz="2000" dirty="0"/>
               <a:t>Chester </a:t>
             </a:r>
             <a:r>
-              <a:rPr lang="en-US" sz="2400" dirty="0" err="1"/>
+              <a:rPr lang="en-US" sz="2000" dirty="0" err="1"/>
               <a:t>Ismay</a:t>
             </a:r>
             <a:r>
-              <a:rPr lang="en-US" sz="2400" dirty="0"/>
+              <a:rPr lang="en-US" sz="2000" dirty="0"/>
               <a:t> and Albert Y. Kim - An Introduction to Statistical and Data Sciences via R (2018)</a:t>
             </a:r>
           </a:p>
@@ -9173,7 +9193,7 @@
             <a:r>
               <a:rPr lang="en-US" sz="1400" dirty="0">
                 <a:latin typeface="Avenir Medium" panose="02000503020000020003" pitchFamily="2" charset="0"/>
-                <a:hlinkClick r:id="rId4"/>
+                <a:hlinkClick r:id="rId5"/>
               </a:rPr>
               <a:t>https://moderndive.com/7-multiple-regression.html</a:t>
             </a:r>
@@ -9188,7 +9208,7 @@
               </a:lnSpc>
             </a:pPr>
             <a:r>
-              <a:rPr lang="en-US" altLang="en-US" sz="2400" dirty="0"/>
+              <a:rPr lang="en-US" altLang="en-US" sz="2000" dirty="0"/>
               <a:t>Patrick Meyer - Exploratory Data Analysis (2015)</a:t>
             </a:r>
           </a:p>
@@ -9206,7 +9226,7 @@
             <a:r>
               <a:rPr lang="en-US" altLang="en-US" sz="1400" dirty="0">
                 <a:latin typeface="Avenir Medium" panose="02000503020000020003" pitchFamily="2" charset="0"/>
-                <a:hlinkClick r:id="rId5">
+                <a:hlinkClick r:id="rId6">
                   <a:extLst>
                     <a:ext uri="{A12FA001-AC4F-418D-AE19-62706E023703}">
                       <ahyp:hlinkClr xmlns:ahyp="http://schemas.microsoft.com/office/drawing/2018/hyperlinkcolor" val="tx"/>
@@ -9260,6 +9280,564 @@
     <p:extLst>
       <p:ext uri="{BB962C8B-B14F-4D97-AF65-F5344CB8AC3E}">
         <p14:creationId xmlns:p14="http://schemas.microsoft.com/office/powerpoint/2010/main" val="4156946306"/>
+      </p:ext>
+    </p:extLst>
+  </p:cSld>
+  <p:clrMapOvr>
+    <a:masterClrMapping/>
+  </p:clrMapOvr>
+  <p:transition>
+    <p:random/>
+  </p:transition>
+</p:sld>
+</file>
+
+<file path=ppt/slides/slide14.xml><?xml version="1.0" encoding="utf-8"?>
+<p:sld xmlns:a="http://schemas.openxmlformats.org/drawingml/2006/main" xmlns:r="http://schemas.openxmlformats.org/officeDocument/2006/relationships" xmlns:p="http://schemas.openxmlformats.org/presentationml/2006/main">
+  <p:cSld>
+    <p:spTree>
+      <p:nvGrpSpPr>
+        <p:cNvPr id="1" name=""/>
+        <p:cNvGrpSpPr/>
+        <p:nvPr/>
+      </p:nvGrpSpPr>
+      <p:grpSpPr>
+        <a:xfrm>
+          <a:off x="0" y="0"/>
+          <a:ext cx="0" cy="0"/>
+          <a:chOff x="0" y="0"/>
+          <a:chExt cx="0" cy="0"/>
+        </a:xfrm>
+      </p:grpSpPr>
+      <p:sp>
+        <p:nvSpPr>
+          <p:cNvPr id="2" name="Title 1">
+            <a:extLst>
+              <a:ext uri="{FF2B5EF4-FFF2-40B4-BE49-F238E27FC236}">
+                <a16:creationId xmlns:a16="http://schemas.microsoft.com/office/drawing/2014/main" id="{8B7F6E06-A868-0C45-B1A6-486B51B525D9}"/>
+              </a:ext>
+            </a:extLst>
+          </p:cNvPr>
+          <p:cNvSpPr>
+            <a:spLocks noGrp="1"/>
+          </p:cNvSpPr>
+          <p:nvPr>
+            <p:ph type="title"/>
+          </p:nvPr>
+        </p:nvSpPr>
+        <p:spPr>
+          <a:xfrm>
+            <a:off x="304800" y="76200"/>
+            <a:ext cx="8686800" cy="1143000"/>
+          </a:xfrm>
+        </p:spPr>
+        <p:txBody>
+          <a:bodyPr>
+            <a:normAutofit/>
+          </a:bodyPr>
+          <a:lstStyle/>
+          <a:p>
+            <a:pPr algn="ctr" eaLnBrk="1" fontAlgn="auto" hangingPunct="1">
+              <a:spcAft>
+                <a:spcPts val="0"/>
+              </a:spcAft>
+              <a:defRPr/>
+            </a:pPr>
+            <a:r>
+              <a:rPr lang="en-US" dirty="0">
+                <a:solidFill>
+                  <a:schemeClr val="tx2">
+                    <a:satMod val="130000"/>
+                  </a:schemeClr>
+                </a:solidFill>
+                <a:latin typeface="Arial Unicode MS" panose="020B0604020202020204" pitchFamily="34" charset="-128"/>
+                <a:ea typeface="Arial Unicode MS" panose="020B0604020202020204" pitchFamily="34" charset="-128"/>
+                <a:cs typeface="Arial Unicode MS" panose="020B0604020202020204" pitchFamily="34" charset="-128"/>
+              </a:rPr>
+              <a:t>Packages for Exploratory Data Analysis</a:t>
+            </a:r>
+          </a:p>
+        </p:txBody>
+      </p:sp>
+      <p:sp>
+        <p:nvSpPr>
+          <p:cNvPr id="19458" name="Text Placeholder 2">
+            <a:extLst>
+              <a:ext uri="{FF2B5EF4-FFF2-40B4-BE49-F238E27FC236}">
+                <a16:creationId xmlns:a16="http://schemas.microsoft.com/office/drawing/2014/main" id="{A1D0D235-AC8C-C84E-8DF2-AD64B3A22DEA}"/>
+              </a:ext>
+            </a:extLst>
+          </p:cNvPr>
+          <p:cNvSpPr txBox="1">
+            <a:spLocks/>
+          </p:cNvSpPr>
+          <p:nvPr/>
+        </p:nvSpPr>
+        <p:spPr bwMode="auto">
+          <a:xfrm>
+            <a:off x="685800" y="1066800"/>
+            <a:ext cx="8534400" cy="5638800"/>
+          </a:xfrm>
+          <a:prstGeom prst="rect">
+            <a:avLst/>
+          </a:prstGeom>
+          <a:noFill/>
+          <a:ln>
+            <a:noFill/>
+          </a:ln>
+          <a:extLst>
+            <a:ext uri="{909E8E84-426E-40DD-AFC4-6F175D3DCCD1}">
+              <a14:hiddenFill xmlns:a14="http://schemas.microsoft.com/office/drawing/2010/main">
+                <a:solidFill>
+                  <a:srgbClr val="FFFFFF"/>
+                </a:solidFill>
+              </a14:hiddenFill>
+            </a:ext>
+            <a:ext uri="{91240B29-F687-4F45-9708-019B960494DF}">
+              <a14:hiddenLine xmlns:a14="http://schemas.microsoft.com/office/drawing/2010/main" w="9525">
+                <a:solidFill>
+                  <a:srgbClr val="000000"/>
+                </a:solidFill>
+                <a:miter lim="800000"/>
+                <a:headEnd/>
+                <a:tailEnd/>
+              </a14:hiddenLine>
+            </a:ext>
+          </a:extLst>
+        </p:spPr>
+        <p:txBody>
+          <a:bodyPr/>
+          <a:lstStyle>
+            <a:lvl1pPr marL="365125" indent="-282575">
+              <a:spcBef>
+                <a:spcPts val="600"/>
+              </a:spcBef>
+              <a:buClr>
+                <a:schemeClr val="accent1"/>
+              </a:buClr>
+              <a:buSzPct val="80000"/>
+              <a:buFont typeface="Wingdings 2" pitchFamily="2" charset="2"/>
+              <a:buChar char=""/>
+              <a:defRPr sz="2800">
+                <a:solidFill>
+                  <a:schemeClr val="tx1"/>
+                </a:solidFill>
+                <a:latin typeface="Avenir Medium" panose="02000503020000020003" pitchFamily="2" charset="0"/>
+              </a:defRPr>
+            </a:lvl1pPr>
+            <a:lvl2pPr marL="639763" indent="-236538">
+              <a:spcBef>
+                <a:spcPts val="550"/>
+              </a:spcBef>
+              <a:buClr>
+                <a:schemeClr val="accent1"/>
+              </a:buClr>
+              <a:buFont typeface="Verdana" panose="020B0604030504040204" pitchFamily="34" charset="0"/>
+              <a:buChar char="◦"/>
+              <a:defRPr sz="2400">
+                <a:solidFill>
+                  <a:schemeClr val="tx1"/>
+                </a:solidFill>
+                <a:latin typeface="Arial" panose="020B0604020202020204" pitchFamily="34" charset="0"/>
+              </a:defRPr>
+            </a:lvl2pPr>
+            <a:lvl3pPr marL="885825" indent="-228600">
+              <a:spcBef>
+                <a:spcPct val="20000"/>
+              </a:spcBef>
+              <a:buClr>
+                <a:schemeClr val="accent2"/>
+              </a:buClr>
+              <a:buFont typeface="Wingdings 2" pitchFamily="2" charset="2"/>
+              <a:buChar char=""/>
+              <a:defRPr sz="2200">
+                <a:solidFill>
+                  <a:schemeClr val="tx1"/>
+                </a:solidFill>
+                <a:latin typeface="Book Antiqua" panose="02040602050305030304" pitchFamily="18" charset="0"/>
+              </a:defRPr>
+            </a:lvl3pPr>
+            <a:lvl4pPr marL="1096963" indent="-173038">
+              <a:spcBef>
+                <a:spcPct val="20000"/>
+              </a:spcBef>
+              <a:buClr>
+                <a:srgbClr val="C32D2E"/>
+              </a:buClr>
+              <a:buFont typeface="Wingdings 2" pitchFamily="2" charset="2"/>
+              <a:buChar char=""/>
+              <a:defRPr sz="2000">
+                <a:solidFill>
+                  <a:schemeClr val="tx1"/>
+                </a:solidFill>
+                <a:latin typeface="Gill Sans MT" panose="020B0502020104020203" pitchFamily="34" charset="77"/>
+              </a:defRPr>
+            </a:lvl4pPr>
+            <a:lvl5pPr marL="1296988" indent="-182563">
+              <a:spcBef>
+                <a:spcPct val="20000"/>
+              </a:spcBef>
+              <a:buClr>
+                <a:srgbClr val="84AA33"/>
+              </a:buClr>
+              <a:buFont typeface="Wingdings 2" pitchFamily="2" charset="2"/>
+              <a:buChar char=""/>
+              <a:defRPr sz="2000">
+                <a:solidFill>
+                  <a:schemeClr val="tx1"/>
+                </a:solidFill>
+                <a:latin typeface="Gill Sans MT" panose="020B0502020104020203" pitchFamily="34" charset="77"/>
+              </a:defRPr>
+            </a:lvl5pPr>
+            <a:lvl6pPr marL="1754188" indent="-182563" eaLnBrk="0" fontAlgn="base" hangingPunct="0">
+              <a:spcBef>
+                <a:spcPct val="20000"/>
+              </a:spcBef>
+              <a:spcAft>
+                <a:spcPct val="0"/>
+              </a:spcAft>
+              <a:buClr>
+                <a:srgbClr val="84AA33"/>
+              </a:buClr>
+              <a:buFont typeface="Wingdings 2" pitchFamily="2" charset="2"/>
+              <a:buChar char=""/>
+              <a:defRPr sz="2000">
+                <a:solidFill>
+                  <a:schemeClr val="tx1"/>
+                </a:solidFill>
+                <a:latin typeface="Gill Sans MT" panose="020B0502020104020203" pitchFamily="34" charset="77"/>
+              </a:defRPr>
+            </a:lvl6pPr>
+            <a:lvl7pPr marL="2211388" indent="-182563" eaLnBrk="0" fontAlgn="base" hangingPunct="0">
+              <a:spcBef>
+                <a:spcPct val="20000"/>
+              </a:spcBef>
+              <a:spcAft>
+                <a:spcPct val="0"/>
+              </a:spcAft>
+              <a:buClr>
+                <a:srgbClr val="84AA33"/>
+              </a:buClr>
+              <a:buFont typeface="Wingdings 2" pitchFamily="2" charset="2"/>
+              <a:buChar char=""/>
+              <a:defRPr sz="2000">
+                <a:solidFill>
+                  <a:schemeClr val="tx1"/>
+                </a:solidFill>
+                <a:latin typeface="Gill Sans MT" panose="020B0502020104020203" pitchFamily="34" charset="77"/>
+              </a:defRPr>
+            </a:lvl7pPr>
+            <a:lvl8pPr marL="2668588" indent="-182563" eaLnBrk="0" fontAlgn="base" hangingPunct="0">
+              <a:spcBef>
+                <a:spcPct val="20000"/>
+              </a:spcBef>
+              <a:spcAft>
+                <a:spcPct val="0"/>
+              </a:spcAft>
+              <a:buClr>
+                <a:srgbClr val="84AA33"/>
+              </a:buClr>
+              <a:buFont typeface="Wingdings 2" pitchFamily="2" charset="2"/>
+              <a:buChar char=""/>
+              <a:defRPr sz="2000">
+                <a:solidFill>
+                  <a:schemeClr val="tx1"/>
+                </a:solidFill>
+                <a:latin typeface="Gill Sans MT" panose="020B0502020104020203" pitchFamily="34" charset="77"/>
+              </a:defRPr>
+            </a:lvl8pPr>
+            <a:lvl9pPr marL="3125788" indent="-182563" eaLnBrk="0" fontAlgn="base" hangingPunct="0">
+              <a:spcBef>
+                <a:spcPct val="20000"/>
+              </a:spcBef>
+              <a:spcAft>
+                <a:spcPct val="0"/>
+              </a:spcAft>
+              <a:buClr>
+                <a:srgbClr val="84AA33"/>
+              </a:buClr>
+              <a:buFont typeface="Wingdings 2" pitchFamily="2" charset="2"/>
+              <a:buChar char=""/>
+              <a:defRPr sz="2000">
+                <a:solidFill>
+                  <a:schemeClr val="tx1"/>
+                </a:solidFill>
+                <a:latin typeface="Gill Sans MT" panose="020B0502020104020203" pitchFamily="34" charset="77"/>
+              </a:defRPr>
+            </a:lvl9pPr>
+          </a:lstStyle>
+          <a:p>
+            <a:pPr>
+              <a:lnSpc>
+                <a:spcPct val="110000"/>
+              </a:lnSpc>
+            </a:pPr>
+            <a:r>
+              <a:rPr lang="en-US" sz="2400" dirty="0"/>
+              <a:t>A comprehensive view (at the beginning of 2019)</a:t>
+            </a:r>
+          </a:p>
+          <a:p>
+            <a:pPr lvl="1">
+              <a:lnSpc>
+                <a:spcPct val="110000"/>
+              </a:lnSpc>
+            </a:pPr>
+            <a:r>
+              <a:rPr lang="en-US" sz="2000" dirty="0"/>
+              <a:t>The Landscape of R Packages for Automated Exploratory Data Analysis (Mateusz </a:t>
+            </a:r>
+            <a:r>
+              <a:rPr lang="en-US" sz="2000" dirty="0" err="1"/>
+              <a:t>Staniak</a:t>
+            </a:r>
+            <a:r>
+              <a:rPr lang="en-US" sz="2000" dirty="0"/>
+              <a:t> and </a:t>
+            </a:r>
+            <a:r>
+              <a:rPr lang="en-US" sz="2000" dirty="0" err="1"/>
+              <a:t>Przemysław</a:t>
+            </a:r>
+            <a:r>
+              <a:rPr lang="en-US" sz="2000" dirty="0"/>
+              <a:t> </a:t>
+            </a:r>
+            <a:r>
+              <a:rPr lang="en-US" sz="2000" dirty="0" err="1"/>
+              <a:t>Biecek</a:t>
+            </a:r>
+            <a:r>
+              <a:rPr lang="en-US" sz="2000" dirty="0"/>
+              <a:t>)</a:t>
+            </a:r>
+          </a:p>
+          <a:p>
+            <a:pPr marL="403225" lvl="1" indent="0">
+              <a:lnSpc>
+                <a:spcPct val="110000"/>
+              </a:lnSpc>
+              <a:buNone/>
+            </a:pPr>
+            <a:r>
+              <a:rPr lang="en-US" sz="1400" dirty="0">
+                <a:hlinkClick r:id="rId2">
+                  <a:extLst>
+                    <a:ext uri="{A12FA001-AC4F-418D-AE19-62706E023703}">
+                      <ahyp:hlinkClr xmlns:ahyp="http://schemas.microsoft.com/office/drawing/2018/hyperlinkcolor" val="tx"/>
+                    </a:ext>
+                  </a:extLst>
+                </a:hlinkClick>
+              </a:rPr>
+              <a:t>https://arxiv.org/pdf/1904.02101v1.pdf</a:t>
+            </a:r>
+            <a:endParaRPr lang="en-US" sz="1400" dirty="0"/>
+          </a:p>
+          <a:p>
+            <a:pPr lvl="1">
+              <a:lnSpc>
+                <a:spcPct val="110000"/>
+              </a:lnSpc>
+            </a:pPr>
+            <a:endParaRPr lang="en-US" sz="2000" dirty="0"/>
+          </a:p>
+          <a:p>
+            <a:pPr>
+              <a:lnSpc>
+                <a:spcPct val="110000"/>
+              </a:lnSpc>
+            </a:pPr>
+            <a:r>
+              <a:rPr lang="en-US" sz="2400" dirty="0"/>
+              <a:t>Other resources on EDA packages</a:t>
+            </a:r>
+          </a:p>
+          <a:p>
+            <a:pPr lvl="1">
+              <a:lnSpc>
+                <a:spcPct val="110000"/>
+              </a:lnSpc>
+            </a:pPr>
+            <a:r>
+              <a:rPr lang="en-US" sz="2000" dirty="0"/>
+              <a:t>explore</a:t>
+            </a:r>
+          </a:p>
+          <a:p>
+            <a:pPr marL="403225" lvl="1" indent="0">
+              <a:lnSpc>
+                <a:spcPct val="110000"/>
+              </a:lnSpc>
+              <a:buNone/>
+            </a:pPr>
+            <a:r>
+              <a:rPr lang="en-US" sz="1400" dirty="0">
+                <a:hlinkClick r:id="rId3"/>
+              </a:rPr>
+              <a:t>https://cran.r-project.org/web/packages/explore/vignettes/explore.html</a:t>
+            </a:r>
+            <a:endParaRPr lang="en-US" sz="2000" dirty="0"/>
+          </a:p>
+          <a:p>
+            <a:pPr lvl="1">
+              <a:lnSpc>
+                <a:spcPct val="110000"/>
+              </a:lnSpc>
+            </a:pPr>
+            <a:r>
+              <a:rPr lang="en-US" sz="2000" dirty="0" err="1"/>
+              <a:t>DataExplorer</a:t>
+            </a:r>
+            <a:endParaRPr lang="en-US" sz="2000" dirty="0"/>
+          </a:p>
+          <a:p>
+            <a:pPr marL="403225" lvl="1" indent="0">
+              <a:lnSpc>
+                <a:spcPct val="110000"/>
+              </a:lnSpc>
+              <a:buNone/>
+            </a:pPr>
+            <a:r>
+              <a:rPr lang="en-US" sz="1400" dirty="0">
+                <a:hlinkClick r:id="rId4">
+                  <a:extLst>
+                    <a:ext uri="{A12FA001-AC4F-418D-AE19-62706E023703}">
+                      <ahyp:hlinkClr xmlns:ahyp="http://schemas.microsoft.com/office/drawing/2018/hyperlinkcolor" val="tx"/>
+                    </a:ext>
+                  </a:extLst>
+                </a:hlinkClick>
+              </a:rPr>
+              <a:t>https://boxuancui.github.io/DataExplorer/</a:t>
+            </a:r>
+            <a:endParaRPr lang="en-US" sz="1400" dirty="0"/>
+          </a:p>
+          <a:p>
+            <a:pPr marL="403225" lvl="1" indent="0">
+              <a:lnSpc>
+                <a:spcPct val="110000"/>
+              </a:lnSpc>
+              <a:buNone/>
+            </a:pPr>
+            <a:r>
+              <a:rPr lang="en-US" sz="1400" dirty="0">
+                <a:hlinkClick r:id="rId5"/>
+              </a:rPr>
+              <a:t>https://www.programmingwithr.com/how-to-automate-eda-with-dataexplorer-in-r/</a:t>
+            </a:r>
+            <a:endParaRPr lang="en-US" sz="1400" dirty="0"/>
+          </a:p>
+          <a:p>
+            <a:pPr lvl="1">
+              <a:lnSpc>
+                <a:spcPct val="110000"/>
+              </a:lnSpc>
+            </a:pPr>
+            <a:r>
+              <a:rPr lang="en-US" sz="2000" dirty="0"/>
+              <a:t>Exploratory Data Analysis &amp; Data Preparation with '</a:t>
+            </a:r>
+            <a:r>
+              <a:rPr lang="en-US" sz="2000" dirty="0" err="1"/>
+              <a:t>funModeling</a:t>
+            </a:r>
+            <a:r>
+              <a:rPr lang="en-US" sz="2000" dirty="0"/>
+              <a:t>’</a:t>
+            </a:r>
+          </a:p>
+          <a:p>
+            <a:pPr marL="403225" lvl="1" indent="0">
+              <a:lnSpc>
+                <a:spcPct val="110000"/>
+              </a:lnSpc>
+              <a:buNone/>
+            </a:pPr>
+            <a:r>
+              <a:rPr lang="en-US" sz="1400" dirty="0">
+                <a:hlinkClick r:id="rId6"/>
+              </a:rPr>
+              <a:t>https://blog.datascienceheroes.com/exploratory-data-analysis-data-preparation-with-funmodeling/</a:t>
+            </a:r>
+            <a:endParaRPr lang="en-US" sz="1400" dirty="0"/>
+          </a:p>
+          <a:p>
+            <a:pPr lvl="1">
+              <a:lnSpc>
+                <a:spcPct val="110000"/>
+              </a:lnSpc>
+            </a:pPr>
+            <a:r>
+              <a:rPr lang="en-US" sz="2000" dirty="0"/>
+              <a:t>Simple EDA in R with </a:t>
+            </a:r>
+            <a:r>
+              <a:rPr lang="en-US" sz="2000" dirty="0" err="1"/>
+              <a:t>inspectdf</a:t>
+            </a:r>
+            <a:endParaRPr lang="en-US" sz="2000" dirty="0"/>
+          </a:p>
+          <a:p>
+            <a:pPr marL="403225" lvl="1" indent="0">
+              <a:lnSpc>
+                <a:spcPct val="110000"/>
+              </a:lnSpc>
+              <a:buNone/>
+            </a:pPr>
+            <a:r>
+              <a:rPr lang="en-US" sz="1400" dirty="0">
+                <a:hlinkClick r:id="rId7"/>
+              </a:rPr>
+              <a:t>https://www.littlemissdata.com/blog/inspectdf</a:t>
+            </a:r>
+            <a:endParaRPr lang="en-US" sz="1400" dirty="0"/>
+          </a:p>
+          <a:p>
+            <a:pPr lvl="1">
+              <a:lnSpc>
+                <a:spcPct val="110000"/>
+              </a:lnSpc>
+            </a:pPr>
+            <a:endParaRPr lang="en-US" sz="2000" dirty="0"/>
+          </a:p>
+          <a:p>
+            <a:pPr lvl="1">
+              <a:lnSpc>
+                <a:spcPct val="110000"/>
+              </a:lnSpc>
+            </a:pPr>
+            <a:endParaRPr lang="en-US" sz="2000" dirty="0"/>
+          </a:p>
+          <a:p>
+            <a:pPr lvl="1" eaLnBrk="1" hangingPunct="1">
+              <a:buFont typeface="Verdana" panose="020B0604030504040204" pitchFamily="34" charset="0"/>
+              <a:buNone/>
+            </a:pPr>
+            <a:endParaRPr lang="en-US" altLang="en-US" sz="1500" dirty="0">
+              <a:latin typeface="Avenir Medium" panose="02000503020000020003" pitchFamily="2" charset="0"/>
+            </a:endParaRPr>
+          </a:p>
+          <a:p>
+            <a:pPr lvl="1" eaLnBrk="1" hangingPunct="1">
+              <a:buFont typeface="Verdana" panose="020B0604030504040204" pitchFamily="34" charset="0"/>
+              <a:buNone/>
+            </a:pPr>
+            <a:endParaRPr lang="en-US" altLang="en-US" sz="1500" dirty="0">
+              <a:latin typeface="Avenir Medium" panose="02000503020000020003" pitchFamily="2" charset="0"/>
+            </a:endParaRPr>
+          </a:p>
+          <a:p>
+            <a:pPr eaLnBrk="1" hangingPunct="1"/>
+            <a:endParaRPr lang="en-US" altLang="en-US" sz="2300" dirty="0">
+              <a:ea typeface="Avenir Medium" panose="02000503020000020003" pitchFamily="2" charset="0"/>
+              <a:cs typeface="Avenir Medium" panose="02000503020000020003" pitchFamily="2" charset="0"/>
+            </a:endParaRPr>
+          </a:p>
+        </p:txBody>
+      </p:sp>
+    </p:spTree>
+    <p:extLst>
+      <p:ext uri="{BB962C8B-B14F-4D97-AF65-F5344CB8AC3E}">
+        <p14:creationId xmlns:p14="http://schemas.microsoft.com/office/powerpoint/2010/main" val="3372645858"/>
       </p:ext>
     </p:extLst>
   </p:cSld>

--- a/09 Exploratory Data Analysis/09 Exploratory Data Analysis.pptx
+++ b/09 Exploratory Data Analysis/09 Exploratory Data Analysis.pptx
@@ -298,7 +298,7 @@
               <a:pPr>
                 <a:defRPr/>
               </a:pPr>
-              <a:t>11/13/19</a:t>
+              <a:t>11/30/22</a:t>
             </a:fld>
             <a:endParaRPr lang="en-US"/>
           </a:p>
@@ -412,6 +412,11 @@
         </p:txBody>
       </p:sp>
     </p:spTree>
+    <p:extLst>
+      <p:ext uri="{BB962C8B-B14F-4D97-AF65-F5344CB8AC3E}">
+        <p14:creationId xmlns:p14="http://schemas.microsoft.com/office/powerpoint/2010/main" val="1"/>
+      </p:ext>
+    </p:extLst>
   </p:cSld>
   <p:clrMap bg1="lt1" tx1="dk1" bg2="lt2" tx2="dk2" accent1="accent1" accent2="accent2" accent3="accent3" accent4="accent4" accent5="accent5" accent6="accent6" hlink="hlink" folHlink="folHlink"/>
 </p:handoutMaster>
@@ -543,7 +548,7 @@
               <a:pPr>
                 <a:defRPr/>
               </a:pPr>
-              <a:t>11/13/19</a:t>
+              <a:t>11/30/22</a:t>
             </a:fld>
             <a:endParaRPr lang="en-US"/>
           </a:p>
@@ -9634,10 +9639,11 @@
             <a:endParaRPr lang="en-US" sz="1400" dirty="0"/>
           </a:p>
           <a:p>
-            <a:pPr lvl="1">
+            <a:pPr marL="403225" lvl="1" indent="0">
               <a:lnSpc>
                 <a:spcPct val="110000"/>
               </a:lnSpc>
+              <a:buNone/>
             </a:pPr>
             <a:endParaRPr lang="en-US" sz="2000" dirty="0"/>
           </a:p>
@@ -10451,34 +10457,28 @@
               </a:lnSpc>
             </a:pPr>
             <a:r>
+              <a:rPr lang="ro-RO" sz="2800" dirty="0">
+                <a:latin typeface="Avenir Medium"/>
+              </a:rPr>
+              <a:t>10  </a:t>
+            </a:r>
+            <a:r>
               <a:rPr lang="ro-RO" sz="2800" dirty="0" err="1">
                 <a:latin typeface="Avenir Medium"/>
               </a:rPr>
-              <a:t>Probability</a:t>
+              <a:t>Exploratory</a:t>
             </a:r>
             <a:r>
               <a:rPr lang="ro-RO" sz="2800" dirty="0">
                 <a:latin typeface="Avenir Medium"/>
               </a:rPr>
-              <a:t> &amp; </a:t>
+              <a:t> data </a:t>
             </a:r>
             <a:r>
               <a:rPr lang="ro-RO" sz="2800" dirty="0" err="1">
                 <a:latin typeface="Avenir Medium"/>
               </a:rPr>
-              <a:t>Statistics</a:t>
-            </a:r>
-            <a:r>
-              <a:rPr lang="ro-RO" sz="2800" dirty="0">
-                <a:latin typeface="Avenir Medium"/>
-              </a:rPr>
-              <a:t> for Data </a:t>
-            </a:r>
-            <a:r>
-              <a:rPr lang="ro-RO" sz="2800" dirty="0" err="1">
-                <a:latin typeface="Avenir Medium"/>
-              </a:rPr>
-              <a:t>Science</a:t>
+              <a:t>analysis</a:t>
             </a:r>
             <a:r>
               <a:rPr lang="ro-RO" sz="2800" dirty="0">
@@ -10490,19 +10490,7 @@
               <a:rPr lang="ro-RO" sz="2800" dirty="0" err="1">
                 <a:latin typeface="Avenir Medium"/>
               </a:rPr>
-              <a:t>Series</a:t>
-            </a:r>
-            <a:r>
-              <a:rPr lang="ro-RO" sz="2800" dirty="0">
-                <a:latin typeface="Avenir Medium"/>
-              </a:rPr>
-              <a:t>) (</a:t>
-            </a:r>
-            <a:r>
-              <a:rPr lang="ro-RO" sz="2800" dirty="0" err="1">
-                <a:latin typeface="Avenir Medium"/>
-              </a:rPr>
-              <a:t>Ankit</a:t>
+              <a:t>Hadley</a:t>
             </a:r>
             <a:r>
               <a:rPr lang="ro-RO" sz="2800" dirty="0">
@@ -10514,13 +10502,13 @@
               <a:rPr lang="ro-RO" sz="2800" dirty="0" err="1">
                 <a:latin typeface="Avenir Medium"/>
               </a:rPr>
-              <a:t>Rathi</a:t>
+              <a:t>Wickham</a:t>
             </a:r>
             <a:r>
               <a:rPr lang="ro-RO" sz="2800" dirty="0">
                 <a:latin typeface="Avenir Medium"/>
               </a:rPr>
-              <a:t>)</a:t>
+              <a:t> (2017-2022)</a:t>
             </a:r>
             <a:endParaRPr lang="en" sz="2800" dirty="0">
               <a:latin typeface="Avenir Medium"/>
@@ -10540,25 +10528,20 @@
             <a:r>
               <a:rPr lang="ro-RO" sz="2400" dirty="0">
                 <a:latin typeface="Avenir Medium"/>
-                <a:hlinkClick r:id="rId2">
-                  <a:extLst>
-                    <a:ext uri="{A12FA001-AC4F-418D-AE19-62706E023703}">
-                      <ahyp:hlinkClr xmlns:ahyp="http://schemas.microsoft.com/office/drawing/2018/hyperlinkcolor" val="tx"/>
-                    </a:ext>
-                  </a:extLst>
-                </a:hlinkClick>
+                <a:hlinkClick r:id="rId2"/>
               </a:rPr>
-              <a:t>https://medium.com/data-deft/probability-statistics-for-data-science-series-83b94353ca48</a:t>
+              <a:t>https://r4ds.hadley.nz/eda</a:t>
             </a:r>
             <a:endParaRPr lang="ro-RO" sz="2400" dirty="0">
               <a:latin typeface="Avenir Medium"/>
             </a:endParaRPr>
           </a:p>
           <a:p>
-            <a:pPr lvl="1">
+            <a:pPr marL="402336" lvl="1" indent="0">
               <a:lnSpc>
                 <a:spcPct val="110000"/>
               </a:lnSpc>
+              <a:buNone/>
             </a:pPr>
             <a:endParaRPr lang="en" sz="2800" dirty="0">
               <a:latin typeface="Avenir Medium"/>

--- a/09 Exploratory Data Analysis/09 Exploratory Data Analysis.pptx
+++ b/09 Exploratory Data Analysis/09 Exploratory Data Analysis.pptx
@@ -298,7 +298,7 @@
               <a:pPr>
                 <a:defRPr/>
               </a:pPr>
-              <a:t>11/30/22</a:t>
+              <a:t>12/1/22</a:t>
             </a:fld>
             <a:endParaRPr lang="en-US"/>
           </a:p>
@@ -548,7 +548,7 @@
               <a:pPr>
                 <a:defRPr/>
               </a:pPr>
-              <a:t>11/30/22</a:t>
+              <a:t>12/1/22</a:t>
             </a:fld>
             <a:endParaRPr lang="en-US"/>
           </a:p>
@@ -10300,8 +10300,8 @@
         </p:nvSpPr>
         <p:spPr>
           <a:xfrm>
-            <a:off x="762000" y="1371600"/>
-            <a:ext cx="8300006" cy="5410200"/>
+            <a:off x="375206" y="1371600"/>
+            <a:ext cx="8686800" cy="5410200"/>
           </a:xfrm>
           <a:prstGeom prst="rect">
             <a:avLst/>
@@ -10457,92 +10457,121 @@
               </a:lnSpc>
             </a:pPr>
             <a:r>
-              <a:rPr lang="ro-RO" sz="2800" dirty="0">
+              <a:rPr lang="ro-RO" sz="2400" dirty="0" err="1">
                 <a:latin typeface="Avenir Medium"/>
               </a:rPr>
-              <a:t>10  </a:t>
-            </a:r>
-            <a:r>
-              <a:rPr lang="ro-RO" sz="2800" dirty="0" err="1">
+              <a:t>Hadley</a:t>
+            </a:r>
+            <a:r>
+              <a:rPr lang="ro-RO" sz="2400" dirty="0">
                 <a:latin typeface="Avenir Medium"/>
               </a:rPr>
-              <a:t>Exploratory</a:t>
-            </a:r>
-            <a:r>
-              <a:rPr lang="ro-RO" sz="2800" dirty="0">
+              <a:t> </a:t>
+            </a:r>
+            <a:r>
+              <a:rPr lang="ro-RO" sz="2400" dirty="0" err="1">
                 <a:latin typeface="Avenir Medium"/>
               </a:rPr>
-              <a:t> data </a:t>
-            </a:r>
-            <a:r>
-              <a:rPr lang="ro-RO" sz="2800" dirty="0" err="1">
+              <a:t>Wickham</a:t>
+            </a:r>
+            <a:r>
+              <a:rPr lang="ro-RO" sz="2400" dirty="0">
                 <a:latin typeface="Avenir Medium"/>
               </a:rPr>
-              <a:t>analysis</a:t>
-            </a:r>
-            <a:r>
-              <a:rPr lang="ro-RO" sz="2800" dirty="0">
+              <a:t> </a:t>
+            </a:r>
+            <a:r>
+              <a:rPr lang="ro-RO" sz="2400" dirty="0" err="1">
+                <a:latin typeface="Avenir Medium"/>
+              </a:rPr>
+              <a:t>and</a:t>
+            </a:r>
+            <a:r>
+              <a:rPr lang="ro-RO" sz="2400" dirty="0">
+                <a:latin typeface="Avenir Medium"/>
+              </a:rPr>
+              <a:t> </a:t>
+            </a:r>
+            <a:r>
+              <a:rPr lang="ro-RO" sz="2400" dirty="0" err="1">
+                <a:latin typeface="Avenir Medium"/>
+              </a:rPr>
+              <a:t>Garrett</a:t>
+            </a:r>
+            <a:r>
+              <a:rPr lang="ro-RO" sz="2400" dirty="0">
+                <a:latin typeface="Avenir Medium"/>
+              </a:rPr>
+              <a:t> </a:t>
+            </a:r>
+            <a:r>
+              <a:rPr lang="ro-RO" sz="2400" dirty="0" err="1">
+                <a:latin typeface="Avenir Medium"/>
+              </a:rPr>
+              <a:t>Grolemund</a:t>
+            </a:r>
+            <a:r>
+              <a:rPr lang="ro-RO" sz="2400" dirty="0">
+                <a:latin typeface="Avenir Medium"/>
+              </a:rPr>
+              <a:t> (2022). R for Data </a:t>
+            </a:r>
+            <a:r>
+              <a:rPr lang="ro-RO" sz="2400" dirty="0" err="1">
+                <a:latin typeface="Avenir Medium"/>
+              </a:rPr>
+              <a:t>Science</a:t>
+            </a:r>
+            <a:r>
+              <a:rPr lang="ro-RO" sz="2400" dirty="0">
                 <a:latin typeface="Avenir Medium"/>
               </a:rPr>
               <a:t> (</a:t>
             </a:r>
-            <a:r>
-              <a:rPr lang="ro-RO" sz="2800" dirty="0" err="1">
-                <a:latin typeface="Avenir Medium"/>
-              </a:rPr>
-              <a:t>Hadley</a:t>
-            </a:r>
-            <a:r>
-              <a:rPr lang="ro-RO" sz="2800" dirty="0">
-                <a:latin typeface="Avenir Medium"/>
-              </a:rPr>
-              <a:t> </a:t>
-            </a:r>
-            <a:r>
-              <a:rPr lang="ro-RO" sz="2800" dirty="0" err="1">
-                <a:latin typeface="Avenir Medium"/>
-              </a:rPr>
-              <a:t>Wickham</a:t>
-            </a:r>
-            <a:r>
-              <a:rPr lang="ro-RO" sz="2800" dirty="0">
-                <a:latin typeface="Avenir Medium"/>
-              </a:rPr>
-              <a:t> (2017-2022)</a:t>
-            </a:r>
-            <a:endParaRPr lang="en" sz="2800" dirty="0">
-              <a:latin typeface="Avenir Medium"/>
-            </a:endParaRPr>
-          </a:p>
-          <a:p>
-            <a:pPr marL="82296" lvl="1" indent="0">
-              <a:lnSpc>
-                <a:spcPct val="110000"/>
-              </a:lnSpc>
-              <a:spcBef>
-                <a:spcPts val="600"/>
-              </a:spcBef>
-              <a:buSzPct val="80000"/>
-              <a:buNone/>
-            </a:pPr>
             <a:r>
               <a:rPr lang="ro-RO" sz="2400" dirty="0">
                 <a:latin typeface="Avenir Medium"/>
                 <a:hlinkClick r:id="rId2"/>
               </a:rPr>
-              <a:t>https://r4ds.hadley.nz/eda</a:t>
-            </a:r>
-            <a:endParaRPr lang="ro-RO" sz="2400" dirty="0">
-              <a:latin typeface="Avenir Medium"/>
-            </a:endParaRPr>
-          </a:p>
-          <a:p>
-            <a:pPr marL="402336" lvl="1" indent="0">
+              <a:t>https://r4ds.hadley.nz</a:t>
+            </a:r>
+            <a:r>
+              <a:rPr lang="ro-RO" sz="2400" dirty="0">
+                <a:latin typeface="Avenir Medium"/>
+              </a:rPr>
+              <a:t>)</a:t>
+            </a:r>
+          </a:p>
+          <a:p>
+            <a:pPr lvl="2">
               <a:lnSpc>
                 <a:spcPct val="110000"/>
               </a:lnSpc>
-              <a:buNone/>
-            </a:pPr>
+            </a:pPr>
+            <a:r>
+              <a:rPr lang="ro-RO" sz="2200" dirty="0">
+                <a:latin typeface="Avenir Medium"/>
+              </a:rPr>
+              <a:t>10  </a:t>
+            </a:r>
+            <a:r>
+              <a:rPr lang="ro-RO" sz="2200" dirty="0" err="1">
+                <a:latin typeface="Avenir Medium"/>
+              </a:rPr>
+              <a:t>Exploratory</a:t>
+            </a:r>
+            <a:r>
+              <a:rPr lang="ro-RO" sz="2200" dirty="0">
+                <a:latin typeface="Avenir Medium"/>
+              </a:rPr>
+              <a:t> data </a:t>
+            </a:r>
+            <a:r>
+              <a:rPr lang="ro-RO" sz="2200" dirty="0" err="1">
+                <a:latin typeface="Avenir Medium"/>
+              </a:rPr>
+              <a:t>analysis</a:t>
+            </a:r>
             <a:endParaRPr lang="en" sz="2800" dirty="0">
               <a:latin typeface="Avenir Medium"/>
             </a:endParaRPr>
@@ -10553,62 +10582,214 @@
                 <a:spcPct val="110000"/>
               </a:lnSpc>
             </a:pPr>
-            <a:r>
-              <a:rPr lang="en" sz="2800" dirty="0">
+            <a:endParaRPr lang="en-GB" sz="1100" dirty="0">
+              <a:latin typeface="Avenir Medium"/>
+            </a:endParaRPr>
+          </a:p>
+          <a:p>
+            <a:pPr lvl="1">
+              <a:lnSpc>
+                <a:spcPct val="110000"/>
+              </a:lnSpc>
+            </a:pPr>
+            <a:r>
+              <a:rPr lang="en-GB" sz="2400" dirty="0">
+                <a:latin typeface="Avenir Medium"/>
+              </a:rPr>
+              <a:t>Mine </a:t>
+            </a:r>
+            <a:r>
+              <a:rPr lang="en-GB" sz="2400" dirty="0" err="1">
+                <a:latin typeface="Avenir Medium"/>
+              </a:rPr>
+              <a:t>Çetinkaya-Rundel</a:t>
+            </a:r>
+            <a:r>
+              <a:rPr lang="en-GB" sz="2400" dirty="0">
+                <a:latin typeface="Avenir Medium"/>
+              </a:rPr>
+              <a:t> and Johanna Hardin (2021-2022). Introduction to Modern Statistics </a:t>
+            </a:r>
+            <a:r>
+              <a:rPr lang="en-GB" sz="2000" dirty="0">
+                <a:latin typeface="Avenir Medium"/>
+              </a:rPr>
+              <a:t>(</a:t>
+            </a:r>
+            <a:r>
+              <a:rPr lang="en-GB" sz="2000" dirty="0">
+                <a:latin typeface="Avenir Medium"/>
+                <a:hlinkClick r:id="rId3"/>
+              </a:rPr>
+              <a:t>https://openintro-ims.netlify.app/index.html</a:t>
+            </a:r>
+            <a:r>
+              <a:rPr lang="en-GB" sz="2000" dirty="0">
+                <a:latin typeface="Avenir Medium"/>
+              </a:rPr>
+              <a:t>)</a:t>
+            </a:r>
+          </a:p>
+          <a:p>
+            <a:pPr lvl="2">
+              <a:lnSpc>
+                <a:spcPct val="110000"/>
+              </a:lnSpc>
+            </a:pPr>
+            <a:r>
+              <a:rPr lang="en-GB" sz="2000" b="0" i="0" u="none" strike="noStrike" dirty="0">
+                <a:solidFill>
+                  <a:srgbClr val="6C6C6C"/>
+                </a:solidFill>
+                <a:effectLst/>
+                <a:latin typeface="-apple-system"/>
+              </a:rPr>
+              <a:t>4</a:t>
+            </a:r>
+            <a:r>
+              <a:rPr lang="en-GB" sz="2000" b="1" i="0" u="none" strike="noStrike" dirty="0">
+                <a:solidFill>
+                  <a:srgbClr val="569BBD"/>
+                </a:solidFill>
+                <a:effectLst/>
+                <a:latin typeface="-apple-system"/>
+              </a:rPr>
+              <a:t> Exploring categorical data</a:t>
+            </a:r>
+          </a:p>
+          <a:p>
+            <a:pPr lvl="2">
+              <a:lnSpc>
+                <a:spcPct val="110000"/>
+              </a:lnSpc>
+            </a:pPr>
+            <a:r>
+              <a:rPr lang="en-GB" sz="2000" b="0" i="0" u="none" strike="noStrike" dirty="0">
+                <a:solidFill>
+                  <a:srgbClr val="6C6C6C"/>
+                </a:solidFill>
+                <a:effectLst/>
+                <a:latin typeface="-apple-system"/>
+              </a:rPr>
+              <a:t>5</a:t>
+            </a:r>
+            <a:r>
+              <a:rPr lang="en-GB" sz="2000" b="1" i="0" u="none" strike="noStrike" dirty="0">
+                <a:solidFill>
+                  <a:srgbClr val="569BBD"/>
+                </a:solidFill>
+                <a:effectLst/>
+                <a:latin typeface="-apple-system"/>
+              </a:rPr>
+              <a:t> Exploring numerical data</a:t>
+            </a:r>
+            <a:endParaRPr lang="en" sz="2800" dirty="0">
+              <a:latin typeface="Avenir Medium"/>
+            </a:endParaRPr>
+          </a:p>
+          <a:p>
+            <a:pPr lvl="1">
+              <a:lnSpc>
+                <a:spcPct val="110000"/>
+              </a:lnSpc>
+            </a:pPr>
+            <a:endParaRPr lang="en" sz="1100" dirty="0">
+              <a:latin typeface="Avenir Medium"/>
+            </a:endParaRPr>
+          </a:p>
+          <a:p>
+            <a:pPr lvl="1">
+              <a:lnSpc>
+                <a:spcPct val="110000"/>
+              </a:lnSpc>
+            </a:pPr>
+            <a:r>
+              <a:rPr lang="en" sz="2400" dirty="0">
                 <a:latin typeface="Avenir Medium"/>
               </a:rPr>
               <a:t>Chester </a:t>
             </a:r>
             <a:r>
-              <a:rPr lang="en" sz="2800" dirty="0" err="1">
+              <a:rPr lang="en" sz="2400" dirty="0" err="1">
                 <a:latin typeface="Avenir Medium"/>
               </a:rPr>
               <a:t>Ismay</a:t>
             </a:r>
             <a:r>
-              <a:rPr lang="en" sz="2800" dirty="0">
+              <a:rPr lang="en" sz="2400" dirty="0">
                 <a:latin typeface="Avenir Medium"/>
               </a:rPr>
-              <a:t> and Albert Y. Kim - An Introduction to Statistical and Data Sciences via R (2018)</a:t>
-            </a:r>
-            <a:r>
-              <a:rPr lang="en-US" sz="2800" dirty="0">
+              <a:t> and Albert Y. Kim (2022). </a:t>
+            </a:r>
+            <a:r>
+              <a:rPr lang="en-GB" sz="2400" dirty="0">
                 <a:latin typeface="Avenir Medium"/>
               </a:rPr>
-              <a:t> – sections </a:t>
-            </a:r>
-            <a:r>
-              <a:rPr lang="en-US" sz="2800" i="1" dirty="0">
+              <a:t>Statistical Inference via Data Science. A </a:t>
+            </a:r>
+            <a:r>
+              <a:rPr lang="en-GB" sz="2400" dirty="0" err="1">
                 <a:latin typeface="Avenir Medium"/>
               </a:rPr>
-              <a:t>6.1.1, 6.2.1, 7.1.1 </a:t>
-            </a:r>
-            <a:r>
-              <a:rPr lang="en-US" sz="2800" dirty="0">
+              <a:t>ModernDive</a:t>
+            </a:r>
+            <a:r>
+              <a:rPr lang="en-GB" sz="2400" dirty="0">
                 <a:latin typeface="Avenir Medium"/>
               </a:rPr>
-              <a:t>and 7.2.1</a:t>
-            </a:r>
-            <a:endParaRPr lang="en-US" sz="2800" i="1" dirty="0">
-              <a:latin typeface="Avenir Medium"/>
-            </a:endParaRPr>
-          </a:p>
-          <a:p>
-            <a:pPr marL="82296" indent="0">
+              <a:t> into R and the </a:t>
+            </a:r>
+            <a:r>
+              <a:rPr lang="en-GB" sz="2400" dirty="0" err="1">
+                <a:latin typeface="Avenir Medium"/>
+              </a:rPr>
+              <a:t>Tidyverse</a:t>
+            </a:r>
+            <a:r>
+              <a:rPr lang="en-GB" sz="2400" dirty="0">
+                <a:latin typeface="Avenir Medium"/>
+              </a:rPr>
+              <a:t> (</a:t>
+            </a:r>
+            <a:r>
+              <a:rPr lang="en-GB" sz="2400" dirty="0">
+                <a:latin typeface="Avenir Medium"/>
+                <a:hlinkClick r:id="rId4"/>
+              </a:rPr>
+              <a:t>https://moderndive.com/index.html</a:t>
+            </a:r>
+            <a:r>
+              <a:rPr lang="en-GB" sz="2400" dirty="0">
+                <a:latin typeface="Avenir Medium"/>
+              </a:rPr>
+              <a:t>)</a:t>
+            </a:r>
+          </a:p>
+          <a:p>
+            <a:pPr lvl="2">
               <a:lnSpc>
                 <a:spcPct val="110000"/>
               </a:lnSpc>
-              <a:buNone/>
-            </a:pPr>
-            <a:r>
-              <a:rPr lang="en-US" sz="2400" dirty="0">
+            </a:pPr>
+            <a:r>
+              <a:rPr lang="en-US" sz="2200">
                 <a:latin typeface="Avenir Medium"/>
-                <a:cs typeface="Avenir Medium"/>
-                <a:hlinkClick r:id="rId3"/>
               </a:rPr>
-              <a:t>https://moderndive.com/6-regression.html</a:t>
-            </a:r>
-            <a:endParaRPr lang="en-US" sz="2400" dirty="0">
+              <a:t>Only sections: </a:t>
+            </a:r>
+            <a:r>
+              <a:rPr lang="en-US" sz="2200" dirty="0">
+                <a:latin typeface="Avenir Medium"/>
+              </a:rPr>
+              <a:t>5.1.1, 5.2.1</a:t>
+            </a:r>
+            <a:r>
+              <a:rPr lang="en-US" sz="2200">
+                <a:latin typeface="Avenir Medium"/>
+              </a:rPr>
+              <a:t>, 6.1.1, 6.2.1</a:t>
+            </a:r>
+            <a:endParaRPr lang="en-US" sz="2200" dirty="0">
               <a:latin typeface="Avenir Medium"/>
             </a:endParaRPr>
           </a:p>

--- a/09 Exploratory Data Analysis/09 Exploratory Data Analysis.pptx
+++ b/09 Exploratory Data Analysis/09 Exploratory Data Analysis.pptx
@@ -298,7 +298,7 @@
               <a:pPr>
                 <a:defRPr/>
               </a:pPr>
-              <a:t>12/1/22</a:t>
+              <a:t>12/24/23</a:t>
             </a:fld>
             <a:endParaRPr lang="en-US"/>
           </a:p>
@@ -548,7 +548,7 @@
               <a:pPr>
                 <a:defRPr/>
               </a:pPr>
-              <a:t>12/1/22</a:t>
+              <a:t>12/24/23</a:t>
             </a:fld>
             <a:endParaRPr lang="en-US"/>
           </a:p>
@@ -8584,11 +8584,11 @@
             </a:pPr>
             <a:r>
               <a:rPr lang="en-US" sz="2200" dirty="0"/>
-              <a:t>Search for answers by </a:t>
-            </a:r>
-            <a:r>
-              <a:rPr lang="en-US" sz="2200" dirty="0" err="1"/>
-              <a:t>visualising</a:t>
+              <a:t>Search for answers </a:t>
+            </a:r>
+            <a:r>
+              <a:rPr lang="en-US" sz="2200"/>
+              <a:t>by visualizing</a:t>
             </a:r>
             <a:r>
               <a:rPr lang="en-US" sz="2200" dirty="0"/>
@@ -9042,7 +9042,35 @@
             </a:pPr>
             <a:r>
               <a:rPr lang="en-US" sz="2000" dirty="0"/>
-              <a:t>Tidy Tuesday Screencast: analyzing college major &amp; income data in R (David Robinson) (2018)</a:t>
+              <a:t>Hadley Wickham, Mine Cetinkaya-</a:t>
+            </a:r>
+            <a:r>
+              <a:rPr lang="en-US" sz="2000" dirty="0" err="1"/>
+              <a:t>Rundel</a:t>
+            </a:r>
+            <a:r>
+              <a:rPr lang="en-US" sz="2000" dirty="0"/>
+              <a:t>, Garrett </a:t>
+            </a:r>
+            <a:r>
+              <a:rPr lang="en-US" sz="2000" dirty="0" err="1"/>
+              <a:t>Grolemund</a:t>
+            </a:r>
+            <a:r>
+              <a:rPr lang="en-US" sz="2000" dirty="0"/>
+              <a:t>, - </a:t>
+            </a:r>
+            <a:r>
+              <a:rPr lang="en-US" sz="2000" i="1" dirty="0"/>
+              <a:t>R for Data Science</a:t>
+            </a:r>
+            <a:r>
+              <a:rPr lang="en-US" sz="2000" dirty="0"/>
+              <a:t>, O’Reilly (2023) - </a:t>
+            </a:r>
+            <a:r>
+              <a:rPr lang="en-US" sz="1800" dirty="0"/>
+              <a:t>7 Exploratory Data Analysis</a:t>
             </a:r>
           </a:p>
           <a:p>
@@ -9053,12 +9081,12 @@
               <a:buNone/>
             </a:pPr>
             <a:r>
-              <a:rPr lang="en-US" sz="1200" dirty="0">
+              <a:rPr lang="en-US" sz="1400" dirty="0">
                 <a:hlinkClick r:id="rId2"/>
               </a:rPr>
-              <a:t>	https://www.youtube.com/watch?time_continue=1&amp;v=nx5yhXAQLxw</a:t>
-            </a:r>
-            <a:endParaRPr lang="en-US" sz="2400" dirty="0"/>
+              <a:t>https://r4ds.hadley.nz/eda</a:t>
+            </a:r>
+            <a:endParaRPr lang="en-US" sz="2000" dirty="0"/>
           </a:p>
           <a:p>
             <a:pPr>
@@ -9066,45 +9094,41 @@
                 <a:spcPct val="110000"/>
               </a:lnSpc>
             </a:pPr>
+            <a:endParaRPr lang="en-US" sz="2000" dirty="0"/>
+          </a:p>
+          <a:p>
+            <a:pPr>
+              <a:lnSpc>
+                <a:spcPct val="110000"/>
+              </a:lnSpc>
+            </a:pPr>
             <a:r>
               <a:rPr lang="en-US" sz="2000" dirty="0"/>
-              <a:t>Garrett </a:t>
-            </a:r>
-            <a:r>
-              <a:rPr lang="en-US" sz="2000" dirty="0" err="1"/>
-              <a:t>Grolemund</a:t>
-            </a:r>
-            <a:r>
-              <a:rPr lang="en-US" sz="2000" dirty="0"/>
-              <a:t>, Hadley Wickham - </a:t>
-            </a:r>
-            <a:r>
-              <a:rPr lang="en-US" sz="2000" i="1" dirty="0"/>
-              <a:t>R for Data Science</a:t>
-            </a:r>
-            <a:r>
-              <a:rPr lang="en-US" sz="2000" dirty="0"/>
-              <a:t>, O’Reilly (2017) - </a:t>
-            </a:r>
-            <a:r>
-              <a:rPr lang="en-US" sz="1800" dirty="0"/>
-              <a:t>7 Exploratory Data Analysis</a:t>
-            </a:r>
-          </a:p>
-          <a:p>
-            <a:pPr marL="403225" lvl="1" indent="0">
+              <a:t>Tidy Tuesday Screencast: analyzing college major &amp; income data in R (David Robinson) (2018)</a:t>
+            </a:r>
+          </a:p>
+          <a:p>
+            <a:pPr marL="82550" indent="0">
               <a:lnSpc>
                 <a:spcPct val="110000"/>
               </a:lnSpc>
               <a:buNone/>
             </a:pPr>
             <a:r>
-              <a:rPr lang="en-US" sz="1400" dirty="0">
+              <a:rPr lang="en-US" sz="1200" dirty="0">
                 <a:hlinkClick r:id="rId3"/>
               </a:rPr>
-              <a:t>https://r4ds.had.co.nz/exploratory-data-analysis.html</a:t>
+              <a:t>https://www.youtube.com/watch?time_continue=1&amp;v=nx5yhXAQLxw</a:t>
             </a:r>
             <a:endParaRPr lang="en-US" sz="1400" dirty="0"/>
+          </a:p>
+          <a:p>
+            <a:pPr>
+              <a:lnSpc>
+                <a:spcPct val="110000"/>
+              </a:lnSpc>
+            </a:pPr>
+            <a:endParaRPr lang="en-US" sz="2000" dirty="0"/>
           </a:p>
           <a:p>
             <a:pPr>
@@ -9153,103 +9177,6 @@
               <a:rPr lang="en-US" sz="1800" dirty="0"/>
               <a:t>2 Data Preparation</a:t>
             </a:r>
-          </a:p>
-          <a:p>
-            <a:pPr>
-              <a:lnSpc>
-                <a:spcPct val="110000"/>
-              </a:lnSpc>
-            </a:pPr>
-            <a:r>
-              <a:rPr lang="en-US" sz="2000" dirty="0"/>
-              <a:t>Chester </a:t>
-            </a:r>
-            <a:r>
-              <a:rPr lang="en-US" sz="2000" dirty="0" err="1"/>
-              <a:t>Ismay</a:t>
-            </a:r>
-            <a:r>
-              <a:rPr lang="en-US" sz="2000" dirty="0"/>
-              <a:t> and Albert Y. Kim - An Introduction to Statistical and Data Sciences via R (2018)</a:t>
-            </a:r>
-          </a:p>
-          <a:p>
-            <a:pPr lvl="1">
-              <a:lnSpc>
-                <a:spcPct val="110000"/>
-              </a:lnSpc>
-            </a:pPr>
-            <a:r>
-              <a:rPr lang="en-US" sz="1800" dirty="0"/>
-              <a:t>7.1.1 Exploratory data analysis</a:t>
-            </a:r>
-          </a:p>
-          <a:p>
-            <a:pPr marL="82550" lvl="1" indent="0">
-              <a:lnSpc>
-                <a:spcPct val="110000"/>
-              </a:lnSpc>
-              <a:spcBef>
-                <a:spcPts val="600"/>
-              </a:spcBef>
-              <a:buSzPct val="80000"/>
-              <a:buNone/>
-            </a:pPr>
-            <a:r>
-              <a:rPr lang="en-US" sz="1400" dirty="0">
-                <a:latin typeface="Avenir Medium" panose="02000503020000020003" pitchFamily="2" charset="0"/>
-                <a:hlinkClick r:id="rId5"/>
-              </a:rPr>
-              <a:t>https://moderndive.com/7-multiple-regression.html</a:t>
-            </a:r>
-            <a:endParaRPr lang="en-US" sz="1400" dirty="0">
-              <a:latin typeface="Avenir Medium" panose="02000503020000020003" pitchFamily="2" charset="0"/>
-            </a:endParaRPr>
-          </a:p>
-          <a:p>
-            <a:pPr>
-              <a:lnSpc>
-                <a:spcPct val="110000"/>
-              </a:lnSpc>
-            </a:pPr>
-            <a:r>
-              <a:rPr lang="en-US" altLang="en-US" sz="2000" dirty="0"/>
-              <a:t>Patrick Meyer - Exploratory Data Analysis (2015)</a:t>
-            </a:r>
-          </a:p>
-          <a:p>
-            <a:pPr marL="82550" lvl="1" indent="0">
-              <a:lnSpc>
-                <a:spcPct val="110000"/>
-              </a:lnSpc>
-              <a:spcBef>
-                <a:spcPts val="600"/>
-              </a:spcBef>
-              <a:buSzPct val="80000"/>
-              <a:buNone/>
-            </a:pPr>
-            <a:r>
-              <a:rPr lang="en-US" altLang="en-US" sz="1400" dirty="0">
-                <a:latin typeface="Avenir Medium" panose="02000503020000020003" pitchFamily="2" charset="0"/>
-                <a:hlinkClick r:id="rId6">
-                  <a:extLst>
-                    <a:ext uri="{A12FA001-AC4F-418D-AE19-62706E023703}">
-                      <ahyp:hlinkClr xmlns:ahyp="http://schemas.microsoft.com/office/drawing/2018/hyperlinkcolor" val="tx"/>
-                    </a:ext>
-                  </a:extLst>
-                </a:hlinkClick>
-              </a:rPr>
-              <a:t>https://www.youtube.com/watch?v=zHcQPKP6NpM</a:t>
-            </a:r>
-            <a:endParaRPr lang="en-US" altLang="en-US" sz="1400" dirty="0">
-              <a:latin typeface="Avenir Medium" panose="02000503020000020003" pitchFamily="2" charset="0"/>
-            </a:endParaRPr>
-          </a:p>
-          <a:p>
-            <a:pPr lvl="1" eaLnBrk="1" hangingPunct="1">
-              <a:buFont typeface="Verdana" panose="020B0604030504040204" pitchFamily="34" charset="0"/>
-              <a:buNone/>
-            </a:pPr>
             <a:endParaRPr lang="en-US" altLang="en-US" sz="1500" dirty="0">
               <a:latin typeface="Avenir Medium" panose="02000503020000020003" pitchFamily="2" charset="0"/>
             </a:endParaRPr>
@@ -10772,26 +10699,11 @@
               </a:lnSpc>
             </a:pPr>
             <a:r>
-              <a:rPr lang="en-US" sz="2200">
-                <a:latin typeface="Avenir Medium"/>
-              </a:rPr>
-              <a:t>Only sections: </a:t>
-            </a:r>
-            <a:r>
               <a:rPr lang="en-US" sz="2200" dirty="0">
                 <a:latin typeface="Avenir Medium"/>
               </a:rPr>
-              <a:t>5.1.1, 5.2.1</a:t>
-            </a:r>
-            <a:r>
-              <a:rPr lang="en-US" sz="2200">
-                <a:latin typeface="Avenir Medium"/>
-              </a:rPr>
-              <a:t>, 6.1.1, 6.2.1</a:t>
-            </a:r>
-            <a:endParaRPr lang="en-US" sz="2200" dirty="0">
-              <a:latin typeface="Avenir Medium"/>
-            </a:endParaRPr>
+              <a:t>Only sections: 5.1.1, 5.2.1, 6.1.1, 6.2.1</a:t>
+            </a:r>
           </a:p>
           <a:p>
             <a:pPr marL="402336" lvl="1" indent="0">
